--- a/notes/Lecture_01.pptx
+++ b/notes/Lecture_01.pptx
@@ -14,13 +14,13 @@
     <p:sldId id="256" r:id="rId2"/>
     <p:sldId id="257" r:id="rId3"/>
     <p:sldId id="258" r:id="rId4"/>
-    <p:sldId id="259" r:id="rId5"/>
-    <p:sldId id="267" r:id="rId6"/>
-    <p:sldId id="260" r:id="rId7"/>
-    <p:sldId id="261" r:id="rId8"/>
-    <p:sldId id="262" r:id="rId9"/>
-    <p:sldId id="263" r:id="rId10"/>
-    <p:sldId id="264" r:id="rId11"/>
+    <p:sldId id="269" r:id="rId5"/>
+    <p:sldId id="259" r:id="rId6"/>
+    <p:sldId id="267" r:id="rId7"/>
+    <p:sldId id="260" r:id="rId8"/>
+    <p:sldId id="261" r:id="rId9"/>
+    <p:sldId id="262" r:id="rId10"/>
+    <p:sldId id="263" r:id="rId11"/>
     <p:sldId id="266" r:id="rId12"/>
   </p:sldIdLst>
   <p:sldSz cx="9144000" cy="6858000" type="screen4x3"/>
@@ -885,6 +885,107 @@
 </p:notesMaster>
 </file>
 
+<file path=ppt/notesSlides/notesSlide1.xml><?xml version="1.0" encoding="utf-8"?>
+<p:notes xmlns:a="http://schemas.openxmlformats.org/drawingml/2006/main" xmlns:r="http://schemas.openxmlformats.org/officeDocument/2006/relationships" xmlns:p="http://schemas.openxmlformats.org/presentationml/2006/main">
+  <p:cSld>
+    <p:spTree>
+      <p:nvGrpSpPr>
+        <p:cNvPr id="1" name=""/>
+        <p:cNvGrpSpPr/>
+        <p:nvPr/>
+      </p:nvGrpSpPr>
+      <p:grpSpPr>
+        <a:xfrm>
+          <a:off x="0" y="0"/>
+          <a:ext cx="0" cy="0"/>
+          <a:chOff x="0" y="0"/>
+          <a:chExt cx="0" cy="0"/>
+        </a:xfrm>
+      </p:grpSpPr>
+      <p:sp>
+        <p:nvSpPr>
+          <p:cNvPr id="2" name="Slide Image Placeholder 1"/>
+          <p:cNvSpPr>
+            <a:spLocks noGrp="1" noRot="1" noChangeAspect="1"/>
+          </p:cNvSpPr>
+          <p:nvPr>
+            <p:ph type="sldImg"/>
+          </p:nvPr>
+        </p:nvSpPr>
+        <p:spPr/>
+      </p:sp>
+      <p:sp>
+        <p:nvSpPr>
+          <p:cNvPr id="3" name="Notes Placeholder 2"/>
+          <p:cNvSpPr>
+            <a:spLocks noGrp="1"/>
+          </p:cNvSpPr>
+          <p:nvPr>
+            <p:ph type="body" idx="1"/>
+          </p:nvPr>
+        </p:nvSpPr>
+        <p:spPr/>
+        <p:txBody>
+          <a:bodyPr/>
+          <a:lstStyle/>
+          <a:p>
+            <a:r>
+              <a:rPr lang="en-US"/>
+              <a:t>Do not modify the notes in this section to avoid tampering with the Poll Everywhere activity.
+More info at polleverywhere.com/support
+O que é software livre?</a:t>
+            </a:r>
+          </a:p>
+          <a:p>
+            <a:r>
+              <a:rPr lang="en-US"/>
+              <a:t>https://www.polleverywhere.com/free_text_polls/EM9GfMN2WhuGV1HeKemYh</a:t>
+            </a:r>
+          </a:p>
+        </p:txBody>
+      </p:sp>
+      <p:sp>
+        <p:nvSpPr>
+          <p:cNvPr id="4" name="Slide Number Placeholder 3"/>
+          <p:cNvSpPr>
+            <a:spLocks noGrp="1"/>
+          </p:cNvSpPr>
+          <p:nvPr>
+            <p:ph type="sldNum" sz="quarter" idx="5"/>
+          </p:nvPr>
+        </p:nvSpPr>
+        <p:spPr/>
+        <p:txBody>
+          <a:bodyPr/>
+          <a:lstStyle/>
+          <a:p>
+            <a:pPr>
+              <a:defRPr/>
+            </a:pPr>
+            <a:fld id="{DB9721C8-080E-4AE7-89F7-915173249943}" type="slidenum">
+              <a:rPr lang="en-US" smtClean="0"/>
+              <a:pPr>
+                <a:defRPr/>
+              </a:pPr>
+              <a:t>4</a:t>
+            </a:fld>
+            <a:endParaRPr lang="en-US"/>
+          </a:p>
+        </p:txBody>
+      </p:sp>
+    </p:spTree>
+    <p:extLst>
+      <p:ext uri="{BB962C8B-B14F-4D97-AF65-F5344CB8AC3E}">
+        <p14:creationId xmlns:p14="http://schemas.microsoft.com/office/powerpoint/2010/main" val="3711598944"/>
+      </p:ext>
+    </p:extLst>
+  </p:cSld>
+  <p:clrMapOvr>
+    <a:masterClrMapping/>
+  </p:clrMapOvr>
+</p:notes>
+</file>
+
 <file path=ppt/slideLayouts/slideLayout1.xml><?xml version="1.0" encoding="utf-8"?>
 <p:sldLayout xmlns:a="http://schemas.openxmlformats.org/drawingml/2006/main" xmlns:r="http://schemas.openxmlformats.org/officeDocument/2006/relationships" xmlns:p="http://schemas.openxmlformats.org/presentationml/2006/main" showMasterSp="0" preserve="1" userDrawn="1">
   <p:cSld name="7_Title Slide">
@@ -6977,6 +7078,234 @@
 </p:sldLayout>
 </file>
 
+<file path=ppt/slideLayouts/slideLayout27.xml><?xml version="1.0" encoding="utf-8"?>
+<p:sldLayout xmlns:a="http://schemas.openxmlformats.org/drawingml/2006/main" xmlns:r="http://schemas.openxmlformats.org/officeDocument/2006/relationships" xmlns:p="http://schemas.openxmlformats.org/presentationml/2006/main" type="title" preserve="1">
+  <p:cSld name="Title Slide">
+    <p:spTree>
+      <p:nvGrpSpPr>
+        <p:cNvPr id="1" name=""/>
+        <p:cNvGrpSpPr/>
+        <p:nvPr/>
+      </p:nvGrpSpPr>
+      <p:grpSpPr>
+        <a:xfrm>
+          <a:off x="0" y="0"/>
+          <a:ext cx="0" cy="0"/>
+          <a:chOff x="0" y="0"/>
+          <a:chExt cx="0" cy="0"/>
+        </a:xfrm>
+      </p:grpSpPr>
+      <p:sp>
+        <p:nvSpPr>
+          <p:cNvPr id="2" name="Title 1">
+            <a:extLst>
+              <a:ext uri="{FF2B5EF4-FFF2-40B4-BE49-F238E27FC236}">
+                <a16:creationId xmlns:a16="http://schemas.microsoft.com/office/drawing/2014/main" id="{855BDFB9-51A9-4445-ADB0-BB661CC09AF3}"/>
+              </a:ext>
+            </a:extLst>
+          </p:cNvPr>
+          <p:cNvSpPr>
+            <a:spLocks noGrp="1"/>
+          </p:cNvSpPr>
+          <p:nvPr>
+            <p:ph type="ctrTitle"/>
+          </p:nvPr>
+        </p:nvSpPr>
+        <p:spPr>
+          <a:xfrm>
+            <a:off x="1143000" y="1122363"/>
+            <a:ext cx="6858000" cy="2387600"/>
+          </a:xfrm>
+        </p:spPr>
+        <p:txBody>
+          <a:bodyPr anchor="b"/>
+          <a:lstStyle>
+            <a:lvl1pPr algn="ctr">
+              <a:defRPr sz="6000"/>
+            </a:lvl1pPr>
+          </a:lstStyle>
+          <a:p>
+            <a:r>
+              <a:rPr lang="en-US"/>
+              <a:t>Click to edit Master title style</a:t>
+            </a:r>
+          </a:p>
+        </p:txBody>
+      </p:sp>
+      <p:sp>
+        <p:nvSpPr>
+          <p:cNvPr id="3" name="Subtitle 2">
+            <a:extLst>
+              <a:ext uri="{FF2B5EF4-FFF2-40B4-BE49-F238E27FC236}">
+                <a16:creationId xmlns:a16="http://schemas.microsoft.com/office/drawing/2014/main" id="{6B7F134D-7BF5-244A-A337-9E9F269C72F3}"/>
+              </a:ext>
+            </a:extLst>
+          </p:cNvPr>
+          <p:cNvSpPr>
+            <a:spLocks noGrp="1"/>
+          </p:cNvSpPr>
+          <p:nvPr>
+            <p:ph type="subTitle" idx="1"/>
+          </p:nvPr>
+        </p:nvSpPr>
+        <p:spPr>
+          <a:xfrm>
+            <a:off x="1143000" y="3602038"/>
+            <a:ext cx="6858000" cy="1655762"/>
+          </a:xfrm>
+        </p:spPr>
+        <p:txBody>
+          <a:bodyPr/>
+          <a:lstStyle>
+            <a:lvl1pPr marL="0" indent="0" algn="ctr">
+              <a:buNone/>
+              <a:defRPr sz="2400"/>
+            </a:lvl1pPr>
+            <a:lvl2pPr marL="457200" indent="0" algn="ctr">
+              <a:buNone/>
+              <a:defRPr sz="2000"/>
+            </a:lvl2pPr>
+            <a:lvl3pPr marL="914400" indent="0" algn="ctr">
+              <a:buNone/>
+              <a:defRPr sz="1800"/>
+            </a:lvl3pPr>
+            <a:lvl4pPr marL="1371600" indent="0" algn="ctr">
+              <a:buNone/>
+              <a:defRPr sz="1600"/>
+            </a:lvl4pPr>
+            <a:lvl5pPr marL="1828800" indent="0" algn="ctr">
+              <a:buNone/>
+              <a:defRPr sz="1600"/>
+            </a:lvl5pPr>
+            <a:lvl6pPr marL="2286000" indent="0" algn="ctr">
+              <a:buNone/>
+              <a:defRPr sz="1600"/>
+            </a:lvl6pPr>
+            <a:lvl7pPr marL="2743200" indent="0" algn="ctr">
+              <a:buNone/>
+              <a:defRPr sz="1600"/>
+            </a:lvl7pPr>
+            <a:lvl8pPr marL="3200400" indent="0" algn="ctr">
+              <a:buNone/>
+              <a:defRPr sz="1600"/>
+            </a:lvl8pPr>
+            <a:lvl9pPr marL="3657600" indent="0" algn="ctr">
+              <a:buNone/>
+              <a:defRPr sz="1600"/>
+            </a:lvl9pPr>
+          </a:lstStyle>
+          <a:p>
+            <a:r>
+              <a:rPr lang="en-US"/>
+              <a:t>Click to edit Master subtitle style</a:t>
+            </a:r>
+          </a:p>
+        </p:txBody>
+      </p:sp>
+      <p:sp>
+        <p:nvSpPr>
+          <p:cNvPr id="4" name="Date Placeholder 3">
+            <a:extLst>
+              <a:ext uri="{FF2B5EF4-FFF2-40B4-BE49-F238E27FC236}">
+                <a16:creationId xmlns:a16="http://schemas.microsoft.com/office/drawing/2014/main" id="{9AD8CA15-2B8D-B548-A4C9-E498E759E987}"/>
+              </a:ext>
+            </a:extLst>
+          </p:cNvPr>
+          <p:cNvSpPr>
+            <a:spLocks noGrp="1"/>
+          </p:cNvSpPr>
+          <p:nvPr>
+            <p:ph type="dt" sz="half" idx="10"/>
+          </p:nvPr>
+        </p:nvSpPr>
+        <p:spPr/>
+        <p:txBody>
+          <a:bodyPr/>
+          <a:lstStyle/>
+          <a:p>
+            <a:pPr>
+              <a:defRPr/>
+            </a:pPr>
+            <a:endParaRPr lang="en-US" dirty="0"/>
+          </a:p>
+        </p:txBody>
+      </p:sp>
+      <p:sp>
+        <p:nvSpPr>
+          <p:cNvPr id="5" name="Footer Placeholder 4">
+            <a:extLst>
+              <a:ext uri="{FF2B5EF4-FFF2-40B4-BE49-F238E27FC236}">
+                <a16:creationId xmlns:a16="http://schemas.microsoft.com/office/drawing/2014/main" id="{78D82883-89FD-AD40-8812-1D4CC62646A1}"/>
+              </a:ext>
+            </a:extLst>
+          </p:cNvPr>
+          <p:cNvSpPr>
+            <a:spLocks noGrp="1"/>
+          </p:cNvSpPr>
+          <p:nvPr>
+            <p:ph type="ftr" sz="quarter" idx="11"/>
+          </p:nvPr>
+        </p:nvSpPr>
+        <p:spPr/>
+        <p:txBody>
+          <a:bodyPr/>
+          <a:lstStyle/>
+          <a:p>
+            <a:pPr>
+              <a:defRPr/>
+            </a:pPr>
+            <a:endParaRPr lang="en-US" dirty="0"/>
+          </a:p>
+        </p:txBody>
+      </p:sp>
+      <p:sp>
+        <p:nvSpPr>
+          <p:cNvPr id="6" name="Slide Number Placeholder 5">
+            <a:extLst>
+              <a:ext uri="{FF2B5EF4-FFF2-40B4-BE49-F238E27FC236}">
+                <a16:creationId xmlns:a16="http://schemas.microsoft.com/office/drawing/2014/main" id="{1340B913-AAA9-584C-B710-C4AAF9DEE71A}"/>
+              </a:ext>
+            </a:extLst>
+          </p:cNvPr>
+          <p:cNvSpPr>
+            <a:spLocks noGrp="1"/>
+          </p:cNvSpPr>
+          <p:nvPr>
+            <p:ph type="sldNum" sz="quarter" idx="12"/>
+          </p:nvPr>
+        </p:nvSpPr>
+        <p:spPr/>
+        <p:txBody>
+          <a:bodyPr/>
+          <a:lstStyle/>
+          <a:p>
+            <a:pPr>
+              <a:defRPr/>
+            </a:pPr>
+            <a:fld id="{1BD493C5-18C0-4657-ABB8-57661F65AEBB}" type="slidenum">
+              <a:rPr lang="en-US" smtClean="0"/>
+              <a:pPr>
+                <a:defRPr/>
+              </a:pPr>
+              <a:t>‹#›</a:t>
+            </a:fld>
+            <a:endParaRPr lang="en-US" dirty="0"/>
+          </a:p>
+        </p:txBody>
+      </p:sp>
+    </p:spTree>
+    <p:extLst>
+      <p:ext uri="{BB962C8B-B14F-4D97-AF65-F5344CB8AC3E}">
+        <p14:creationId xmlns:p14="http://schemas.microsoft.com/office/powerpoint/2010/main" val="2082585793"/>
+      </p:ext>
+    </p:extLst>
+  </p:cSld>
+  <p:clrMapOvr>
+    <a:masterClrMapping/>
+  </p:clrMapOvr>
+</p:sldLayout>
+</file>
+
 <file path=ppt/slideLayouts/slideLayout3.xml><?xml version="1.0" encoding="utf-8"?>
 <p:sldLayout xmlns:a="http://schemas.openxmlformats.org/drawingml/2006/main" xmlns:r="http://schemas.openxmlformats.org/officeDocument/2006/relationships" xmlns:p="http://schemas.openxmlformats.org/presentationml/2006/main" showMasterSp="0" preserve="1" userDrawn="1">
   <p:cSld name="3_Title Slide">
@@ -9170,6 +9499,7 @@
     <p:sldLayoutId id="2147483752" r:id="rId24"/>
     <p:sldLayoutId id="2147483750" r:id="rId25"/>
     <p:sldLayoutId id="2147483751" r:id="rId26"/>
+    <p:sldLayoutId id="2147483918" r:id="rId27"/>
   </p:sldLayoutIdLst>
   <p:hf hdr="0" ftr="0" dt="0"/>
   <p:txStyles>
@@ -9610,10 +9940,8 @@
               <a:t>e-mail: </a:t>
             </a:r>
             <a:r>
-              <a:rPr lang="en-US" dirty="0">
-                <a:hlinkClick r:id="rId2"/>
-              </a:rPr>
-              <a:t>Igor.Steinmacher@nau.edu</a:t>
+              <a:rPr lang="en-US" dirty="0" err="1"/>
+              <a:t>igorfs@utfpr.edu.br</a:t>
             </a:r>
             <a:endParaRPr lang="en-US" dirty="0"/>
           </a:p>
@@ -9660,8 +9988,19 @@
           <a:lstStyle/>
           <a:p>
             <a:r>
-              <a:rPr lang="en-US" dirty="0"/>
-              <a:t>Open Source software development</a:t>
+              <a:rPr lang="en-US" dirty="0" err="1"/>
+              <a:t>Desenvolvimento</a:t>
+            </a:r>
+            <a:r>
+              <a:rPr lang="en-US" dirty="0"/>
+              <a:t> de </a:t>
+            </a:r>
+            <a:br>
+              <a:rPr lang="en-US" dirty="0"/>
+            </a:br>
+            <a:r>
+              <a:rPr lang="en-US" dirty="0"/>
+              <a:t>Software Livre</a:t>
             </a:r>
           </a:p>
         </p:txBody>
@@ -9681,7 +10020,7 @@
           <p:nvPr/>
         </p:nvPicPr>
         <p:blipFill>
-          <a:blip r:embed="rId3">
+          <a:blip r:embed="rId2">
             <a:extLst>
               <a:ext uri="{28A0092B-C50C-407E-A947-70E740481C1C}">
                 <a14:useLocalDpi xmlns:a14="http://schemas.microsoft.com/office/drawing/2010/main" val="0"/>
@@ -9748,7 +10087,7 @@
           <p:cNvPr id="2" name="Title 1">
             <a:extLst>
               <a:ext uri="{FF2B5EF4-FFF2-40B4-BE49-F238E27FC236}">
-                <a16:creationId xmlns:a16="http://schemas.microsoft.com/office/drawing/2014/main" id="{BE60D491-1761-714E-A582-97CCB8ADA51E}"/>
+                <a16:creationId xmlns:a16="http://schemas.microsoft.com/office/drawing/2014/main" id="{A96F9E8F-78EB-CD4E-B598-345415D42698}"/>
               </a:ext>
             </a:extLst>
           </p:cNvPr>
@@ -9759,24 +10098,29 @@
             <p:ph type="title"/>
           </p:nvPr>
         </p:nvSpPr>
-        <p:spPr/>
+        <p:spPr>
+          <a:xfrm>
+            <a:off x="174427" y="154431"/>
+            <a:ext cx="8315201" cy="990600"/>
+          </a:xfrm>
+        </p:spPr>
         <p:txBody>
           <a:bodyPr/>
           <a:lstStyle/>
           <a:p>
             <a:r>
               <a:rPr lang="en-US" dirty="0"/>
-              <a:t>Important Information</a:t>
+              <a:t>Grading</a:t>
             </a:r>
           </a:p>
         </p:txBody>
       </p:sp>
       <p:graphicFrame>
         <p:nvGraphicFramePr>
-          <p:cNvPr id="5" name="Content Placeholder 4">
+          <p:cNvPr id="7" name="Content Placeholder 6">
             <a:extLst>
               <a:ext uri="{FF2B5EF4-FFF2-40B4-BE49-F238E27FC236}">
-                <a16:creationId xmlns:a16="http://schemas.microsoft.com/office/drawing/2014/main" id="{5DA5253B-173D-2F49-ABD5-A26D07B6DAE9}"/>
+                <a16:creationId xmlns:a16="http://schemas.microsoft.com/office/drawing/2014/main" id="{4E7A174D-342D-8142-9D37-4D2FB659C4C1}"/>
               </a:ext>
             </a:extLst>
           </p:cNvPr>
@@ -9787,14 +10131,14 @@
             <p:ph idx="1"/>
             <p:extLst>
               <p:ext uri="{D42A27DB-BD31-4B8C-83A1-F6EECF244321}">
-                <p14:modId xmlns:p14="http://schemas.microsoft.com/office/powerpoint/2010/main" val="2509711786"/>
+                <p14:modId xmlns:p14="http://schemas.microsoft.com/office/powerpoint/2010/main" val="939177806"/>
               </p:ext>
             </p:extLst>
           </p:nvPr>
         </p:nvGraphicFramePr>
         <p:xfrm>
-          <a:off x="1071151" y="1231172"/>
-          <a:ext cx="7299453" cy="4703446"/>
+          <a:off x="0" y="1202183"/>
+          <a:ext cx="9144001" cy="4999993"/>
         </p:xfrm>
         <a:graphic>
           <a:graphicData uri="http://schemas.openxmlformats.org/drawingml/2006/table">
@@ -9803,29 +10147,36 @@
                 <a:tableStyleId>{5C22544A-7EE6-4342-B048-85BDC9FD1C3A}</a:tableStyleId>
               </a:tblPr>
               <a:tblGrid>
-                <a:gridCol w="2858172">
+                <a:gridCol w="3348498">
                   <a:extLst>
                     <a:ext uri="{9D8B030D-6E8A-4147-A177-3AD203B41FA5}">
-                      <a16:colId xmlns:a16="http://schemas.microsoft.com/office/drawing/2014/main" val="1001266871"/>
+                      <a16:colId xmlns:a16="http://schemas.microsoft.com/office/drawing/2014/main" val="508579273"/>
                     </a:ext>
                   </a:extLst>
                 </a:gridCol>
-                <a:gridCol w="3799534">
+                <a:gridCol w="3707457">
                   <a:extLst>
                     <a:ext uri="{9D8B030D-6E8A-4147-A177-3AD203B41FA5}">
-                      <a16:colId xmlns:a16="http://schemas.microsoft.com/office/drawing/2014/main" val="61217609"/>
+                      <a16:colId xmlns:a16="http://schemas.microsoft.com/office/drawing/2014/main" val="621088667"/>
                     </a:ext>
                   </a:extLst>
                 </a:gridCol>
-                <a:gridCol w="641747">
+                <a:gridCol w="1044023">
                   <a:extLst>
                     <a:ext uri="{9D8B030D-6E8A-4147-A177-3AD203B41FA5}">
-                      <a16:colId xmlns:a16="http://schemas.microsoft.com/office/drawing/2014/main" val="1255764092"/>
+                      <a16:colId xmlns:a16="http://schemas.microsoft.com/office/drawing/2014/main" val="281665035"/>
+                    </a:ext>
+                  </a:extLst>
+                </a:gridCol>
+                <a:gridCol w="1044023">
+                  <a:extLst>
+                    <a:ext uri="{9D8B030D-6E8A-4147-A177-3AD203B41FA5}">
+                      <a16:colId xmlns:a16="http://schemas.microsoft.com/office/drawing/2014/main" val="3611289222"/>
                     </a:ext>
                   </a:extLst>
                 </a:gridCol>
               </a:tblGrid>
-              <a:tr h="383541">
+              <a:tr h="58202">
                 <a:tc>
                   <a:txBody>
                     <a:bodyPr/>
@@ -9840,12 +10191,12 @@
                         </a:spcAft>
                       </a:pPr>
                       <a:r>
-                        <a:rPr lang="en-US" sz="1800" b="1">
+                        <a:rPr lang="en-US" sz="1600" b="1" dirty="0" err="1">
                           <a:effectLst/>
                         </a:rPr>
                         <a:t>Atividade</a:t>
                       </a:r>
-                      <a:endParaRPr lang="en-US" sz="1800" b="1" dirty="0">
+                      <a:endParaRPr lang="en-US" sz="1600" b="1" dirty="0">
                         <a:effectLst/>
                         <a:latin typeface="Calibri" panose="020F0502020204030204" pitchFamily="34" charset="0"/>
                         <a:ea typeface="Calibri" panose="020F0502020204030204" pitchFamily="34" charset="0"/>
@@ -9909,12 +10260,12 @@
                         </a:spcAft>
                       </a:pPr>
                       <a:r>
-                        <a:rPr lang="en-US" sz="1800" b="1">
+                        <a:rPr lang="en-US" sz="1600" b="1">
                           <a:effectLst/>
                         </a:rPr>
                         <a:t>Entrega</a:t>
                       </a:r>
-                      <a:endParaRPr lang="en-US" sz="1800" b="1" dirty="0">
+                      <a:endParaRPr lang="en-US" sz="1600" b="1" dirty="0">
                         <a:effectLst/>
                         <a:latin typeface="Calibri" panose="020F0502020204030204" pitchFamily="34" charset="0"/>
                         <a:ea typeface="Calibri" panose="020F0502020204030204" pitchFamily="34" charset="0"/>
@@ -9978,17 +10329,144 @@
                         </a:spcAft>
                       </a:pPr>
                       <a:r>
-                        <a:rPr lang="en-US" sz="1800" b="1" dirty="0">
+                        <a:rPr lang="en-US" sz="1600" b="1" dirty="0">
                           <a:effectLst/>
                         </a:rPr>
                         <a:t>Peso</a:t>
                       </a:r>
-                      <a:endParaRPr lang="en-US" sz="1800" b="1" dirty="0">
-                        <a:effectLst/>
-                        <a:latin typeface="Calibri" panose="020F0502020204030204" pitchFamily="34" charset="0"/>
-                        <a:ea typeface="Calibri" panose="020F0502020204030204" pitchFamily="34" charset="0"/>
-                        <a:cs typeface="Times New Roman" panose="02020603050405020304" pitchFamily="18" charset="0"/>
-                      </a:endParaRPr>
+                    </a:p>
+                    <a:p>
+                      <a:pPr marL="0" marR="0" lvl="0" indent="0" algn="ctr" defTabSz="914377" rtl="0" eaLnBrk="1" fontAlgn="auto" latinLnBrk="0" hangingPunct="1">
+                        <a:lnSpc>
+                          <a:spcPct val="100000"/>
+                        </a:lnSpc>
+                        <a:spcBef>
+                          <a:spcPts val="0"/>
+                        </a:spcBef>
+                        <a:spcAft>
+                          <a:spcPts val="0"/>
+                        </a:spcAft>
+                        <a:buClrTx/>
+                        <a:buSzTx/>
+                        <a:buFontTx/>
+                        <a:buNone/>
+                        <a:tabLst/>
+                        <a:defRPr/>
+                      </a:pPr>
+                      <a:r>
+                        <a:rPr lang="en-US" sz="1600" b="1" kern="1200" dirty="0">
+                          <a:solidFill>
+                            <a:schemeClr val="lt1"/>
+                          </a:solidFill>
+                          <a:effectLst/>
+                          <a:latin typeface="+mn-lt"/>
+                          <a:ea typeface="+mn-ea"/>
+                          <a:cs typeface="+mn-cs"/>
+                        </a:rPr>
+                        <a:t>Grad.</a:t>
+                      </a:r>
+                    </a:p>
+                  </a:txBody>
+                  <a:tcPr marL="34673" marR="34673" marT="0" marB="0">
+                    <a:lnL w="12700" cap="flat" cmpd="sng" algn="ctr">
+                      <a:solidFill>
+                        <a:schemeClr val="tx1"/>
+                      </a:solidFill>
+                      <a:prstDash val="solid"/>
+                      <a:round/>
+                      <a:headEnd type="none" w="med" len="med"/>
+                      <a:tailEnd type="none" w="med" len="med"/>
+                    </a:lnL>
+                    <a:lnR w="12700" cap="flat" cmpd="sng" algn="ctr">
+                      <a:solidFill>
+                        <a:schemeClr val="tx1"/>
+                      </a:solidFill>
+                      <a:prstDash val="solid"/>
+                      <a:round/>
+                      <a:headEnd type="none" w="med" len="med"/>
+                      <a:tailEnd type="none" w="med" len="med"/>
+                    </a:lnR>
+                    <a:lnT w="12700" cap="flat" cmpd="sng" algn="ctr">
+                      <a:solidFill>
+                        <a:schemeClr val="tx1"/>
+                      </a:solidFill>
+                      <a:prstDash val="solid"/>
+                      <a:round/>
+                      <a:headEnd type="none" w="med" len="med"/>
+                      <a:tailEnd type="none" w="med" len="med"/>
+                    </a:lnT>
+                    <a:lnB w="12700" cap="flat" cmpd="sng" algn="ctr">
+                      <a:solidFill>
+                        <a:schemeClr val="tx1"/>
+                      </a:solidFill>
+                      <a:prstDash val="solid"/>
+                      <a:round/>
+                      <a:headEnd type="none" w="med" len="med"/>
+                      <a:tailEnd type="none" w="med" len="med"/>
+                    </a:lnB>
+                    <a:solidFill>
+                      <a:srgbClr val="0E3361"/>
+                    </a:solidFill>
+                  </a:tcPr>
+                </a:tc>
+                <a:tc>
+                  <a:txBody>
+                    <a:bodyPr/>
+                    <a:lstStyle/>
+                    <a:p>
+                      <a:pPr marL="0" marR="0" lvl="0" indent="0" algn="ctr" defTabSz="914377" rtl="0" eaLnBrk="1" fontAlgn="auto" latinLnBrk="0" hangingPunct="1">
+                        <a:lnSpc>
+                          <a:spcPct val="100000"/>
+                        </a:lnSpc>
+                        <a:spcBef>
+                          <a:spcPts val="0"/>
+                        </a:spcBef>
+                        <a:spcAft>
+                          <a:spcPts val="0"/>
+                        </a:spcAft>
+                        <a:buClrTx/>
+                        <a:buSzTx/>
+                        <a:buFontTx/>
+                        <a:buNone/>
+                        <a:tabLst/>
+                        <a:defRPr/>
+                      </a:pPr>
+                      <a:r>
+                        <a:rPr lang="en-US" sz="1600" b="1" kern="1200" dirty="0">
+                          <a:solidFill>
+                            <a:schemeClr val="lt1"/>
+                          </a:solidFill>
+                          <a:effectLst/>
+                          <a:latin typeface="+mn-lt"/>
+                          <a:ea typeface="+mn-ea"/>
+                          <a:cs typeface="+mn-cs"/>
+                        </a:rPr>
+                        <a:t>Peso </a:t>
+                      </a:r>
+                      <a:r>
+                        <a:rPr lang="en-US" sz="1600" b="1" kern="1200" dirty="0" err="1">
+                          <a:solidFill>
+                            <a:schemeClr val="lt1"/>
+                          </a:solidFill>
+                          <a:effectLst/>
+                          <a:latin typeface="+mn-lt"/>
+                          <a:ea typeface="+mn-ea"/>
+                          <a:cs typeface="+mn-cs"/>
+                        </a:rPr>
+                        <a:t>Mest</a:t>
+                      </a:r>
+                      <a:r>
+                        <a:rPr lang="en-US" sz="1600" b="1" kern="1200" dirty="0">
+                          <a:solidFill>
+                            <a:schemeClr val="lt1"/>
+                          </a:solidFill>
+                          <a:effectLst/>
+                          <a:latin typeface="+mn-lt"/>
+                          <a:ea typeface="+mn-ea"/>
+                          <a:cs typeface="+mn-cs"/>
+                        </a:rPr>
+                        <a:t>.</a:t>
+                      </a:r>
                     </a:p>
                   </a:txBody>
                   <a:tcPr marL="34673" marR="34673" marT="0" marB="0">
@@ -10035,17 +10513,17 @@
                 </a:tc>
                 <a:extLst>
                   <a:ext uri="{0D108BD9-81ED-4DB2-BD59-A6C34878D82A}">
-                    <a16:rowId xmlns:a16="http://schemas.microsoft.com/office/drawing/2014/main" val="870305153"/>
+                    <a16:rowId xmlns:a16="http://schemas.microsoft.com/office/drawing/2014/main" val="1933866238"/>
                   </a:ext>
                 </a:extLst>
               </a:tr>
-              <a:tr h="383541">
+              <a:tr h="575311">
                 <a:tc>
                   <a:txBody>
                     <a:bodyPr/>
                     <a:lstStyle/>
                     <a:p>
-                      <a:pPr marL="0" marR="0">
+                      <a:pPr marL="0" marR="0" algn="l" defTabSz="914377" rtl="0" eaLnBrk="1" latinLnBrk="0" hangingPunct="1">
                         <a:spcBef>
                           <a:spcPts val="0"/>
                         </a:spcBef>
@@ -10054,31 +10532,73 @@
                         </a:spcAft>
                       </a:pPr>
                       <a:r>
-                        <a:rPr lang="en-US" sz="1800" b="0" dirty="0" err="1">
+                        <a:rPr lang="en-US" sz="1600" b="0" kern="1200" dirty="0" err="1">
                           <a:solidFill>
                             <a:schemeClr val="tx1"/>
                           </a:solidFill>
                           <a:effectLst/>
+                          <a:latin typeface="+mn-lt"/>
+                          <a:ea typeface="+mn-ea"/>
+                          <a:cs typeface="+mn-cs"/>
                         </a:rPr>
-                        <a:t>Contribuição</a:t>
+                        <a:t>Atividades</a:t>
                       </a:r>
                       <a:r>
-                        <a:rPr lang="en-US" sz="1800" b="0" dirty="0">
+                        <a:rPr lang="en-US" sz="1600" b="0" kern="1200" dirty="0">
                           <a:solidFill>
                             <a:schemeClr val="tx1"/>
                           </a:solidFill>
                           <a:effectLst/>
+                          <a:latin typeface="+mn-lt"/>
+                          <a:ea typeface="+mn-ea"/>
+                          <a:cs typeface="+mn-cs"/>
                         </a:rPr>
-                        <a:t> para Open Source (Checkpoint 0)</a:t>
+                        <a:t> </a:t>
                       </a:r>
-                      <a:endParaRPr lang="en-US" sz="1800" b="0" dirty="0">
+                      <a:r>
+                        <a:rPr lang="en-US" sz="1600" b="0" kern="1200" dirty="0" err="1">
+                          <a:solidFill>
+                            <a:schemeClr val="tx1"/>
+                          </a:solidFill>
+                          <a:effectLst/>
+                          <a:latin typeface="+mn-lt"/>
+                          <a:ea typeface="+mn-ea"/>
+                          <a:cs typeface="+mn-cs"/>
+                        </a:rPr>
+                        <a:t>em</a:t>
+                      </a:r>
+                      <a:r>
+                        <a:rPr lang="en-US" sz="1600" b="0" kern="1200" dirty="0">
+                          <a:solidFill>
+                            <a:schemeClr val="tx1"/>
+                          </a:solidFill>
+                          <a:effectLst/>
+                          <a:latin typeface="+mn-lt"/>
+                          <a:ea typeface="+mn-ea"/>
+                          <a:cs typeface="+mn-cs"/>
+                        </a:rPr>
+                        <a:t> </a:t>
+                      </a:r>
+                      <a:r>
+                        <a:rPr lang="en-US" sz="1600" b="0" kern="1200" dirty="0" err="1">
+                          <a:solidFill>
+                            <a:schemeClr val="tx1"/>
+                          </a:solidFill>
+                          <a:effectLst/>
+                          <a:latin typeface="+mn-lt"/>
+                          <a:ea typeface="+mn-ea"/>
+                          <a:cs typeface="+mn-cs"/>
+                        </a:rPr>
+                        <a:t>geral</a:t>
+                      </a:r>
+                      <a:endParaRPr lang="en-US" sz="1600" b="0" kern="1200" dirty="0">
                         <a:solidFill>
                           <a:schemeClr val="tx1"/>
                         </a:solidFill>
                         <a:effectLst/>
-                        <a:latin typeface="Calibri" panose="020F0502020204030204" pitchFamily="34" charset="0"/>
-                        <a:ea typeface="Calibri" panose="020F0502020204030204" pitchFamily="34" charset="0"/>
-                        <a:cs typeface="Times New Roman" panose="02020603050405020304" pitchFamily="18" charset="0"/>
+                        <a:latin typeface="+mn-lt"/>
+                        <a:ea typeface="+mn-ea"/>
+                        <a:cs typeface="+mn-cs"/>
                       </a:endParaRPr>
                     </a:p>
                   </a:txBody>
@@ -10129,7 +10649,7 @@
                     <a:bodyPr/>
                     <a:lstStyle/>
                     <a:p>
-                      <a:pPr marL="0" marR="0">
+                      <a:pPr marL="0" marR="0" algn="l" defTabSz="914377" rtl="0" eaLnBrk="1" latinLnBrk="0" hangingPunct="1">
                         <a:spcBef>
                           <a:spcPts val="0"/>
                         </a:spcBef>
@@ -10138,98 +10658,100 @@
                         </a:spcAft>
                       </a:pPr>
                       <a:r>
-                        <a:rPr lang="en-US" sz="1800" dirty="0" err="1">
+                        <a:rPr lang="en-US" sz="1600" b="0" kern="1200" dirty="0" err="1">
                           <a:solidFill>
                             <a:schemeClr val="tx1"/>
                           </a:solidFill>
                           <a:effectLst/>
-                          <a:latin typeface="Calibri" panose="020F0502020204030204" pitchFamily="34" charset="0"/>
-                          <a:ea typeface="Calibri" panose="020F0502020204030204" pitchFamily="34" charset="0"/>
-                          <a:cs typeface="Times New Roman" panose="02020603050405020304" pitchFamily="18" charset="0"/>
+                          <a:latin typeface="+mn-lt"/>
+                          <a:ea typeface="+mn-ea"/>
+                          <a:cs typeface="+mn-cs"/>
                         </a:rPr>
-                        <a:t>Decisão</a:t>
+                        <a:t>análises</a:t>
                       </a:r>
                       <a:r>
-                        <a:rPr lang="en-US" sz="1800" dirty="0">
+                        <a:rPr lang="en-US" sz="1600" b="0" kern="1200" dirty="0">
                           <a:solidFill>
                             <a:schemeClr val="tx1"/>
                           </a:solidFill>
                           <a:effectLst/>
-                          <a:latin typeface="Calibri" panose="020F0502020204030204" pitchFamily="34" charset="0"/>
-                          <a:ea typeface="Calibri" panose="020F0502020204030204" pitchFamily="34" charset="0"/>
-                          <a:cs typeface="Times New Roman" panose="02020603050405020304" pitchFamily="18" charset="0"/>
+                          <a:latin typeface="+mn-lt"/>
+                          <a:ea typeface="+mn-ea"/>
+                          <a:cs typeface="+mn-cs"/>
                         </a:rPr>
-                        <a:t> do </a:t>
+                        <a:t>, </a:t>
                       </a:r>
                       <a:r>
-                        <a:rPr lang="en-US" sz="1800" dirty="0" err="1">
+                        <a:rPr lang="en-US" sz="1600" b="0" kern="1200" dirty="0" err="1">
                           <a:solidFill>
                             <a:schemeClr val="tx1"/>
                           </a:solidFill>
                           <a:effectLst/>
-                          <a:latin typeface="Calibri" panose="020F0502020204030204" pitchFamily="34" charset="0"/>
-                          <a:ea typeface="Calibri" panose="020F0502020204030204" pitchFamily="34" charset="0"/>
-                          <a:cs typeface="Times New Roman" panose="02020603050405020304" pitchFamily="18" charset="0"/>
+                          <a:latin typeface="+mn-lt"/>
+                          <a:ea typeface="+mn-ea"/>
+                          <a:cs typeface="+mn-cs"/>
                         </a:rPr>
-                        <a:t>projeto</a:t>
+                        <a:t>textos</a:t>
                       </a:r>
                       <a:r>
-                        <a:rPr lang="en-US" sz="1800" dirty="0">
+                        <a:rPr lang="en-US" sz="1600" b="0" kern="1200" dirty="0">
                           <a:solidFill>
                             <a:schemeClr val="tx1"/>
                           </a:solidFill>
                           <a:effectLst/>
-                          <a:latin typeface="Calibri" panose="020F0502020204030204" pitchFamily="34" charset="0"/>
-                          <a:ea typeface="Calibri" panose="020F0502020204030204" pitchFamily="34" charset="0"/>
-                          <a:cs typeface="Times New Roman" panose="02020603050405020304" pitchFamily="18" charset="0"/>
+                          <a:latin typeface="+mn-lt"/>
+                          <a:ea typeface="+mn-ea"/>
+                          <a:cs typeface="+mn-cs"/>
                         </a:rPr>
-                        <a:t> + </a:t>
+                        <a:t>, quiz, </a:t>
                       </a:r>
                       <a:r>
-                        <a:rPr lang="en-US" sz="1800" dirty="0" err="1">
+                        <a:rPr lang="en-US" sz="1600" b="0" kern="1200" dirty="0" err="1">
                           <a:solidFill>
                             <a:schemeClr val="tx1"/>
                           </a:solidFill>
                           <a:effectLst/>
-                          <a:latin typeface="Calibri" panose="020F0502020204030204" pitchFamily="34" charset="0"/>
-                          <a:ea typeface="Calibri" panose="020F0502020204030204" pitchFamily="34" charset="0"/>
-                          <a:cs typeface="Times New Roman" panose="02020603050405020304" pitchFamily="18" charset="0"/>
+                          <a:latin typeface="+mn-lt"/>
+                          <a:ea typeface="+mn-ea"/>
+                          <a:cs typeface="+mn-cs"/>
                         </a:rPr>
-                        <a:t>análise</a:t>
+                        <a:t>leituras</a:t>
                       </a:r>
                       <a:r>
-                        <a:rPr lang="en-US" sz="1800" dirty="0">
+                        <a:rPr lang="en-US" sz="1600" b="0" kern="1200" dirty="0">
                           <a:solidFill>
                             <a:schemeClr val="tx1"/>
                           </a:solidFill>
                           <a:effectLst/>
-                          <a:latin typeface="Calibri" panose="020F0502020204030204" pitchFamily="34" charset="0"/>
-                          <a:ea typeface="Calibri" panose="020F0502020204030204" pitchFamily="34" charset="0"/>
-                          <a:cs typeface="Times New Roman" panose="02020603050405020304" pitchFamily="18" charset="0"/>
+                          <a:latin typeface="+mn-lt"/>
+                          <a:ea typeface="+mn-ea"/>
+                          <a:cs typeface="+mn-cs"/>
                         </a:rPr>
-                        <a:t> de </a:t>
+                        <a:t>, etc.</a:t>
                       </a:r>
-                      <a:r>
-                        <a:rPr lang="en-US" sz="1800" dirty="0" err="1">
+                      <a:br>
+                        <a:rPr lang="en-US" sz="1600" b="0" kern="1200" dirty="0">
                           <a:solidFill>
                             <a:schemeClr val="tx1"/>
                           </a:solidFill>
                           <a:effectLst/>
-                          <a:latin typeface="Calibri" panose="020F0502020204030204" pitchFamily="34" charset="0"/>
-                          <a:ea typeface="Calibri" panose="020F0502020204030204" pitchFamily="34" charset="0"/>
-                          <a:cs typeface="Times New Roman" panose="02020603050405020304" pitchFamily="18" charset="0"/>
+                          <a:latin typeface="+mn-lt"/>
+                          <a:ea typeface="+mn-ea"/>
+                          <a:cs typeface="+mn-cs"/>
                         </a:rPr>
-                        <a:t>tarefas</a:t>
+                      </a:br>
+                      <a:r>
+                        <a:rPr lang="en-US" sz="1600" b="0" kern="1200" dirty="0">
+                          <a:solidFill>
+                            <a:schemeClr val="tx1"/>
+                          </a:solidFill>
+                          <a:effectLst/>
+                          <a:latin typeface="+mn-lt"/>
+                          <a:ea typeface="+mn-ea"/>
+                          <a:cs typeface="+mn-cs"/>
+                        </a:rPr>
+                        <a:t>(A1 – A8)</a:t>
                       </a:r>
-                      <a:endParaRPr lang="en-US" sz="1800" dirty="0">
-                        <a:solidFill>
-                          <a:schemeClr val="tx1"/>
-                        </a:solidFill>
-                        <a:effectLst/>
-                        <a:latin typeface="Calibri" panose="020F0502020204030204" pitchFamily="34" charset="0"/>
-                        <a:ea typeface="Calibri" panose="020F0502020204030204" pitchFamily="34" charset="0"/>
-                        <a:cs typeface="Times New Roman" panose="02020603050405020304" pitchFamily="18" charset="0"/>
-                      </a:endParaRPr>
                     </a:p>
                   </a:txBody>
                   <a:tcPr marL="34673" marR="34673" marT="0" marB="0">
@@ -10279,7 +10801,7 @@
                     <a:bodyPr/>
                     <a:lstStyle/>
                     <a:p>
-                      <a:pPr marL="0" marR="0">
+                      <a:pPr marL="0" marR="0" algn="l" defTabSz="914377" rtl="0" eaLnBrk="1" latinLnBrk="0" hangingPunct="1">
                         <a:spcBef>
                           <a:spcPts val="0"/>
                         </a:spcBef>
@@ -10288,23 +10810,86 @@
                         </a:spcAft>
                       </a:pPr>
                       <a:r>
-                        <a:rPr lang="en-US" sz="1800" dirty="0">
+                        <a:rPr lang="en-US" sz="1600" b="0" kern="1200" dirty="0">
                           <a:solidFill>
                             <a:schemeClr val="tx1"/>
                           </a:solidFill>
                           <a:effectLst/>
+                          <a:latin typeface="+mn-lt"/>
+                          <a:ea typeface="+mn-ea"/>
+                          <a:cs typeface="+mn-cs"/>
                         </a:rPr>
-                        <a:t>5%</a:t>
+                        <a:t>40%</a:t>
                       </a:r>
-                      <a:endParaRPr lang="en-US" sz="1800" dirty="0">
-                        <a:solidFill>
-                          <a:schemeClr val="tx1"/>
-                        </a:solidFill>
-                        <a:effectLst/>
-                        <a:latin typeface="Calibri" panose="020F0502020204030204" pitchFamily="34" charset="0"/>
-                        <a:ea typeface="Calibri" panose="020F0502020204030204" pitchFamily="34" charset="0"/>
-                        <a:cs typeface="Times New Roman" panose="02020603050405020304" pitchFamily="18" charset="0"/>
-                      </a:endParaRPr>
+                    </a:p>
+                  </a:txBody>
+                  <a:tcPr marL="34673" marR="34673" marT="0" marB="0">
+                    <a:lnL w="12700" cap="flat" cmpd="sng" algn="ctr">
+                      <a:solidFill>
+                        <a:schemeClr val="tx1"/>
+                      </a:solidFill>
+                      <a:prstDash val="solid"/>
+                      <a:round/>
+                      <a:headEnd type="none" w="med" len="med"/>
+                      <a:tailEnd type="none" w="med" len="med"/>
+                    </a:lnL>
+                    <a:lnR w="12700" cap="flat" cmpd="sng" algn="ctr">
+                      <a:solidFill>
+                        <a:schemeClr val="tx1"/>
+                      </a:solidFill>
+                      <a:prstDash val="solid"/>
+                      <a:round/>
+                      <a:headEnd type="none" w="med" len="med"/>
+                      <a:tailEnd type="none" w="med" len="med"/>
+                    </a:lnR>
+                    <a:lnT w="12700" cap="flat" cmpd="sng" algn="ctr">
+                      <a:solidFill>
+                        <a:schemeClr val="tx1"/>
+                      </a:solidFill>
+                      <a:prstDash val="solid"/>
+                      <a:round/>
+                      <a:headEnd type="none" w="med" len="med"/>
+                      <a:tailEnd type="none" w="med" len="med"/>
+                    </a:lnT>
+                    <a:lnB w="12700" cap="flat" cmpd="sng" algn="ctr">
+                      <a:solidFill>
+                        <a:schemeClr val="tx1"/>
+                      </a:solidFill>
+                      <a:prstDash val="solid"/>
+                      <a:round/>
+                      <a:headEnd type="none" w="med" len="med"/>
+                      <a:tailEnd type="none" w="med" len="med"/>
+                    </a:lnB>
+                    <a:solidFill>
+                      <a:srgbClr val="FFC000"/>
+                    </a:solidFill>
+                  </a:tcPr>
+                </a:tc>
+                <a:tc>
+                  <a:txBody>
+                    <a:bodyPr/>
+                    <a:lstStyle/>
+                    <a:p>
+                      <a:pPr marL="0" marR="0" algn="l" defTabSz="914377" rtl="0" eaLnBrk="1" latinLnBrk="0" hangingPunct="1">
+                        <a:spcBef>
+                          <a:spcPts val="0"/>
+                        </a:spcBef>
+                        <a:spcAft>
+                          <a:spcPts val="0"/>
+                        </a:spcAft>
+                      </a:pPr>
+                      <a:r>
+                        <a:rPr lang="en-US" sz="1600" b="0" kern="1200" dirty="0">
+                          <a:solidFill>
+                            <a:schemeClr val="tx1"/>
+                          </a:solidFill>
+                          <a:effectLst/>
+                          <a:latin typeface="+mn-lt"/>
+                          <a:ea typeface="+mn-ea"/>
+                          <a:cs typeface="+mn-cs"/>
+                        </a:rPr>
+                        <a:t>30%</a:t>
+                      </a:r>
                     </a:p>
                   </a:txBody>
                   <a:tcPr marL="34673" marR="34673" marT="0" marB="0">
@@ -10351,11 +10936,11 @@
                 </a:tc>
                 <a:extLst>
                   <a:ext uri="{0D108BD9-81ED-4DB2-BD59-A6C34878D82A}">
-                    <a16:rowId xmlns:a16="http://schemas.microsoft.com/office/drawing/2014/main" val="2364507170"/>
+                    <a16:rowId xmlns:a16="http://schemas.microsoft.com/office/drawing/2014/main" val="3096944884"/>
                   </a:ext>
                 </a:extLst>
               </a:tr>
-              <a:tr h="479425">
+              <a:tr h="383541">
                 <a:tc>
                   <a:txBody>
                     <a:bodyPr/>
@@ -10369,16 +10954,7 @@
                           <a:spcPts val="0"/>
                         </a:spcAft>
                       </a:pPr>
-                      <a:r>
-                        <a:rPr lang="en-US" sz="1800" b="0" dirty="0">
-                          <a:solidFill>
-                            <a:schemeClr val="tx1"/>
-                          </a:solidFill>
-                          <a:effectLst/>
-                        </a:rPr>
-                        <a:t>Checkpoint 1</a:t>
-                      </a:r>
-                      <a:endParaRPr lang="en-US" sz="1800" b="0" dirty="0">
+                      <a:endParaRPr lang="en-US" sz="1600" b="0" dirty="0">
                         <a:solidFill>
                           <a:schemeClr val="tx1"/>
                         </a:solidFill>
@@ -10443,102 +11019,123 @@
                         </a:spcAft>
                       </a:pPr>
                       <a:r>
-                        <a:rPr lang="en-US" sz="1800" dirty="0">
+                        <a:rPr lang="en-US" sz="1600" dirty="0" err="1">
                           <a:solidFill>
                             <a:schemeClr val="tx1"/>
                           </a:solidFill>
                           <a:effectLst/>
+                          <a:latin typeface="Calibri" panose="020F0502020204030204" pitchFamily="34" charset="0"/>
+                          <a:ea typeface="Calibri" panose="020F0502020204030204" pitchFamily="34" charset="0"/>
+                          <a:cs typeface="Times New Roman" panose="02020603050405020304" pitchFamily="18" charset="0"/>
                         </a:rPr>
-                        <a:t>* </a:t>
+                        <a:t>Seminários</a:t>
                       </a:r>
                       <a:r>
-                        <a:rPr lang="en-US" sz="1800" dirty="0" err="1">
+                        <a:rPr lang="en-US" sz="1600" dirty="0">
                           <a:solidFill>
                             <a:schemeClr val="tx1"/>
                           </a:solidFill>
                           <a:effectLst/>
+                          <a:latin typeface="Calibri" panose="020F0502020204030204" pitchFamily="34" charset="0"/>
+                          <a:ea typeface="Calibri" panose="020F0502020204030204" pitchFamily="34" charset="0"/>
+                          <a:cs typeface="Times New Roman" panose="02020603050405020304" pitchFamily="18" charset="0"/>
                         </a:rPr>
-                        <a:t>Detalhes</a:t>
+                        <a:t> (</a:t>
                       </a:r>
                       <a:r>
-                        <a:rPr lang="en-US" sz="1800" dirty="0">
+                        <a:rPr lang="en-US" sz="1600" dirty="0" err="1">
                           <a:solidFill>
                             <a:schemeClr val="tx1"/>
                           </a:solidFill>
                           <a:effectLst/>
+                          <a:latin typeface="Calibri" panose="020F0502020204030204" pitchFamily="34" charset="0"/>
+                          <a:ea typeface="Calibri" panose="020F0502020204030204" pitchFamily="34" charset="0"/>
+                          <a:cs typeface="Times New Roman" panose="02020603050405020304" pitchFamily="18" charset="0"/>
+                        </a:rPr>
+                        <a:t>Só</a:t>
+                      </a:r>
+                      <a:r>
+                        <a:rPr lang="en-US" sz="1600" dirty="0">
+                          <a:solidFill>
+                            <a:schemeClr val="tx1"/>
+                          </a:solidFill>
+                          <a:effectLst/>
+                          <a:latin typeface="Calibri" panose="020F0502020204030204" pitchFamily="34" charset="0"/>
+                          <a:ea typeface="Calibri" panose="020F0502020204030204" pitchFamily="34" charset="0"/>
+                          <a:cs typeface="Times New Roman" panose="02020603050405020304" pitchFamily="18" charset="0"/>
                         </a:rPr>
                         <a:t> </a:t>
                       </a:r>
                       <a:r>
-                        <a:rPr lang="en-US" sz="1800" dirty="0" err="1">
+                        <a:rPr lang="en-US" sz="1600" dirty="0" err="1">
                           <a:solidFill>
                             <a:schemeClr val="tx1"/>
                           </a:solidFill>
                           <a:effectLst/>
+                          <a:latin typeface="Calibri" panose="020F0502020204030204" pitchFamily="34" charset="0"/>
+                          <a:ea typeface="Calibri" panose="020F0502020204030204" pitchFamily="34" charset="0"/>
+                          <a:cs typeface="Times New Roman" panose="02020603050405020304" pitchFamily="18" charset="0"/>
                         </a:rPr>
-                        <a:t>sobre</a:t>
+                        <a:t>mestrado</a:t>
                       </a:r>
                       <a:r>
-                        <a:rPr lang="en-US" sz="1800" dirty="0">
+                        <a:rPr lang="en-US" sz="1600" dirty="0">
                           <a:solidFill>
                             <a:schemeClr val="tx1"/>
                           </a:solidFill>
                           <a:effectLst/>
+                          <a:latin typeface="Calibri" panose="020F0502020204030204" pitchFamily="34" charset="0"/>
+                          <a:ea typeface="Calibri" panose="020F0502020204030204" pitchFamily="34" charset="0"/>
+                          <a:cs typeface="Times New Roman" panose="02020603050405020304" pitchFamily="18" charset="0"/>
                         </a:rPr>
-                        <a:t> </a:t>
+                        <a:t>)</a:t>
                       </a:r>
-                      <a:r>
-                        <a:rPr lang="en-US" sz="1800" dirty="0" err="1">
-                          <a:solidFill>
-                            <a:schemeClr val="tx1"/>
-                          </a:solidFill>
-                          <a:effectLst/>
-                        </a:rPr>
-                        <a:t>tarefas</a:t>
-                      </a:r>
-                      <a:r>
-                        <a:rPr lang="en-US" sz="1800" dirty="0">
-                          <a:solidFill>
-                            <a:schemeClr val="tx1"/>
-                          </a:solidFill>
-                          <a:effectLst/>
-                        </a:rPr>
-                        <a:t> </a:t>
-                      </a:r>
-                      <a:r>
-                        <a:rPr lang="en-US" sz="1800" dirty="0" err="1">
-                          <a:solidFill>
-                            <a:schemeClr val="tx1"/>
-                          </a:solidFill>
-                          <a:effectLst/>
-                        </a:rPr>
-                        <a:t>escolhidas</a:t>
-                      </a:r>
-                      <a:r>
-                        <a:rPr lang="en-US" sz="1800" dirty="0">
-                          <a:solidFill>
-                            <a:schemeClr val="tx1"/>
-                          </a:solidFill>
-                          <a:effectLst/>
-                        </a:rPr>
-                        <a:t>/ </a:t>
-                      </a:r>
-                      <a:r>
-                        <a:rPr lang="en-US" sz="1800" dirty="0" err="1">
-                          <a:solidFill>
-                            <a:schemeClr val="tx1"/>
-                          </a:solidFill>
-                          <a:effectLst/>
-                        </a:rPr>
-                        <a:t>progresso</a:t>
-                      </a:r>
-                      <a:endParaRPr lang="en-US" sz="1800" dirty="0">
-                        <a:solidFill>
-                          <a:schemeClr val="tx1"/>
-                        </a:solidFill>
-                        <a:effectLst/>
-                      </a:endParaRPr>
                     </a:p>
+                  </a:txBody>
+                  <a:tcPr marL="34673" marR="34673" marT="0" marB="0">
+                    <a:lnL w="12700" cap="flat" cmpd="sng" algn="ctr">
+                      <a:solidFill>
+                        <a:schemeClr val="tx1"/>
+                      </a:solidFill>
+                      <a:prstDash val="solid"/>
+                      <a:round/>
+                      <a:headEnd type="none" w="med" len="med"/>
+                      <a:tailEnd type="none" w="med" len="med"/>
+                    </a:lnL>
+                    <a:lnR w="12700" cap="flat" cmpd="sng" algn="ctr">
+                      <a:solidFill>
+                        <a:schemeClr val="tx1"/>
+                      </a:solidFill>
+                      <a:prstDash val="solid"/>
+                      <a:round/>
+                      <a:headEnd type="none" w="med" len="med"/>
+                      <a:tailEnd type="none" w="med" len="med"/>
+                    </a:lnR>
+                    <a:lnT w="12700" cap="flat" cmpd="sng" algn="ctr">
+                      <a:solidFill>
+                        <a:schemeClr val="tx1"/>
+                      </a:solidFill>
+                      <a:prstDash val="solid"/>
+                      <a:round/>
+                      <a:headEnd type="none" w="med" len="med"/>
+                      <a:tailEnd type="none" w="med" len="med"/>
+                    </a:lnT>
+                    <a:lnB w="12700" cap="flat" cmpd="sng" algn="ctr">
+                      <a:solidFill>
+                        <a:schemeClr val="tx1"/>
+                      </a:solidFill>
+                      <a:prstDash val="solid"/>
+                      <a:round/>
+                      <a:headEnd type="none" w="med" len="med"/>
+                      <a:tailEnd type="none" w="med" len="med"/>
+                    </a:lnB>
+                    <a:noFill/>
+                  </a:tcPr>
+                </a:tc>
+                <a:tc>
+                  <a:txBody>
+                    <a:bodyPr/>
+                    <a:lstStyle/>
                     <a:p>
                       <a:pPr marL="0" marR="0">
                         <a:spcBef>
@@ -10548,141 +11145,7 @@
                           <a:spcPts val="0"/>
                         </a:spcAft>
                       </a:pPr>
-                      <a:r>
-                        <a:rPr lang="en-US" sz="1800" dirty="0">
-                          <a:solidFill>
-                            <a:schemeClr val="tx1"/>
-                          </a:solidFill>
-                          <a:effectLst/>
-                        </a:rPr>
-                        <a:t>* </a:t>
-                      </a:r>
-                      <a:r>
-                        <a:rPr lang="en-US" sz="1800" dirty="0" err="1">
-                          <a:solidFill>
-                            <a:schemeClr val="tx1"/>
-                          </a:solidFill>
-                          <a:effectLst/>
-                        </a:rPr>
-                        <a:t>Primeiras</a:t>
-                      </a:r>
-                      <a:r>
-                        <a:rPr lang="en-US" sz="1800" dirty="0">
-                          <a:solidFill>
-                            <a:schemeClr val="tx1"/>
-                          </a:solidFill>
-                          <a:effectLst/>
-                        </a:rPr>
-                        <a:t> </a:t>
-                      </a:r>
-                      <a:r>
-                        <a:rPr lang="en-US" sz="1800" dirty="0" err="1">
-                          <a:solidFill>
-                            <a:schemeClr val="tx1"/>
-                          </a:solidFill>
-                          <a:effectLst/>
-                        </a:rPr>
-                        <a:t>impressões</a:t>
-                      </a:r>
-                      <a:r>
-                        <a:rPr lang="en-US" sz="1800" dirty="0">
-                          <a:solidFill>
-                            <a:schemeClr val="tx1"/>
-                          </a:solidFill>
-                          <a:effectLst/>
-                        </a:rPr>
-                        <a:t>/</a:t>
-                      </a:r>
-                      <a:r>
-                        <a:rPr lang="en-US" sz="1800" dirty="0" err="1">
-                          <a:solidFill>
-                            <a:schemeClr val="tx1"/>
-                          </a:solidFill>
-                          <a:effectLst/>
-                        </a:rPr>
-                        <a:t>diretrizes</a:t>
-                      </a:r>
-                      <a:r>
-                        <a:rPr lang="en-US" sz="1800" dirty="0">
-                          <a:solidFill>
-                            <a:schemeClr val="tx1"/>
-                          </a:solidFill>
-                          <a:effectLst/>
-                        </a:rPr>
-                        <a:t>/ </a:t>
-                      </a:r>
-                      <a:r>
-                        <a:rPr lang="en-US" sz="1800" dirty="0" err="1">
-                          <a:solidFill>
-                            <a:schemeClr val="tx1"/>
-                          </a:solidFill>
-                          <a:effectLst/>
-                        </a:rPr>
-                        <a:t>análise</a:t>
-                      </a:r>
-                      <a:r>
-                        <a:rPr lang="en-US" sz="1800" dirty="0">
-                          <a:solidFill>
-                            <a:schemeClr val="tx1"/>
-                          </a:solidFill>
-                          <a:effectLst/>
-                        </a:rPr>
-                        <a:t> do </a:t>
-                      </a:r>
-                      <a:r>
-                        <a:rPr lang="en-US" sz="1800" dirty="0" err="1">
-                          <a:solidFill>
-                            <a:schemeClr val="tx1"/>
-                          </a:solidFill>
-                          <a:effectLst/>
-                        </a:rPr>
-                        <a:t>projeto</a:t>
-                      </a:r>
-                      <a:br>
-                        <a:rPr lang="en-US" sz="1800" dirty="0">
-                          <a:solidFill>
-                            <a:schemeClr val="tx1"/>
-                          </a:solidFill>
-                          <a:effectLst/>
-                        </a:rPr>
-                      </a:br>
-                      <a:r>
-                        <a:rPr lang="en-US" sz="1800" dirty="0">
-                          <a:solidFill>
-                            <a:schemeClr val="tx1"/>
-                          </a:solidFill>
-                          <a:effectLst/>
-                        </a:rPr>
-                        <a:t>* </a:t>
-                      </a:r>
-                      <a:r>
-                        <a:rPr lang="en-US" sz="1800" dirty="0" err="1">
-                          <a:solidFill>
-                            <a:schemeClr val="tx1"/>
-                          </a:solidFill>
-                          <a:effectLst/>
-                        </a:rPr>
-                        <a:t>Análise</a:t>
-                      </a:r>
-                      <a:r>
-                        <a:rPr lang="en-US" sz="1800" dirty="0">
-                          <a:solidFill>
-                            <a:schemeClr val="tx1"/>
-                          </a:solidFill>
-                          <a:effectLst/>
-                        </a:rPr>
-                        <a:t> </a:t>
-                      </a:r>
-                      <a:r>
-                        <a:rPr lang="en-US" sz="1800" dirty="0" err="1">
-                          <a:solidFill>
-                            <a:schemeClr val="tx1"/>
-                          </a:solidFill>
-                          <a:effectLst/>
-                        </a:rPr>
-                        <a:t>arquitetural</a:t>
-                      </a:r>
-                      <a:endParaRPr lang="en-US" sz="1800" dirty="0">
+                      <a:endParaRPr lang="en-US" sz="1600" dirty="0">
                         <a:solidFill>
                           <a:schemeClr val="tx1"/>
                         </a:solidFill>
@@ -10747,23 +11210,17 @@
                         </a:spcAft>
                       </a:pPr>
                       <a:r>
-                        <a:rPr lang="en-US" sz="1800" dirty="0">
+                        <a:rPr lang="en-US" sz="1600" dirty="0">
                           <a:solidFill>
                             <a:schemeClr val="tx1"/>
                           </a:solidFill>
                           <a:effectLst/>
+                          <a:latin typeface="Calibri" panose="020F0502020204030204" pitchFamily="34" charset="0"/>
+                          <a:ea typeface="Calibri" panose="020F0502020204030204" pitchFamily="34" charset="0"/>
+                          <a:cs typeface="Times New Roman" panose="02020603050405020304" pitchFamily="18" charset="0"/>
                         </a:rPr>
                         <a:t>10%</a:t>
                       </a:r>
-                      <a:endParaRPr lang="en-US" sz="1800" dirty="0">
-                        <a:solidFill>
-                          <a:schemeClr val="tx1"/>
-                        </a:solidFill>
-                        <a:effectLst/>
-                        <a:latin typeface="Calibri" panose="020F0502020204030204" pitchFamily="34" charset="0"/>
-                        <a:ea typeface="Calibri" panose="020F0502020204030204" pitchFamily="34" charset="0"/>
-                        <a:cs typeface="Times New Roman" panose="02020603050405020304" pitchFamily="18" charset="0"/>
-                      </a:endParaRPr>
                     </a:p>
                   </a:txBody>
                   <a:tcPr marL="34673" marR="34673" marT="0" marB="0">
@@ -10808,11 +11265,11 @@
                 </a:tc>
                 <a:extLst>
                   <a:ext uri="{0D108BD9-81ED-4DB2-BD59-A6C34878D82A}">
-                    <a16:rowId xmlns:a16="http://schemas.microsoft.com/office/drawing/2014/main" val="2509813462"/>
+                    <a16:rowId xmlns:a16="http://schemas.microsoft.com/office/drawing/2014/main" val="482582831"/>
                   </a:ext>
                 </a:extLst>
               </a:tr>
-              <a:tr h="479425">
+              <a:tr h="383541">
                 <a:tc>
                   <a:txBody>
                     <a:bodyPr/>
@@ -10827,15 +11284,24 @@
                         </a:spcAft>
                       </a:pPr>
                       <a:r>
-                        <a:rPr lang="en-US" sz="1800" b="0" dirty="0">
+                        <a:rPr lang="en-US" sz="1600" b="0" dirty="0" err="1">
                           <a:solidFill>
                             <a:schemeClr val="tx1"/>
                           </a:solidFill>
                           <a:effectLst/>
                         </a:rPr>
-                        <a:t>Checkpoint 2</a:t>
+                        <a:t>Contribuição</a:t>
                       </a:r>
-                      <a:endParaRPr lang="en-US" sz="1800" b="0" dirty="0">
+                      <a:r>
+                        <a:rPr lang="en-US" sz="1600" b="0" dirty="0">
+                          <a:solidFill>
+                            <a:schemeClr val="tx1"/>
+                          </a:solidFill>
+                          <a:effectLst/>
+                        </a:rPr>
+                        <a:t> para Open Source (Checkpoint 0)</a:t>
+                      </a:r>
+                      <a:endParaRPr lang="en-US" sz="1600" b="0" dirty="0">
                         <a:solidFill>
                           <a:schemeClr val="tx1"/>
                         </a:solidFill>
@@ -10884,7 +11350,7 @@
                       <a:tailEnd type="none" w="med" len="med"/>
                     </a:lnB>
                     <a:solidFill>
-                      <a:srgbClr val="FFC000"/>
+                      <a:srgbClr val="FEC100"/>
                     </a:solidFill>
                   </a:tcPr>
                 </a:tc>
@@ -10902,33 +11368,78 @@
                         </a:spcAft>
                       </a:pPr>
                       <a:r>
-                        <a:rPr lang="en-US" sz="1800" dirty="0" err="1">
+                        <a:rPr lang="en-US" sz="1600" dirty="0">
                           <a:solidFill>
                             <a:schemeClr val="tx1"/>
                           </a:solidFill>
                           <a:effectLst/>
+                          <a:latin typeface="Calibri" panose="020F0502020204030204" pitchFamily="34" charset="0"/>
+                          <a:ea typeface="Calibri" panose="020F0502020204030204" pitchFamily="34" charset="0"/>
+                          <a:cs typeface="Times New Roman" panose="02020603050405020304" pitchFamily="18" charset="0"/>
                         </a:rPr>
-                        <a:t>Apresentação</a:t>
+                        <a:t>Pitch </a:t>
                       </a:r>
                       <a:r>
-                        <a:rPr lang="en-US" sz="1800" dirty="0">
+                        <a:rPr lang="en-US" sz="1600" dirty="0" err="1">
                           <a:solidFill>
                             <a:schemeClr val="tx1"/>
                           </a:solidFill>
                           <a:effectLst/>
+                          <a:latin typeface="Calibri" panose="020F0502020204030204" pitchFamily="34" charset="0"/>
+                          <a:ea typeface="Calibri" panose="020F0502020204030204" pitchFamily="34" charset="0"/>
+                          <a:cs typeface="Times New Roman" panose="02020603050405020304" pitchFamily="18" charset="0"/>
+                        </a:rPr>
+                        <a:t>sobre</a:t>
+                      </a:r>
+                      <a:r>
+                        <a:rPr lang="en-US" sz="1600" dirty="0">
+                          <a:solidFill>
+                            <a:schemeClr val="tx1"/>
+                          </a:solidFill>
+                          <a:effectLst/>
+                          <a:latin typeface="Calibri" panose="020F0502020204030204" pitchFamily="34" charset="0"/>
+                          <a:ea typeface="Calibri" panose="020F0502020204030204" pitchFamily="34" charset="0"/>
+                          <a:cs typeface="Times New Roman" panose="02020603050405020304" pitchFamily="18" charset="0"/>
+                        </a:rPr>
+                        <a:t> a </a:t>
+                      </a:r>
+                      <a:r>
+                        <a:rPr lang="en-US" sz="1600" dirty="0" err="1">
+                          <a:solidFill>
+                            <a:schemeClr val="tx1"/>
+                          </a:solidFill>
+                          <a:effectLst/>
+                          <a:latin typeface="Calibri" panose="020F0502020204030204" pitchFamily="34" charset="0"/>
+                          <a:ea typeface="Calibri" panose="020F0502020204030204" pitchFamily="34" charset="0"/>
+                          <a:cs typeface="Times New Roman" panose="02020603050405020304" pitchFamily="18" charset="0"/>
+                        </a:rPr>
+                        <a:t>escolha</a:t>
+                      </a:r>
+                      <a:r>
+                        <a:rPr lang="en-US" sz="1600" dirty="0">
+                          <a:solidFill>
+                            <a:schemeClr val="tx1"/>
+                          </a:solidFill>
+                          <a:effectLst/>
+                          <a:latin typeface="Calibri" panose="020F0502020204030204" pitchFamily="34" charset="0"/>
+                          <a:ea typeface="Calibri" panose="020F0502020204030204" pitchFamily="34" charset="0"/>
+                          <a:cs typeface="Times New Roman" panose="02020603050405020304" pitchFamily="18" charset="0"/>
                         </a:rPr>
                         <a:t> do </a:t>
                       </a:r>
                       <a:r>
-                        <a:rPr lang="en-US" sz="1800" dirty="0" err="1">
+                        <a:rPr lang="en-US" sz="1600" dirty="0" err="1">
                           <a:solidFill>
                             <a:schemeClr val="tx1"/>
                           </a:solidFill>
                           <a:effectLst/>
+                          <a:latin typeface="Calibri" panose="020F0502020204030204" pitchFamily="34" charset="0"/>
+                          <a:ea typeface="Calibri" panose="020F0502020204030204" pitchFamily="34" charset="0"/>
+                          <a:cs typeface="Times New Roman" panose="02020603050405020304" pitchFamily="18" charset="0"/>
                         </a:rPr>
-                        <a:t>progresso</a:t>
+                        <a:t>projeto</a:t>
                       </a:r>
-                      <a:endParaRPr lang="en-US" sz="1800" dirty="0">
+                      <a:endParaRPr lang="en-US" sz="1600" dirty="0">
                         <a:solidFill>
                           <a:schemeClr val="tx1"/>
                         </a:solidFill>
@@ -10977,7 +11488,7 @@
                       <a:tailEnd type="none" w="med" len="med"/>
                     </a:lnB>
                     <a:solidFill>
-                      <a:srgbClr val="FFC000"/>
+                      <a:srgbClr val="FEC100"/>
                     </a:solidFill>
                   </a:tcPr>
                 </a:tc>
@@ -10995,7 +11506,7 @@
                         </a:spcAft>
                       </a:pPr>
                       <a:r>
-                        <a:rPr lang="en-US" sz="1800" dirty="0">
+                        <a:rPr lang="en-US" sz="1600" dirty="0">
                           <a:solidFill>
                             <a:schemeClr val="tx1"/>
                           </a:solidFill>
@@ -11003,7 +11514,7 @@
                         </a:rPr>
                         <a:t>10%</a:t>
                       </a:r>
-                      <a:endParaRPr lang="en-US" sz="1800" dirty="0">
+                      <a:endParaRPr lang="en-US" sz="1600" dirty="0">
                         <a:solidFill>
                           <a:schemeClr val="tx1"/>
                         </a:solidFill>
@@ -11052,17 +11563,10 @@
                       <a:tailEnd type="none" w="med" len="med"/>
                     </a:lnB>
                     <a:solidFill>
-                      <a:srgbClr val="FFC000"/>
+                      <a:srgbClr val="FEC100"/>
                     </a:solidFill>
                   </a:tcPr>
                 </a:tc>
-                <a:extLst>
-                  <a:ext uri="{0D108BD9-81ED-4DB2-BD59-A6C34878D82A}">
-                    <a16:rowId xmlns:a16="http://schemas.microsoft.com/office/drawing/2014/main" val="1432815250"/>
-                  </a:ext>
-                </a:extLst>
-              </a:tr>
-              <a:tr h="383541">
                 <a:tc>
                   <a:txBody>
                     <a:bodyPr/>
@@ -11077,22 +11581,335 @@
                         </a:spcAft>
                       </a:pPr>
                       <a:r>
-                        <a:rPr lang="en-US" sz="1800" b="0" dirty="0">
+                        <a:rPr lang="en-US" sz="1600" dirty="0">
                           <a:solidFill>
                             <a:schemeClr val="tx1"/>
                           </a:solidFill>
                           <a:effectLst/>
+                          <a:latin typeface="Calibri" panose="020F0502020204030204" pitchFamily="34" charset="0"/>
+                          <a:ea typeface="Calibri" panose="020F0502020204030204" pitchFamily="34" charset="0"/>
+                          <a:cs typeface="Times New Roman" panose="02020603050405020304" pitchFamily="18" charset="0"/>
                         </a:rPr>
-                        <a:t>Checkpoint 3</a:t>
+                        <a:t>5%</a:t>
                       </a:r>
-                      <a:endParaRPr lang="en-US" sz="1800" b="0" dirty="0">
+                    </a:p>
+                  </a:txBody>
+                  <a:tcPr marL="34673" marR="34673" marT="0" marB="0">
+                    <a:lnL w="12700" cap="flat" cmpd="sng" algn="ctr">
+                      <a:solidFill>
+                        <a:schemeClr val="tx1"/>
+                      </a:solidFill>
+                      <a:prstDash val="solid"/>
+                      <a:round/>
+                      <a:headEnd type="none" w="med" len="med"/>
+                      <a:tailEnd type="none" w="med" len="med"/>
+                    </a:lnL>
+                    <a:lnR w="12700" cap="flat" cmpd="sng" algn="ctr">
+                      <a:solidFill>
+                        <a:schemeClr val="tx1"/>
+                      </a:solidFill>
+                      <a:prstDash val="solid"/>
+                      <a:round/>
+                      <a:headEnd type="none" w="med" len="med"/>
+                      <a:tailEnd type="none" w="med" len="med"/>
+                    </a:lnR>
+                    <a:lnT w="12700" cap="flat" cmpd="sng" algn="ctr">
+                      <a:solidFill>
+                        <a:schemeClr val="tx1"/>
+                      </a:solidFill>
+                      <a:prstDash val="solid"/>
+                      <a:round/>
+                      <a:headEnd type="none" w="med" len="med"/>
+                      <a:tailEnd type="none" w="med" len="med"/>
+                    </a:lnT>
+                    <a:lnB w="12700" cap="flat" cmpd="sng" algn="ctr">
+                      <a:solidFill>
+                        <a:schemeClr val="tx1"/>
+                      </a:solidFill>
+                      <a:prstDash val="solid"/>
+                      <a:round/>
+                      <a:headEnd type="none" w="med" len="med"/>
+                      <a:tailEnd type="none" w="med" len="med"/>
+                    </a:lnB>
+                    <a:solidFill>
+                      <a:srgbClr val="FEC100"/>
+                    </a:solidFill>
+                  </a:tcPr>
+                </a:tc>
+                <a:extLst>
+                  <a:ext uri="{0D108BD9-81ED-4DB2-BD59-A6C34878D82A}">
+                    <a16:rowId xmlns:a16="http://schemas.microsoft.com/office/drawing/2014/main" val="659922484"/>
+                  </a:ext>
+                </a:extLst>
+              </a:tr>
+              <a:tr h="383541">
+                <a:tc>
+                  <a:txBody>
+                    <a:bodyPr/>
+                    <a:lstStyle/>
+                    <a:p>
+                      <a:pPr marL="0" marR="0" algn="l" defTabSz="914377" rtl="0" eaLnBrk="1" latinLnBrk="0" hangingPunct="1">
+                        <a:spcBef>
+                          <a:spcPts val="0"/>
+                        </a:spcBef>
+                        <a:spcAft>
+                          <a:spcPts val="0"/>
+                        </a:spcAft>
+                      </a:pPr>
+                      <a:r>
+                        <a:rPr lang="en-US" sz="1600" b="0" kern="1200" dirty="0">
+                          <a:solidFill>
+                            <a:schemeClr val="tx1"/>
+                          </a:solidFill>
+                          <a:effectLst/>
+                          <a:latin typeface="+mn-lt"/>
+                          <a:ea typeface="+mn-ea"/>
+                          <a:cs typeface="+mn-cs"/>
+                        </a:rPr>
+                        <a:t>Checkpoint 1</a:t>
+                      </a:r>
+                    </a:p>
+                  </a:txBody>
+                  <a:tcPr marL="34673" marR="34673" marT="0" marB="0">
+                    <a:lnL w="12700" cap="flat" cmpd="sng" algn="ctr">
+                      <a:solidFill>
+                        <a:schemeClr val="tx1"/>
+                      </a:solidFill>
+                      <a:prstDash val="solid"/>
+                      <a:round/>
+                      <a:headEnd type="none" w="med" len="med"/>
+                      <a:tailEnd type="none" w="med" len="med"/>
+                    </a:lnL>
+                    <a:lnR w="12700" cap="flat" cmpd="sng" algn="ctr">
+                      <a:solidFill>
+                        <a:schemeClr val="tx1"/>
+                      </a:solidFill>
+                      <a:prstDash val="solid"/>
+                      <a:round/>
+                      <a:headEnd type="none" w="med" len="med"/>
+                      <a:tailEnd type="none" w="med" len="med"/>
+                    </a:lnR>
+                    <a:lnT w="12700" cap="flat" cmpd="sng" algn="ctr">
+                      <a:solidFill>
+                        <a:schemeClr val="tx1"/>
+                      </a:solidFill>
+                      <a:prstDash val="solid"/>
+                      <a:round/>
+                      <a:headEnd type="none" w="med" len="med"/>
+                      <a:tailEnd type="none" w="med" len="med"/>
+                    </a:lnT>
+                    <a:lnB w="12700" cap="flat" cmpd="sng" algn="ctr">
+                      <a:solidFill>
+                        <a:schemeClr val="tx1"/>
+                      </a:solidFill>
+                      <a:prstDash val="solid"/>
+                      <a:round/>
+                      <a:headEnd type="none" w="med" len="med"/>
+                      <a:tailEnd type="none" w="med" len="med"/>
+                    </a:lnB>
+                    <a:noFill/>
+                  </a:tcPr>
+                </a:tc>
+                <a:tc>
+                  <a:txBody>
+                    <a:bodyPr/>
+                    <a:lstStyle/>
+                    <a:p>
+                      <a:pPr marL="0" marR="0" algn="l" defTabSz="914377" rtl="0" eaLnBrk="1" latinLnBrk="0" hangingPunct="1">
+                        <a:spcBef>
+                          <a:spcPts val="0"/>
+                        </a:spcBef>
+                        <a:spcAft>
+                          <a:spcPts val="0"/>
+                        </a:spcAft>
+                      </a:pPr>
+                      <a:r>
+                        <a:rPr lang="en-US" sz="1600" b="0" kern="1200" dirty="0">
+                          <a:solidFill>
+                            <a:schemeClr val="tx1"/>
+                          </a:solidFill>
+                          <a:effectLst/>
+                          <a:latin typeface="+mn-lt"/>
+                          <a:ea typeface="+mn-ea"/>
+                          <a:cs typeface="+mn-cs"/>
+                        </a:rPr>
+                        <a:t>* </a:t>
+                      </a:r>
+                      <a:r>
+                        <a:rPr lang="en-US" sz="1600" b="0" kern="1200" dirty="0" err="1">
+                          <a:solidFill>
+                            <a:schemeClr val="tx1"/>
+                          </a:solidFill>
+                          <a:effectLst/>
+                          <a:latin typeface="+mn-lt"/>
+                          <a:ea typeface="+mn-ea"/>
+                          <a:cs typeface="+mn-cs"/>
+                        </a:rPr>
+                        <a:t>Primeiras</a:t>
+                      </a:r>
+                      <a:r>
+                        <a:rPr lang="en-US" sz="1600" b="0" kern="1200" dirty="0">
+                          <a:solidFill>
+                            <a:schemeClr val="tx1"/>
+                          </a:solidFill>
+                          <a:effectLst/>
+                          <a:latin typeface="+mn-lt"/>
+                          <a:ea typeface="+mn-ea"/>
+                          <a:cs typeface="+mn-cs"/>
+                        </a:rPr>
+                        <a:t> </a:t>
+                      </a:r>
+                      <a:r>
+                        <a:rPr lang="en-US" sz="1600" b="0" kern="1200" dirty="0" err="1">
+                          <a:solidFill>
+                            <a:schemeClr val="tx1"/>
+                          </a:solidFill>
+                          <a:effectLst/>
+                          <a:latin typeface="+mn-lt"/>
+                          <a:ea typeface="+mn-ea"/>
+                          <a:cs typeface="+mn-cs"/>
+                        </a:rPr>
+                        <a:t>impressões</a:t>
+                      </a:r>
+                      <a:r>
+                        <a:rPr lang="en-US" sz="1600" b="0" kern="1200" dirty="0">
+                          <a:solidFill>
+                            <a:schemeClr val="tx1"/>
+                          </a:solidFill>
+                          <a:effectLst/>
+                          <a:latin typeface="+mn-lt"/>
+                          <a:ea typeface="+mn-ea"/>
+                          <a:cs typeface="+mn-cs"/>
+                        </a:rPr>
+                        <a:t>/</a:t>
+                      </a:r>
+                      <a:r>
+                        <a:rPr lang="en-US" sz="1600" b="0" kern="1200" dirty="0" err="1">
+                          <a:solidFill>
+                            <a:schemeClr val="tx1"/>
+                          </a:solidFill>
+                          <a:effectLst/>
+                          <a:latin typeface="+mn-lt"/>
+                          <a:ea typeface="+mn-ea"/>
+                          <a:cs typeface="+mn-cs"/>
+                        </a:rPr>
+                        <a:t>diretrizes</a:t>
+                      </a:r>
+                      <a:r>
+                        <a:rPr lang="en-US" sz="1600" b="0" kern="1200" dirty="0">
+                          <a:solidFill>
+                            <a:schemeClr val="tx1"/>
+                          </a:solidFill>
+                          <a:effectLst/>
+                          <a:latin typeface="+mn-lt"/>
+                          <a:ea typeface="+mn-ea"/>
+                          <a:cs typeface="+mn-cs"/>
+                        </a:rPr>
+                        <a:t>/ </a:t>
+                      </a:r>
+                      <a:r>
+                        <a:rPr lang="en-US" sz="1600" b="0" kern="1200" dirty="0" err="1">
+                          <a:solidFill>
+                            <a:schemeClr val="tx1"/>
+                          </a:solidFill>
+                          <a:effectLst/>
+                          <a:latin typeface="+mn-lt"/>
+                          <a:ea typeface="+mn-ea"/>
+                          <a:cs typeface="+mn-cs"/>
+                        </a:rPr>
+                        <a:t>análise</a:t>
+                      </a:r>
+                      <a:r>
+                        <a:rPr lang="en-US" sz="1600" b="0" kern="1200" dirty="0">
+                          <a:solidFill>
+                            <a:schemeClr val="tx1"/>
+                          </a:solidFill>
+                          <a:effectLst/>
+                          <a:latin typeface="+mn-lt"/>
+                          <a:ea typeface="+mn-ea"/>
+                          <a:cs typeface="+mn-cs"/>
+                        </a:rPr>
+                        <a:t> do </a:t>
+                      </a:r>
+                      <a:r>
+                        <a:rPr lang="en-US" sz="1600" b="0" kern="1200" dirty="0" err="1">
+                          <a:solidFill>
+                            <a:schemeClr val="tx1"/>
+                          </a:solidFill>
+                          <a:effectLst/>
+                          <a:latin typeface="+mn-lt"/>
+                          <a:ea typeface="+mn-ea"/>
+                          <a:cs typeface="+mn-cs"/>
+                        </a:rPr>
+                        <a:t>projeto</a:t>
+                      </a:r>
+                      <a:br>
+                        <a:rPr lang="en-US" sz="1600" b="0" kern="1200" dirty="0">
+                          <a:solidFill>
+                            <a:schemeClr val="tx1"/>
+                          </a:solidFill>
+                          <a:effectLst/>
+                          <a:latin typeface="+mn-lt"/>
+                          <a:ea typeface="+mn-ea"/>
+                          <a:cs typeface="+mn-cs"/>
+                        </a:rPr>
+                      </a:br>
+                      <a:r>
+                        <a:rPr lang="en-US" sz="1600" b="0" kern="1200" dirty="0">
+                          <a:solidFill>
+                            <a:schemeClr val="tx1"/>
+                          </a:solidFill>
+                          <a:effectLst/>
+                          <a:latin typeface="+mn-lt"/>
+                          <a:ea typeface="+mn-ea"/>
+                          <a:cs typeface="+mn-cs"/>
+                        </a:rPr>
+                        <a:t>* </a:t>
+                      </a:r>
+                      <a:r>
+                        <a:rPr lang="en-US" sz="1600" b="0" kern="1200" dirty="0" err="1">
+                          <a:solidFill>
+                            <a:schemeClr val="tx1"/>
+                          </a:solidFill>
+                          <a:effectLst/>
+                          <a:latin typeface="+mn-lt"/>
+                          <a:ea typeface="+mn-ea"/>
+                          <a:cs typeface="+mn-cs"/>
+                        </a:rPr>
+                        <a:t>Análise</a:t>
+                      </a:r>
+                      <a:r>
+                        <a:rPr lang="en-US" sz="1600" b="0" kern="1200" dirty="0">
+                          <a:solidFill>
+                            <a:schemeClr val="tx1"/>
+                          </a:solidFill>
+                          <a:effectLst/>
+                          <a:latin typeface="+mn-lt"/>
+                          <a:ea typeface="+mn-ea"/>
+                          <a:cs typeface="+mn-cs"/>
+                        </a:rPr>
+                        <a:t> </a:t>
+                      </a:r>
+                      <a:r>
+                        <a:rPr lang="en-US" sz="1600" b="0" kern="1200" dirty="0" err="1">
+                          <a:solidFill>
+                            <a:schemeClr val="tx1"/>
+                          </a:solidFill>
+                          <a:effectLst/>
+                          <a:latin typeface="+mn-lt"/>
+                          <a:ea typeface="+mn-ea"/>
+                          <a:cs typeface="+mn-cs"/>
+                        </a:rPr>
+                        <a:t>arquitetural</a:t>
+                      </a:r>
+                      <a:endParaRPr lang="en-US" sz="1600" b="0" kern="1200" dirty="0">
                         <a:solidFill>
                           <a:schemeClr val="tx1"/>
                         </a:solidFill>
                         <a:effectLst/>
-                        <a:latin typeface="Calibri" panose="020F0502020204030204" pitchFamily="34" charset="0"/>
-                        <a:ea typeface="Calibri" panose="020F0502020204030204" pitchFamily="34" charset="0"/>
-                        <a:cs typeface="Times New Roman" panose="02020603050405020304" pitchFamily="18" charset="0"/>
+                        <a:latin typeface="+mn-lt"/>
+                        <a:ea typeface="+mn-ea"/>
+                        <a:cs typeface="+mn-cs"/>
                       </a:endParaRPr>
                     </a:p>
                   </a:txBody>
@@ -11141,6 +11958,147 @@
                     <a:bodyPr/>
                     <a:lstStyle/>
                     <a:p>
+                      <a:pPr marL="0" marR="0" algn="l" defTabSz="914377" rtl="0" eaLnBrk="1" latinLnBrk="0" hangingPunct="1">
+                        <a:spcBef>
+                          <a:spcPts val="0"/>
+                        </a:spcBef>
+                        <a:spcAft>
+                          <a:spcPts val="0"/>
+                        </a:spcAft>
+                      </a:pPr>
+                      <a:r>
+                        <a:rPr lang="en-US" sz="1600" b="0" kern="1200" dirty="0">
+                          <a:solidFill>
+                            <a:schemeClr val="tx1"/>
+                          </a:solidFill>
+                          <a:effectLst/>
+                          <a:latin typeface="+mn-lt"/>
+                          <a:ea typeface="+mn-ea"/>
+                          <a:cs typeface="+mn-cs"/>
+                        </a:rPr>
+                        <a:t>15%</a:t>
+                      </a:r>
+                    </a:p>
+                  </a:txBody>
+                  <a:tcPr marL="34673" marR="34673" marT="0" marB="0">
+                    <a:lnL w="12700" cap="flat" cmpd="sng" algn="ctr">
+                      <a:solidFill>
+                        <a:schemeClr val="tx1"/>
+                      </a:solidFill>
+                      <a:prstDash val="solid"/>
+                      <a:round/>
+                      <a:headEnd type="none" w="med" len="med"/>
+                      <a:tailEnd type="none" w="med" len="med"/>
+                    </a:lnL>
+                    <a:lnR w="12700" cap="flat" cmpd="sng" algn="ctr">
+                      <a:solidFill>
+                        <a:schemeClr val="tx1"/>
+                      </a:solidFill>
+                      <a:prstDash val="solid"/>
+                      <a:round/>
+                      <a:headEnd type="none" w="med" len="med"/>
+                      <a:tailEnd type="none" w="med" len="med"/>
+                    </a:lnR>
+                    <a:lnT w="12700" cap="flat" cmpd="sng" algn="ctr">
+                      <a:solidFill>
+                        <a:schemeClr val="tx1"/>
+                      </a:solidFill>
+                      <a:prstDash val="solid"/>
+                      <a:round/>
+                      <a:headEnd type="none" w="med" len="med"/>
+                      <a:tailEnd type="none" w="med" len="med"/>
+                    </a:lnT>
+                    <a:lnB w="12700" cap="flat" cmpd="sng" algn="ctr">
+                      <a:solidFill>
+                        <a:schemeClr val="tx1"/>
+                      </a:solidFill>
+                      <a:prstDash val="solid"/>
+                      <a:round/>
+                      <a:headEnd type="none" w="med" len="med"/>
+                      <a:tailEnd type="none" w="med" len="med"/>
+                    </a:lnB>
+                    <a:noFill/>
+                  </a:tcPr>
+                </a:tc>
+                <a:tc>
+                  <a:txBody>
+                    <a:bodyPr/>
+                    <a:lstStyle/>
+                    <a:p>
+                      <a:pPr marL="0" marR="0" algn="l" defTabSz="914377" rtl="0" eaLnBrk="1" latinLnBrk="0" hangingPunct="1">
+                        <a:spcBef>
+                          <a:spcPts val="0"/>
+                        </a:spcBef>
+                        <a:spcAft>
+                          <a:spcPts val="0"/>
+                        </a:spcAft>
+                      </a:pPr>
+                      <a:r>
+                        <a:rPr lang="en-US" sz="1600" b="0" kern="1200" dirty="0">
+                          <a:solidFill>
+                            <a:schemeClr val="tx1"/>
+                          </a:solidFill>
+                          <a:effectLst/>
+                          <a:latin typeface="+mn-lt"/>
+                          <a:ea typeface="+mn-ea"/>
+                          <a:cs typeface="+mn-cs"/>
+                        </a:rPr>
+                        <a:t>10%</a:t>
+                      </a:r>
+                    </a:p>
+                  </a:txBody>
+                  <a:tcPr marL="34673" marR="34673" marT="0" marB="0">
+                    <a:lnL w="12700" cap="flat" cmpd="sng" algn="ctr">
+                      <a:solidFill>
+                        <a:schemeClr val="tx1"/>
+                      </a:solidFill>
+                      <a:prstDash val="solid"/>
+                      <a:round/>
+                      <a:headEnd type="none" w="med" len="med"/>
+                      <a:tailEnd type="none" w="med" len="med"/>
+                    </a:lnL>
+                    <a:lnR w="12700" cap="flat" cmpd="sng" algn="ctr">
+                      <a:solidFill>
+                        <a:schemeClr val="tx1"/>
+                      </a:solidFill>
+                      <a:prstDash val="solid"/>
+                      <a:round/>
+                      <a:headEnd type="none" w="med" len="med"/>
+                      <a:tailEnd type="none" w="med" len="med"/>
+                    </a:lnR>
+                    <a:lnT w="12700" cap="flat" cmpd="sng" algn="ctr">
+                      <a:solidFill>
+                        <a:schemeClr val="tx1"/>
+                      </a:solidFill>
+                      <a:prstDash val="solid"/>
+                      <a:round/>
+                      <a:headEnd type="none" w="med" len="med"/>
+                      <a:tailEnd type="none" w="med" len="med"/>
+                    </a:lnT>
+                    <a:lnB w="12700" cap="flat" cmpd="sng" algn="ctr">
+                      <a:solidFill>
+                        <a:schemeClr val="tx1"/>
+                      </a:solidFill>
+                      <a:prstDash val="solid"/>
+                      <a:round/>
+                      <a:headEnd type="none" w="med" len="med"/>
+                      <a:tailEnd type="none" w="med" len="med"/>
+                    </a:lnB>
+                    <a:noFill/>
+                  </a:tcPr>
+                </a:tc>
+                <a:extLst>
+                  <a:ext uri="{0D108BD9-81ED-4DB2-BD59-A6C34878D82A}">
+                    <a16:rowId xmlns:a16="http://schemas.microsoft.com/office/drawing/2014/main" val="4119125167"/>
+                  </a:ext>
+                </a:extLst>
+              </a:tr>
+              <a:tr h="383541">
+                <a:tc>
+                  <a:txBody>
+                    <a:bodyPr/>
+                    <a:lstStyle/>
+                    <a:p>
                       <a:pPr marL="0" marR="0">
                         <a:spcBef>
                           <a:spcPts val="0"/>
@@ -11150,51 +12108,15 @@
                         </a:spcAft>
                       </a:pPr>
                       <a:r>
-                        <a:rPr lang="en-US" sz="1800" dirty="0" err="1">
+                        <a:rPr lang="en-US" sz="1600" b="0" dirty="0">
                           <a:solidFill>
                             <a:schemeClr val="tx1"/>
                           </a:solidFill>
                           <a:effectLst/>
                         </a:rPr>
-                        <a:t>Apresentação</a:t>
+                        <a:t>Checkpoint 2</a:t>
                       </a:r>
-                      <a:r>
-                        <a:rPr lang="en-US" sz="1800" dirty="0">
-                          <a:solidFill>
-                            <a:schemeClr val="tx1"/>
-                          </a:solidFill>
-                          <a:effectLst/>
-                        </a:rPr>
-                        <a:t> final do </a:t>
-                      </a:r>
-                      <a:r>
-                        <a:rPr lang="en-US" sz="1800" dirty="0" err="1">
-                          <a:solidFill>
-                            <a:schemeClr val="tx1"/>
-                          </a:solidFill>
-                          <a:effectLst/>
-                        </a:rPr>
-                        <a:t>trabalho</a:t>
-                      </a:r>
-                      <a:r>
-                        <a:rPr lang="en-US" sz="1800" dirty="0">
-                          <a:solidFill>
-                            <a:schemeClr val="tx1"/>
-                          </a:solidFill>
-                          <a:effectLst/>
-                        </a:rPr>
-                        <a:t> pela </a:t>
-                      </a:r>
-                      <a:r>
-                        <a:rPr lang="en-US" sz="1800" dirty="0" err="1">
-                          <a:solidFill>
-                            <a:schemeClr val="tx1"/>
-                          </a:solidFill>
-                          <a:effectLst/>
-                        </a:rPr>
-                        <a:t>equipe</a:t>
-                      </a:r>
-                      <a:endParaRPr lang="en-US" sz="1800" dirty="0">
+                      <a:endParaRPr lang="en-US" sz="1600" b="0" dirty="0">
                         <a:solidFill>
                           <a:schemeClr val="tx1"/>
                         </a:solidFill>
@@ -11242,7 +12164,9 @@
                       <a:headEnd type="none" w="med" len="med"/>
                       <a:tailEnd type="none" w="med" len="med"/>
                     </a:lnB>
-                    <a:noFill/>
+                    <a:solidFill>
+                      <a:srgbClr val="FEC100"/>
+                    </a:solidFill>
                   </a:tcPr>
                 </a:tc>
                 <a:tc>
@@ -11259,15 +12183,24 @@
                         </a:spcAft>
                       </a:pPr>
                       <a:r>
-                        <a:rPr lang="en-US" sz="1800" dirty="0">
+                        <a:rPr lang="en-US" sz="1600" dirty="0" err="1">
                           <a:solidFill>
                             <a:schemeClr val="tx1"/>
                           </a:solidFill>
                           <a:effectLst/>
                         </a:rPr>
-                        <a:t>10%</a:t>
+                        <a:t>Apresentação</a:t>
                       </a:r>
-                      <a:endParaRPr lang="en-US" sz="1800" dirty="0">
+                      <a:r>
+                        <a:rPr lang="en-US" sz="1600" dirty="0">
+                          <a:solidFill>
+                            <a:schemeClr val="tx1"/>
+                          </a:solidFill>
+                          <a:effectLst/>
+                        </a:rPr>
+                        <a:t> final</a:t>
+                      </a:r>
+                      <a:endParaRPr lang="en-US" sz="1600" dirty="0">
                         <a:solidFill>
                           <a:schemeClr val="tx1"/>
                         </a:solidFill>
@@ -11315,12 +12248,634 @@
                       <a:headEnd type="none" w="med" len="med"/>
                       <a:tailEnd type="none" w="med" len="med"/>
                     </a:lnB>
+                    <a:solidFill>
+                      <a:srgbClr val="FEC100"/>
+                    </a:solidFill>
+                  </a:tcPr>
+                </a:tc>
+                <a:tc>
+                  <a:txBody>
+                    <a:bodyPr/>
+                    <a:lstStyle/>
+                    <a:p>
+                      <a:pPr marL="0" marR="0">
+                        <a:spcBef>
+                          <a:spcPts val="0"/>
+                        </a:spcBef>
+                        <a:spcAft>
+                          <a:spcPts val="0"/>
+                        </a:spcAft>
+                      </a:pPr>
+                      <a:r>
+                        <a:rPr lang="en-US" sz="1600" i="1" dirty="0">
+                          <a:solidFill>
+                            <a:schemeClr val="tx1"/>
+                          </a:solidFill>
+                          <a:effectLst/>
+                        </a:rPr>
+                        <a:t>10</a:t>
+                      </a:r>
+                      <a:r>
+                        <a:rPr lang="en-US" sz="1600" dirty="0">
+                          <a:solidFill>
+                            <a:schemeClr val="tx1"/>
+                          </a:solidFill>
+                          <a:effectLst/>
+                        </a:rPr>
+                        <a:t>%</a:t>
+                      </a:r>
+                      <a:endParaRPr lang="en-US" sz="1600" dirty="0">
+                        <a:solidFill>
+                          <a:schemeClr val="tx1"/>
+                        </a:solidFill>
+                        <a:effectLst/>
+                        <a:latin typeface="Calibri" panose="020F0502020204030204" pitchFamily="34" charset="0"/>
+                        <a:ea typeface="Calibri" panose="020F0502020204030204" pitchFamily="34" charset="0"/>
+                        <a:cs typeface="Times New Roman" panose="02020603050405020304" pitchFamily="18" charset="0"/>
+                      </a:endParaRPr>
+                    </a:p>
+                  </a:txBody>
+                  <a:tcPr marL="34673" marR="34673" marT="0" marB="0">
+                    <a:lnL w="12700" cap="flat" cmpd="sng" algn="ctr">
+                      <a:solidFill>
+                        <a:schemeClr val="tx1"/>
+                      </a:solidFill>
+                      <a:prstDash val="solid"/>
+                      <a:round/>
+                      <a:headEnd type="none" w="med" len="med"/>
+                      <a:tailEnd type="none" w="med" len="med"/>
+                    </a:lnL>
+                    <a:lnR w="12700" cap="flat" cmpd="sng" algn="ctr">
+                      <a:solidFill>
+                        <a:schemeClr val="tx1"/>
+                      </a:solidFill>
+                      <a:prstDash val="solid"/>
+                      <a:round/>
+                      <a:headEnd type="none" w="med" len="med"/>
+                      <a:tailEnd type="none" w="med" len="med"/>
+                    </a:lnR>
+                    <a:lnT w="12700" cap="flat" cmpd="sng" algn="ctr">
+                      <a:solidFill>
+                        <a:schemeClr val="tx1"/>
+                      </a:solidFill>
+                      <a:prstDash val="solid"/>
+                      <a:round/>
+                      <a:headEnd type="none" w="med" len="med"/>
+                      <a:tailEnd type="none" w="med" len="med"/>
+                    </a:lnT>
+                    <a:lnB w="12700" cap="flat" cmpd="sng" algn="ctr">
+                      <a:solidFill>
+                        <a:schemeClr val="tx1"/>
+                      </a:solidFill>
+                      <a:prstDash val="solid"/>
+                      <a:round/>
+                      <a:headEnd type="none" w="med" len="med"/>
+                      <a:tailEnd type="none" w="med" len="med"/>
+                    </a:lnB>
+                    <a:solidFill>
+                      <a:srgbClr val="FEC100"/>
+                    </a:solidFill>
+                  </a:tcPr>
+                </a:tc>
+                <a:tc>
+                  <a:txBody>
+                    <a:bodyPr/>
+                    <a:lstStyle/>
+                    <a:p>
+                      <a:pPr marL="0" marR="0">
+                        <a:spcBef>
+                          <a:spcPts val="0"/>
+                        </a:spcBef>
+                        <a:spcAft>
+                          <a:spcPts val="0"/>
+                        </a:spcAft>
+                      </a:pPr>
+                      <a:r>
+                        <a:rPr lang="en-US" sz="1600" dirty="0">
+                          <a:solidFill>
+                            <a:schemeClr val="tx1"/>
+                          </a:solidFill>
+                          <a:effectLst/>
+                          <a:latin typeface="Calibri" panose="020F0502020204030204" pitchFamily="34" charset="0"/>
+                          <a:ea typeface="Calibri" panose="020F0502020204030204" pitchFamily="34" charset="0"/>
+                          <a:cs typeface="Times New Roman" panose="02020603050405020304" pitchFamily="18" charset="0"/>
+                        </a:rPr>
+                        <a:t>10%</a:t>
+                      </a:r>
+                    </a:p>
+                  </a:txBody>
+                  <a:tcPr marL="34673" marR="34673" marT="0" marB="0">
+                    <a:lnL w="12700" cap="flat" cmpd="sng" algn="ctr">
+                      <a:solidFill>
+                        <a:schemeClr val="tx1"/>
+                      </a:solidFill>
+                      <a:prstDash val="solid"/>
+                      <a:round/>
+                      <a:headEnd type="none" w="med" len="med"/>
+                      <a:tailEnd type="none" w="med" len="med"/>
+                    </a:lnL>
+                    <a:lnR w="12700" cap="flat" cmpd="sng" algn="ctr">
+                      <a:solidFill>
+                        <a:schemeClr val="tx1"/>
+                      </a:solidFill>
+                      <a:prstDash val="solid"/>
+                      <a:round/>
+                      <a:headEnd type="none" w="med" len="med"/>
+                      <a:tailEnd type="none" w="med" len="med"/>
+                    </a:lnR>
+                    <a:lnT w="12700" cap="flat" cmpd="sng" algn="ctr">
+                      <a:solidFill>
+                        <a:schemeClr val="tx1"/>
+                      </a:solidFill>
+                      <a:prstDash val="solid"/>
+                      <a:round/>
+                      <a:headEnd type="none" w="med" len="med"/>
+                      <a:tailEnd type="none" w="med" len="med"/>
+                    </a:lnT>
+                    <a:lnB w="12700" cap="flat" cmpd="sng" algn="ctr">
+                      <a:solidFill>
+                        <a:schemeClr val="tx1"/>
+                      </a:solidFill>
+                      <a:prstDash val="solid"/>
+                      <a:round/>
+                      <a:headEnd type="none" w="med" len="med"/>
+                      <a:tailEnd type="none" w="med" len="med"/>
+                    </a:lnB>
+                    <a:solidFill>
+                      <a:srgbClr val="FEC100"/>
+                    </a:solidFill>
+                  </a:tcPr>
+                </a:tc>
+                <a:extLst>
+                  <a:ext uri="{0D108BD9-81ED-4DB2-BD59-A6C34878D82A}">
+                    <a16:rowId xmlns:a16="http://schemas.microsoft.com/office/drawing/2014/main" val="791791047"/>
+                  </a:ext>
+                </a:extLst>
+              </a:tr>
+              <a:tr h="383541">
+                <a:tc>
+                  <a:txBody>
+                    <a:bodyPr/>
+                    <a:lstStyle/>
+                    <a:p>
+                      <a:pPr marL="0" marR="0" algn="l" defTabSz="914377" rtl="0" eaLnBrk="1" latinLnBrk="0" hangingPunct="1">
+                        <a:spcBef>
+                          <a:spcPts val="0"/>
+                        </a:spcBef>
+                        <a:spcAft>
+                          <a:spcPts val="0"/>
+                        </a:spcAft>
+                      </a:pPr>
+                      <a:r>
+                        <a:rPr lang="en-US" sz="1600" b="0" kern="1200" dirty="0" err="1">
+                          <a:solidFill>
+                            <a:schemeClr val="tx1"/>
+                          </a:solidFill>
+                          <a:effectLst/>
+                          <a:latin typeface="+mn-lt"/>
+                          <a:ea typeface="+mn-ea"/>
+                          <a:cs typeface="+mn-cs"/>
+                        </a:rPr>
+                        <a:t>Relatório</a:t>
+                      </a:r>
+                      <a:r>
+                        <a:rPr lang="en-US" sz="1600" b="0" kern="1200" dirty="0">
+                          <a:solidFill>
+                            <a:schemeClr val="tx1"/>
+                          </a:solidFill>
+                          <a:effectLst/>
+                          <a:latin typeface="+mn-lt"/>
+                          <a:ea typeface="+mn-ea"/>
+                          <a:cs typeface="+mn-cs"/>
+                        </a:rPr>
+                        <a:t> final</a:t>
+                      </a:r>
+                    </a:p>
+                  </a:txBody>
+                  <a:tcPr marL="34673" marR="34673" marT="0" marB="0">
+                    <a:lnL w="12700" cap="flat" cmpd="sng" algn="ctr">
+                      <a:solidFill>
+                        <a:schemeClr val="tx1"/>
+                      </a:solidFill>
+                      <a:prstDash val="solid"/>
+                      <a:round/>
+                      <a:headEnd type="none" w="med" len="med"/>
+                      <a:tailEnd type="none" w="med" len="med"/>
+                    </a:lnL>
+                    <a:lnR w="12700" cap="flat" cmpd="sng" algn="ctr">
+                      <a:solidFill>
+                        <a:schemeClr val="tx1"/>
+                      </a:solidFill>
+                      <a:prstDash val="solid"/>
+                      <a:round/>
+                      <a:headEnd type="none" w="med" len="med"/>
+                      <a:tailEnd type="none" w="med" len="med"/>
+                    </a:lnR>
+                    <a:lnT w="12700" cap="flat" cmpd="sng" algn="ctr">
+                      <a:solidFill>
+                        <a:schemeClr val="tx1"/>
+                      </a:solidFill>
+                      <a:prstDash val="solid"/>
+                      <a:round/>
+                      <a:headEnd type="none" w="med" len="med"/>
+                      <a:tailEnd type="none" w="med" len="med"/>
+                    </a:lnT>
+                    <a:lnB w="12700" cap="flat" cmpd="sng" algn="ctr">
+                      <a:solidFill>
+                        <a:schemeClr val="tx1"/>
+                      </a:solidFill>
+                      <a:prstDash val="solid"/>
+                      <a:round/>
+                      <a:headEnd type="none" w="med" len="med"/>
+                      <a:tailEnd type="none" w="med" len="med"/>
+                    </a:lnB>
+                    <a:noFill/>
+                  </a:tcPr>
+                </a:tc>
+                <a:tc>
+                  <a:txBody>
+                    <a:bodyPr/>
+                    <a:lstStyle/>
+                    <a:p>
+                      <a:pPr marL="0" marR="0" algn="l" defTabSz="914377" rtl="0" eaLnBrk="1" latinLnBrk="0" hangingPunct="1">
+                        <a:spcBef>
+                          <a:spcPts val="0"/>
+                        </a:spcBef>
+                        <a:spcAft>
+                          <a:spcPts val="0"/>
+                        </a:spcAft>
+                      </a:pPr>
+                      <a:r>
+                        <a:rPr lang="en-US" sz="1600" b="0" kern="1200" dirty="0" err="1">
+                          <a:solidFill>
+                            <a:schemeClr val="tx1"/>
+                          </a:solidFill>
+                          <a:effectLst/>
+                          <a:latin typeface="+mn-lt"/>
+                          <a:ea typeface="+mn-ea"/>
+                          <a:cs typeface="+mn-cs"/>
+                        </a:rPr>
+                        <a:t>Resumo</a:t>
+                      </a:r>
+                      <a:r>
+                        <a:rPr lang="en-US" sz="1600" b="0" kern="1200" dirty="0">
+                          <a:solidFill>
+                            <a:schemeClr val="tx1"/>
+                          </a:solidFill>
+                          <a:effectLst/>
+                          <a:latin typeface="+mn-lt"/>
+                          <a:ea typeface="+mn-ea"/>
+                          <a:cs typeface="+mn-cs"/>
+                        </a:rPr>
+                        <a:t> do </a:t>
+                      </a:r>
+                      <a:r>
+                        <a:rPr lang="en-US" sz="1600" b="0" kern="1200" dirty="0" err="1">
+                          <a:solidFill>
+                            <a:schemeClr val="tx1"/>
+                          </a:solidFill>
+                          <a:effectLst/>
+                          <a:latin typeface="+mn-lt"/>
+                          <a:ea typeface="+mn-ea"/>
+                          <a:cs typeface="+mn-cs"/>
+                        </a:rPr>
+                        <a:t>processo</a:t>
+                      </a:r>
+                      <a:r>
+                        <a:rPr lang="en-US" sz="1600" b="0" kern="1200" dirty="0">
+                          <a:solidFill>
+                            <a:schemeClr val="tx1"/>
+                          </a:solidFill>
+                          <a:effectLst/>
+                          <a:latin typeface="+mn-lt"/>
+                          <a:ea typeface="+mn-ea"/>
+                          <a:cs typeface="+mn-cs"/>
+                        </a:rPr>
+                        <a:t> de </a:t>
+                      </a:r>
+                      <a:r>
+                        <a:rPr lang="en-US" sz="1600" b="0" kern="1200" dirty="0" err="1">
+                          <a:solidFill>
+                            <a:schemeClr val="tx1"/>
+                          </a:solidFill>
+                          <a:effectLst/>
+                          <a:latin typeface="+mn-lt"/>
+                          <a:ea typeface="+mn-ea"/>
+                          <a:cs typeface="+mn-cs"/>
+                        </a:rPr>
+                        <a:t>contribuição</a:t>
+                      </a:r>
+                      <a:r>
+                        <a:rPr lang="en-US" sz="1600" b="0" kern="1200" dirty="0">
+                          <a:solidFill>
+                            <a:schemeClr val="tx1"/>
+                          </a:solidFill>
+                          <a:effectLst/>
+                          <a:latin typeface="+mn-lt"/>
+                          <a:ea typeface="+mn-ea"/>
+                          <a:cs typeface="+mn-cs"/>
+                        </a:rPr>
+                        <a:t> (</a:t>
+                      </a:r>
+                      <a:r>
+                        <a:rPr lang="en-US" sz="1600" b="0" kern="1200" dirty="0" err="1">
+                          <a:solidFill>
+                            <a:schemeClr val="tx1"/>
+                          </a:solidFill>
+                          <a:effectLst/>
+                          <a:latin typeface="+mn-lt"/>
+                          <a:ea typeface="+mn-ea"/>
+                          <a:cs typeface="+mn-cs"/>
+                        </a:rPr>
+                        <a:t>recomendo</a:t>
+                      </a:r>
+                      <a:r>
+                        <a:rPr lang="en-US" sz="1600" b="0" kern="1200" dirty="0">
+                          <a:solidFill>
+                            <a:schemeClr val="tx1"/>
+                          </a:solidFill>
+                          <a:effectLst/>
+                          <a:latin typeface="+mn-lt"/>
+                          <a:ea typeface="+mn-ea"/>
+                          <a:cs typeface="+mn-cs"/>
+                        </a:rPr>
+                        <a:t> ser </a:t>
+                      </a:r>
+                      <a:r>
+                        <a:rPr lang="en-US" sz="1600" b="0" kern="1200" dirty="0" err="1">
+                          <a:solidFill>
+                            <a:schemeClr val="tx1"/>
+                          </a:solidFill>
+                          <a:effectLst/>
+                          <a:latin typeface="+mn-lt"/>
+                          <a:ea typeface="+mn-ea"/>
+                          <a:cs typeface="+mn-cs"/>
+                        </a:rPr>
+                        <a:t>escrito</a:t>
+                      </a:r>
+                      <a:r>
+                        <a:rPr lang="en-US" sz="1600" b="0" kern="1200" dirty="0">
+                          <a:solidFill>
+                            <a:schemeClr val="tx1"/>
+                          </a:solidFill>
+                          <a:effectLst/>
+                          <a:latin typeface="+mn-lt"/>
+                          <a:ea typeface="+mn-ea"/>
+                          <a:cs typeface="+mn-cs"/>
+                        </a:rPr>
+                        <a:t> </a:t>
+                      </a:r>
+                      <a:r>
+                        <a:rPr lang="en-US" sz="1600" b="0" kern="1200" dirty="0" err="1">
+                          <a:solidFill>
+                            <a:schemeClr val="tx1"/>
+                          </a:solidFill>
+                          <a:effectLst/>
+                          <a:latin typeface="+mn-lt"/>
+                          <a:ea typeface="+mn-ea"/>
+                          <a:cs typeface="+mn-cs"/>
+                        </a:rPr>
+                        <a:t>em</a:t>
+                      </a:r>
+                      <a:r>
+                        <a:rPr lang="en-US" sz="1600" b="0" kern="1200" dirty="0">
+                          <a:solidFill>
+                            <a:schemeClr val="tx1"/>
+                          </a:solidFill>
+                          <a:effectLst/>
+                          <a:latin typeface="+mn-lt"/>
+                          <a:ea typeface="+mn-ea"/>
+                          <a:cs typeface="+mn-cs"/>
+                        </a:rPr>
+                        <a:t> tempo real para </a:t>
+                      </a:r>
+                      <a:r>
+                        <a:rPr lang="en-US" sz="1600" b="0" kern="1200" dirty="0" err="1">
+                          <a:solidFill>
+                            <a:schemeClr val="tx1"/>
+                          </a:solidFill>
+                          <a:effectLst/>
+                          <a:latin typeface="+mn-lt"/>
+                          <a:ea typeface="+mn-ea"/>
+                          <a:cs typeface="+mn-cs"/>
+                        </a:rPr>
+                        <a:t>evitar</a:t>
+                      </a:r>
+                      <a:r>
+                        <a:rPr lang="en-US" sz="1600" b="0" kern="1200" dirty="0">
+                          <a:solidFill>
+                            <a:schemeClr val="tx1"/>
+                          </a:solidFill>
+                          <a:effectLst/>
+                          <a:latin typeface="+mn-lt"/>
+                          <a:ea typeface="+mn-ea"/>
+                          <a:cs typeface="+mn-cs"/>
+                        </a:rPr>
+                        <a:t> o </a:t>
+                      </a:r>
+                      <a:r>
+                        <a:rPr lang="en-US" sz="1600" b="0" kern="1200" dirty="0" err="1">
+                          <a:solidFill>
+                            <a:schemeClr val="tx1"/>
+                          </a:solidFill>
+                          <a:effectLst/>
+                          <a:latin typeface="+mn-lt"/>
+                          <a:ea typeface="+mn-ea"/>
+                          <a:cs typeface="+mn-cs"/>
+                        </a:rPr>
+                        <a:t>esquecimento</a:t>
+                      </a:r>
+                      <a:r>
+                        <a:rPr lang="en-US" sz="1600" b="0" kern="1200" dirty="0">
+                          <a:solidFill>
+                            <a:schemeClr val="tx1"/>
+                          </a:solidFill>
+                          <a:effectLst/>
+                          <a:latin typeface="+mn-lt"/>
+                          <a:ea typeface="+mn-ea"/>
+                          <a:cs typeface="+mn-cs"/>
+                        </a:rPr>
+                        <a:t>)</a:t>
+                      </a:r>
+                    </a:p>
+                  </a:txBody>
+                  <a:tcPr marL="34673" marR="34673" marT="0" marB="0">
+                    <a:lnL w="12700" cap="flat" cmpd="sng" algn="ctr">
+                      <a:solidFill>
+                        <a:schemeClr val="tx1"/>
+                      </a:solidFill>
+                      <a:prstDash val="solid"/>
+                      <a:round/>
+                      <a:headEnd type="none" w="med" len="med"/>
+                      <a:tailEnd type="none" w="med" len="med"/>
+                    </a:lnL>
+                    <a:lnR w="12700" cap="flat" cmpd="sng" algn="ctr">
+                      <a:solidFill>
+                        <a:schemeClr val="tx1"/>
+                      </a:solidFill>
+                      <a:prstDash val="solid"/>
+                      <a:round/>
+                      <a:headEnd type="none" w="med" len="med"/>
+                      <a:tailEnd type="none" w="med" len="med"/>
+                    </a:lnR>
+                    <a:lnT w="12700" cap="flat" cmpd="sng" algn="ctr">
+                      <a:solidFill>
+                        <a:schemeClr val="tx1"/>
+                      </a:solidFill>
+                      <a:prstDash val="solid"/>
+                      <a:round/>
+                      <a:headEnd type="none" w="med" len="med"/>
+                      <a:tailEnd type="none" w="med" len="med"/>
+                    </a:lnT>
+                    <a:lnB w="12700" cap="flat" cmpd="sng" algn="ctr">
+                      <a:solidFill>
+                        <a:schemeClr val="tx1"/>
+                      </a:solidFill>
+                      <a:prstDash val="solid"/>
+                      <a:round/>
+                      <a:headEnd type="none" w="med" len="med"/>
+                      <a:tailEnd type="none" w="med" len="med"/>
+                    </a:lnB>
+                    <a:noFill/>
+                  </a:tcPr>
+                </a:tc>
+                <a:tc>
+                  <a:txBody>
+                    <a:bodyPr/>
+                    <a:lstStyle/>
+                    <a:p>
+                      <a:pPr marL="0" marR="0" algn="l" defTabSz="914377" rtl="0" eaLnBrk="1" latinLnBrk="0" hangingPunct="1">
+                        <a:spcBef>
+                          <a:spcPts val="0"/>
+                        </a:spcBef>
+                        <a:spcAft>
+                          <a:spcPts val="0"/>
+                        </a:spcAft>
+                      </a:pPr>
+                      <a:r>
+                        <a:rPr lang="en-US" sz="1600" b="0" kern="1200" dirty="0">
+                          <a:solidFill>
+                            <a:schemeClr val="tx1"/>
+                          </a:solidFill>
+                          <a:effectLst/>
+                          <a:latin typeface="+mn-lt"/>
+                          <a:ea typeface="+mn-ea"/>
+                          <a:cs typeface="+mn-cs"/>
+                        </a:rPr>
+                        <a:t>15%</a:t>
+                      </a:r>
+                    </a:p>
+                  </a:txBody>
+                  <a:tcPr marL="34673" marR="34673" marT="0" marB="0">
+                    <a:lnL w="12700" cap="flat" cmpd="sng" algn="ctr">
+                      <a:solidFill>
+                        <a:schemeClr val="tx1"/>
+                      </a:solidFill>
+                      <a:prstDash val="solid"/>
+                      <a:round/>
+                      <a:headEnd type="none" w="med" len="med"/>
+                      <a:tailEnd type="none" w="med" len="med"/>
+                    </a:lnL>
+                    <a:lnR w="12700" cap="flat" cmpd="sng" algn="ctr">
+                      <a:solidFill>
+                        <a:schemeClr val="tx1"/>
+                      </a:solidFill>
+                      <a:prstDash val="solid"/>
+                      <a:round/>
+                      <a:headEnd type="none" w="med" len="med"/>
+                      <a:tailEnd type="none" w="med" len="med"/>
+                    </a:lnR>
+                    <a:lnT w="12700" cap="flat" cmpd="sng" algn="ctr">
+                      <a:solidFill>
+                        <a:schemeClr val="tx1"/>
+                      </a:solidFill>
+                      <a:prstDash val="solid"/>
+                      <a:round/>
+                      <a:headEnd type="none" w="med" len="med"/>
+                      <a:tailEnd type="none" w="med" len="med"/>
+                    </a:lnT>
+                    <a:lnB w="12700" cap="flat" cmpd="sng" algn="ctr">
+                      <a:solidFill>
+                        <a:schemeClr val="tx1"/>
+                      </a:solidFill>
+                      <a:prstDash val="solid"/>
+                      <a:round/>
+                      <a:headEnd type="none" w="med" len="med"/>
+                      <a:tailEnd type="none" w="med" len="med"/>
+                    </a:lnB>
+                    <a:noFill/>
+                  </a:tcPr>
+                </a:tc>
+                <a:tc>
+                  <a:txBody>
+                    <a:bodyPr/>
+                    <a:lstStyle/>
+                    <a:p>
+                      <a:pPr marL="0" marR="0" algn="l" defTabSz="914377" rtl="0" eaLnBrk="1" latinLnBrk="0" hangingPunct="1">
+                        <a:spcBef>
+                          <a:spcPts val="0"/>
+                        </a:spcBef>
+                        <a:spcAft>
+                          <a:spcPts val="0"/>
+                        </a:spcAft>
+                      </a:pPr>
+                      <a:r>
+                        <a:rPr lang="en-US" sz="1600" b="0" kern="1200" dirty="0">
+                          <a:solidFill>
+                            <a:schemeClr val="tx1"/>
+                          </a:solidFill>
+                          <a:effectLst/>
+                          <a:latin typeface="+mn-lt"/>
+                          <a:ea typeface="+mn-ea"/>
+                          <a:cs typeface="+mn-cs"/>
+                        </a:rPr>
+                        <a:t>10%</a:t>
+                      </a:r>
+                    </a:p>
+                  </a:txBody>
+                  <a:tcPr marL="34673" marR="34673" marT="0" marB="0">
+                    <a:lnL w="12700" cap="flat" cmpd="sng" algn="ctr">
+                      <a:solidFill>
+                        <a:schemeClr val="tx1"/>
+                      </a:solidFill>
+                      <a:prstDash val="solid"/>
+                      <a:round/>
+                      <a:headEnd type="none" w="med" len="med"/>
+                      <a:tailEnd type="none" w="med" len="med"/>
+                    </a:lnL>
+                    <a:lnR w="12700" cap="flat" cmpd="sng" algn="ctr">
+                      <a:solidFill>
+                        <a:schemeClr val="tx1"/>
+                      </a:solidFill>
+                      <a:prstDash val="solid"/>
+                      <a:round/>
+                      <a:headEnd type="none" w="med" len="med"/>
+                      <a:tailEnd type="none" w="med" len="med"/>
+                    </a:lnR>
+                    <a:lnT w="12700" cap="flat" cmpd="sng" algn="ctr">
+                      <a:solidFill>
+                        <a:schemeClr val="tx1"/>
+                      </a:solidFill>
+                      <a:prstDash val="solid"/>
+                      <a:round/>
+                      <a:headEnd type="none" w="med" len="med"/>
+                      <a:tailEnd type="none" w="med" len="med"/>
+                    </a:lnT>
+                    <a:lnB w="12700" cap="flat" cmpd="sng" algn="ctr">
+                      <a:solidFill>
+                        <a:schemeClr val="tx1"/>
+                      </a:solidFill>
+                      <a:prstDash val="solid"/>
+                      <a:round/>
+                      <a:headEnd type="none" w="med" len="med"/>
+                      <a:tailEnd type="none" w="med" len="med"/>
+                    </a:lnB>
                     <a:noFill/>
                   </a:tcPr>
                 </a:tc>
                 <a:extLst>
                   <a:ext uri="{0D108BD9-81ED-4DB2-BD59-A6C34878D82A}">
-                    <a16:rowId xmlns:a16="http://schemas.microsoft.com/office/drawing/2014/main" val="2735399775"/>
+                    <a16:rowId xmlns:a16="http://schemas.microsoft.com/office/drawing/2014/main" val="290535147"/>
                   </a:ext>
                 </a:extLst>
               </a:tr>
@@ -11339,7 +12894,7 @@
                         </a:spcAft>
                       </a:pPr>
                       <a:r>
-                        <a:rPr lang="en-US" sz="1800" b="0" kern="1200" dirty="0" err="1">
+                        <a:rPr lang="en-US" sz="1600" b="0" kern="1200" dirty="0" err="1">
                           <a:solidFill>
                             <a:schemeClr val="tx1"/>
                           </a:solidFill>
@@ -11348,10 +12903,10 @@
                           <a:ea typeface="+mn-ea"/>
                           <a:cs typeface="+mn-cs"/>
                         </a:rPr>
-                        <a:t>Relatório</a:t>
+                        <a:t>Relatórios</a:t>
                       </a:r>
                       <a:r>
-                        <a:rPr lang="en-US" sz="1800" b="0" kern="1200" dirty="0">
+                        <a:rPr lang="en-US" sz="1600" b="0" kern="1200" dirty="0">
                           <a:solidFill>
                             <a:schemeClr val="tx1"/>
                           </a:solidFill>
@@ -11360,7 +12915,271 @@
                           <a:ea typeface="+mn-ea"/>
                           <a:cs typeface="+mn-cs"/>
                         </a:rPr>
-                        <a:t> final</a:t>
+                        <a:t> </a:t>
+                      </a:r>
+                      <a:r>
+                        <a:rPr lang="en-US" sz="1600" b="0" kern="1200" dirty="0" err="1">
+                          <a:solidFill>
+                            <a:schemeClr val="tx1"/>
+                          </a:solidFill>
+                          <a:effectLst/>
+                          <a:latin typeface="+mn-lt"/>
+                          <a:ea typeface="+mn-ea"/>
+                          <a:cs typeface="+mn-cs"/>
+                        </a:rPr>
+                        <a:t>semanais</a:t>
+                      </a:r>
+                      <a:endParaRPr lang="en-US" sz="1600" b="0" kern="1200" dirty="0">
+                        <a:solidFill>
+                          <a:schemeClr val="tx1"/>
+                        </a:solidFill>
+                        <a:effectLst/>
+                        <a:latin typeface="+mn-lt"/>
+                        <a:ea typeface="+mn-ea"/>
+                        <a:cs typeface="+mn-cs"/>
+                      </a:endParaRPr>
+                    </a:p>
+                  </a:txBody>
+                  <a:tcPr marL="68580" marR="68580" marT="0" marB="0">
+                    <a:lnL w="12700" cap="flat" cmpd="sng" algn="ctr">
+                      <a:solidFill>
+                        <a:schemeClr val="tx1"/>
+                      </a:solidFill>
+                      <a:prstDash val="solid"/>
+                      <a:round/>
+                      <a:headEnd type="none" w="med" len="med"/>
+                      <a:tailEnd type="none" w="med" len="med"/>
+                    </a:lnL>
+                    <a:lnR w="12700" cap="flat" cmpd="sng" algn="ctr">
+                      <a:solidFill>
+                        <a:schemeClr val="tx1"/>
+                      </a:solidFill>
+                      <a:prstDash val="solid"/>
+                      <a:round/>
+                      <a:headEnd type="none" w="med" len="med"/>
+                      <a:tailEnd type="none" w="med" len="med"/>
+                    </a:lnR>
+                    <a:lnT w="12700" cap="flat" cmpd="sng" algn="ctr">
+                      <a:solidFill>
+                        <a:schemeClr val="tx1"/>
+                      </a:solidFill>
+                      <a:prstDash val="solid"/>
+                      <a:round/>
+                      <a:headEnd type="none" w="med" len="med"/>
+                      <a:tailEnd type="none" w="med" len="med"/>
+                    </a:lnT>
+                    <a:lnB w="12700" cap="flat" cmpd="sng" algn="ctr">
+                      <a:solidFill>
+                        <a:schemeClr val="tx1"/>
+                      </a:solidFill>
+                      <a:prstDash val="solid"/>
+                      <a:round/>
+                      <a:headEnd type="none" w="med" len="med"/>
+                      <a:tailEnd type="none" w="med" len="med"/>
+                    </a:lnB>
+                    <a:solidFill>
+                      <a:srgbClr val="FEC100"/>
+                    </a:solidFill>
+                  </a:tcPr>
+                </a:tc>
+                <a:tc>
+                  <a:txBody>
+                    <a:bodyPr/>
+                    <a:lstStyle/>
+                    <a:p>
+                      <a:pPr marL="0" marR="0" algn="l" defTabSz="914377" rtl="0" eaLnBrk="1" latinLnBrk="0" hangingPunct="1">
+                        <a:spcBef>
+                          <a:spcPts val="0"/>
+                        </a:spcBef>
+                        <a:spcAft>
+                          <a:spcPts val="0"/>
+                        </a:spcAft>
+                      </a:pPr>
+                      <a:r>
+                        <a:rPr lang="en-US" sz="1600" b="0" kern="1200" dirty="0" err="1">
+                          <a:solidFill>
+                            <a:schemeClr val="tx1"/>
+                          </a:solidFill>
+                          <a:effectLst/>
+                          <a:latin typeface="+mn-lt"/>
+                          <a:ea typeface="+mn-ea"/>
+                          <a:cs typeface="+mn-cs"/>
+                        </a:rPr>
+                        <a:t>Relatórios</a:t>
+                      </a:r>
+                      <a:r>
+                        <a:rPr lang="en-US" sz="1600" b="0" kern="1200" dirty="0">
+                          <a:solidFill>
+                            <a:schemeClr val="tx1"/>
+                          </a:solidFill>
+                          <a:effectLst/>
+                          <a:latin typeface="+mn-lt"/>
+                          <a:ea typeface="+mn-ea"/>
+                          <a:cs typeface="+mn-cs"/>
+                        </a:rPr>
+                        <a:t> </a:t>
+                      </a:r>
+                      <a:r>
+                        <a:rPr lang="en-US" sz="1600" b="0" kern="1200" dirty="0" err="1">
+                          <a:solidFill>
+                            <a:schemeClr val="tx1"/>
+                          </a:solidFill>
+                          <a:effectLst/>
+                          <a:latin typeface="+mn-lt"/>
+                          <a:ea typeface="+mn-ea"/>
+                          <a:cs typeface="+mn-cs"/>
+                        </a:rPr>
+                        <a:t>semanais</a:t>
+                      </a:r>
+                      <a:r>
+                        <a:rPr lang="en-US" sz="1600" b="0" kern="1200" dirty="0">
+                          <a:solidFill>
+                            <a:schemeClr val="tx1"/>
+                          </a:solidFill>
+                          <a:effectLst/>
+                          <a:latin typeface="+mn-lt"/>
+                          <a:ea typeface="+mn-ea"/>
+                          <a:cs typeface="+mn-cs"/>
+                        </a:rPr>
+                        <a:t> para </a:t>
+                      </a:r>
+                      <a:r>
+                        <a:rPr lang="en-US" sz="1600" b="0" kern="1200" dirty="0" err="1">
+                          <a:solidFill>
+                            <a:schemeClr val="tx1"/>
+                          </a:solidFill>
+                          <a:effectLst/>
+                          <a:latin typeface="+mn-lt"/>
+                          <a:ea typeface="+mn-ea"/>
+                          <a:cs typeface="+mn-cs"/>
+                        </a:rPr>
+                        <a:t>reportar</a:t>
+                      </a:r>
+                      <a:r>
+                        <a:rPr lang="en-US" sz="1600" b="0" kern="1200" dirty="0">
+                          <a:solidFill>
+                            <a:schemeClr val="tx1"/>
+                          </a:solidFill>
+                          <a:effectLst/>
+                          <a:latin typeface="+mn-lt"/>
+                          <a:ea typeface="+mn-ea"/>
+                          <a:cs typeface="+mn-cs"/>
+                        </a:rPr>
+                        <a:t> o </a:t>
+                      </a:r>
+                      <a:r>
+                        <a:rPr lang="en-US" sz="1600" b="0" kern="1200" dirty="0" err="1">
+                          <a:solidFill>
+                            <a:schemeClr val="tx1"/>
+                          </a:solidFill>
+                          <a:effectLst/>
+                          <a:latin typeface="+mn-lt"/>
+                          <a:ea typeface="+mn-ea"/>
+                          <a:cs typeface="+mn-cs"/>
+                        </a:rPr>
+                        <a:t>andamento</a:t>
+                      </a:r>
+                      <a:r>
+                        <a:rPr lang="en-US" sz="1600" b="0" kern="1200" dirty="0">
+                          <a:solidFill>
+                            <a:schemeClr val="tx1"/>
+                          </a:solidFill>
+                          <a:effectLst/>
+                          <a:latin typeface="+mn-lt"/>
+                          <a:ea typeface="+mn-ea"/>
+                          <a:cs typeface="+mn-cs"/>
+                        </a:rPr>
+                        <a:t> do </a:t>
+                      </a:r>
+                      <a:r>
+                        <a:rPr lang="en-US" sz="1600" b="0" kern="1200" dirty="0" err="1">
+                          <a:solidFill>
+                            <a:schemeClr val="tx1"/>
+                          </a:solidFill>
+                          <a:effectLst/>
+                          <a:latin typeface="+mn-lt"/>
+                          <a:ea typeface="+mn-ea"/>
+                          <a:cs typeface="+mn-cs"/>
+                        </a:rPr>
+                        <a:t>trabalho</a:t>
+                      </a:r>
+                      <a:endParaRPr lang="en-US" sz="1600" b="0" kern="1200" dirty="0">
+                        <a:solidFill>
+                          <a:schemeClr val="tx1"/>
+                        </a:solidFill>
+                        <a:effectLst/>
+                        <a:latin typeface="+mn-lt"/>
+                        <a:ea typeface="+mn-ea"/>
+                        <a:cs typeface="+mn-cs"/>
+                      </a:endParaRPr>
+                    </a:p>
+                  </a:txBody>
+                  <a:tcPr marL="68580" marR="68580" marT="0" marB="0">
+                    <a:lnL w="12700" cap="flat" cmpd="sng" algn="ctr">
+                      <a:solidFill>
+                        <a:schemeClr val="tx1"/>
+                      </a:solidFill>
+                      <a:prstDash val="solid"/>
+                      <a:round/>
+                      <a:headEnd type="none" w="med" len="med"/>
+                      <a:tailEnd type="none" w="med" len="med"/>
+                    </a:lnL>
+                    <a:lnR w="12700" cap="flat" cmpd="sng" algn="ctr">
+                      <a:solidFill>
+                        <a:schemeClr val="tx1"/>
+                      </a:solidFill>
+                      <a:prstDash val="solid"/>
+                      <a:round/>
+                      <a:headEnd type="none" w="med" len="med"/>
+                      <a:tailEnd type="none" w="med" len="med"/>
+                    </a:lnR>
+                    <a:lnT w="12700" cap="flat" cmpd="sng" algn="ctr">
+                      <a:solidFill>
+                        <a:schemeClr val="tx1"/>
+                      </a:solidFill>
+                      <a:prstDash val="solid"/>
+                      <a:round/>
+                      <a:headEnd type="none" w="med" len="med"/>
+                      <a:tailEnd type="none" w="med" len="med"/>
+                    </a:lnT>
+                    <a:lnB w="12700" cap="flat" cmpd="sng" algn="ctr">
+                      <a:solidFill>
+                        <a:schemeClr val="tx1"/>
+                      </a:solidFill>
+                      <a:prstDash val="solid"/>
+                      <a:round/>
+                      <a:headEnd type="none" w="med" len="med"/>
+                      <a:tailEnd type="none" w="med" len="med"/>
+                    </a:lnB>
+                    <a:solidFill>
+                      <a:srgbClr val="FEC100"/>
+                    </a:solidFill>
+                  </a:tcPr>
+                </a:tc>
+                <a:tc>
+                  <a:txBody>
+                    <a:bodyPr/>
+                    <a:lstStyle/>
+                    <a:p>
+                      <a:pPr marL="0" marR="0" algn="l" defTabSz="914377" rtl="0" eaLnBrk="1" latinLnBrk="0" hangingPunct="1">
+                        <a:spcBef>
+                          <a:spcPts val="0"/>
+                        </a:spcBef>
+                        <a:spcAft>
+                          <a:spcPts val="0"/>
+                        </a:spcAft>
+                      </a:pPr>
+                      <a:r>
+                        <a:rPr lang="en-US" sz="1600" b="0" kern="1200" dirty="0">
+                          <a:solidFill>
+                            <a:schemeClr val="tx1"/>
+                          </a:solidFill>
+                          <a:effectLst/>
+                          <a:latin typeface="+mn-lt"/>
+                          <a:ea typeface="+mn-ea"/>
+                          <a:cs typeface="+mn-cs"/>
+                        </a:rPr>
+                        <a:t>10%</a:t>
                       </a:r>
                     </a:p>
                   </a:txBody>
@@ -11420,547 +13239,7 @@
                         </a:spcAft>
                       </a:pPr>
                       <a:r>
-                        <a:rPr lang="en-US" sz="1800" b="0" kern="1200" dirty="0" err="1">
-                          <a:solidFill>
-                            <a:schemeClr val="tx1"/>
-                          </a:solidFill>
-                          <a:effectLst/>
-                          <a:latin typeface="+mn-lt"/>
-                          <a:ea typeface="+mn-ea"/>
-                          <a:cs typeface="+mn-cs"/>
-                        </a:rPr>
-                        <a:t>Resumo</a:t>
-                      </a:r>
-                      <a:r>
-                        <a:rPr lang="en-US" sz="1800" b="0" kern="1200" dirty="0">
-                          <a:solidFill>
-                            <a:schemeClr val="tx1"/>
-                          </a:solidFill>
-                          <a:effectLst/>
-                          <a:latin typeface="+mn-lt"/>
-                          <a:ea typeface="+mn-ea"/>
-                          <a:cs typeface="+mn-cs"/>
-                        </a:rPr>
-                        <a:t> do </a:t>
-                      </a:r>
-                      <a:r>
-                        <a:rPr lang="en-US" sz="1800" b="0" kern="1200" dirty="0" err="1">
-                          <a:solidFill>
-                            <a:schemeClr val="tx1"/>
-                          </a:solidFill>
-                          <a:effectLst/>
-                          <a:latin typeface="+mn-lt"/>
-                          <a:ea typeface="+mn-ea"/>
-                          <a:cs typeface="+mn-cs"/>
-                        </a:rPr>
-                        <a:t>processo</a:t>
-                      </a:r>
-                      <a:r>
-                        <a:rPr lang="en-US" sz="1800" b="0" kern="1200" dirty="0">
-                          <a:solidFill>
-                            <a:schemeClr val="tx1"/>
-                          </a:solidFill>
-                          <a:effectLst/>
-                          <a:latin typeface="+mn-lt"/>
-                          <a:ea typeface="+mn-ea"/>
-                          <a:cs typeface="+mn-cs"/>
-                        </a:rPr>
-                        <a:t> de </a:t>
-                      </a:r>
-                      <a:r>
-                        <a:rPr lang="en-US" sz="1800" b="0" kern="1200" dirty="0" err="1">
-                          <a:solidFill>
-                            <a:schemeClr val="tx1"/>
-                          </a:solidFill>
-                          <a:effectLst/>
-                          <a:latin typeface="+mn-lt"/>
-                          <a:ea typeface="+mn-ea"/>
-                          <a:cs typeface="+mn-cs"/>
-                        </a:rPr>
-                        <a:t>contribuição</a:t>
-                      </a:r>
-                      <a:r>
-                        <a:rPr lang="en-US" sz="1800" b="0" kern="1200" dirty="0">
-                          <a:solidFill>
-                            <a:schemeClr val="tx1"/>
-                          </a:solidFill>
-                          <a:effectLst/>
-                          <a:latin typeface="+mn-lt"/>
-                          <a:ea typeface="+mn-ea"/>
-                          <a:cs typeface="+mn-cs"/>
-                        </a:rPr>
-                        <a:t> (</a:t>
-                      </a:r>
-                      <a:r>
-                        <a:rPr lang="en-US" sz="1800" b="0" kern="1200" dirty="0" err="1">
-                          <a:solidFill>
-                            <a:schemeClr val="tx1"/>
-                          </a:solidFill>
-                          <a:effectLst/>
-                          <a:latin typeface="+mn-lt"/>
-                          <a:ea typeface="+mn-ea"/>
-                          <a:cs typeface="+mn-cs"/>
-                        </a:rPr>
-                        <a:t>recomendo</a:t>
-                      </a:r>
-                      <a:r>
-                        <a:rPr lang="en-US" sz="1800" b="0" kern="1200" dirty="0">
-                          <a:solidFill>
-                            <a:schemeClr val="tx1"/>
-                          </a:solidFill>
-                          <a:effectLst/>
-                          <a:latin typeface="+mn-lt"/>
-                          <a:ea typeface="+mn-ea"/>
-                          <a:cs typeface="+mn-cs"/>
-                        </a:rPr>
-                        <a:t> ser </a:t>
-                      </a:r>
-                      <a:r>
-                        <a:rPr lang="en-US" sz="1800" b="0" kern="1200" dirty="0" err="1">
-                          <a:solidFill>
-                            <a:schemeClr val="tx1"/>
-                          </a:solidFill>
-                          <a:effectLst/>
-                          <a:latin typeface="+mn-lt"/>
-                          <a:ea typeface="+mn-ea"/>
-                          <a:cs typeface="+mn-cs"/>
-                        </a:rPr>
-                        <a:t>escrito</a:t>
-                      </a:r>
-                      <a:r>
-                        <a:rPr lang="en-US" sz="1800" b="0" kern="1200" dirty="0">
-                          <a:solidFill>
-                            <a:schemeClr val="tx1"/>
-                          </a:solidFill>
-                          <a:effectLst/>
-                          <a:latin typeface="+mn-lt"/>
-                          <a:ea typeface="+mn-ea"/>
-                          <a:cs typeface="+mn-cs"/>
-                        </a:rPr>
-                        <a:t> </a:t>
-                      </a:r>
-                      <a:r>
-                        <a:rPr lang="en-US" sz="1800" b="0" kern="1200" dirty="0" err="1">
-                          <a:solidFill>
-                            <a:schemeClr val="tx1"/>
-                          </a:solidFill>
-                          <a:effectLst/>
-                          <a:latin typeface="+mn-lt"/>
-                          <a:ea typeface="+mn-ea"/>
-                          <a:cs typeface="+mn-cs"/>
-                        </a:rPr>
-                        <a:t>em</a:t>
-                      </a:r>
-                      <a:r>
-                        <a:rPr lang="en-US" sz="1800" b="0" kern="1200" dirty="0">
-                          <a:solidFill>
-                            <a:schemeClr val="tx1"/>
-                          </a:solidFill>
-                          <a:effectLst/>
-                          <a:latin typeface="+mn-lt"/>
-                          <a:ea typeface="+mn-ea"/>
-                          <a:cs typeface="+mn-cs"/>
-                        </a:rPr>
-                        <a:t> tempo real para </a:t>
-                      </a:r>
-                      <a:r>
-                        <a:rPr lang="en-US" sz="1800" b="0" kern="1200" dirty="0" err="1">
-                          <a:solidFill>
-                            <a:schemeClr val="tx1"/>
-                          </a:solidFill>
-                          <a:effectLst/>
-                          <a:latin typeface="+mn-lt"/>
-                          <a:ea typeface="+mn-ea"/>
-                          <a:cs typeface="+mn-cs"/>
-                        </a:rPr>
-                        <a:t>evitar</a:t>
-                      </a:r>
-                      <a:r>
-                        <a:rPr lang="en-US" sz="1800" b="0" kern="1200" dirty="0">
-                          <a:solidFill>
-                            <a:schemeClr val="tx1"/>
-                          </a:solidFill>
-                          <a:effectLst/>
-                          <a:latin typeface="+mn-lt"/>
-                          <a:ea typeface="+mn-ea"/>
-                          <a:cs typeface="+mn-cs"/>
-                        </a:rPr>
-                        <a:t> o </a:t>
-                      </a:r>
-                      <a:r>
-                        <a:rPr lang="en-US" sz="1800" b="0" kern="1200" dirty="0" err="1">
-                          <a:solidFill>
-                            <a:schemeClr val="tx1"/>
-                          </a:solidFill>
-                          <a:effectLst/>
-                          <a:latin typeface="+mn-lt"/>
-                          <a:ea typeface="+mn-ea"/>
-                          <a:cs typeface="+mn-cs"/>
-                        </a:rPr>
-                        <a:t>esquecimento</a:t>
-                      </a:r>
-                      <a:r>
-                        <a:rPr lang="en-US" sz="1800" b="0" kern="1200" dirty="0">
-                          <a:solidFill>
-                            <a:schemeClr val="tx1"/>
-                          </a:solidFill>
-                          <a:effectLst/>
-                          <a:latin typeface="+mn-lt"/>
-                          <a:ea typeface="+mn-ea"/>
-                          <a:cs typeface="+mn-cs"/>
-                        </a:rPr>
-                        <a:t>)</a:t>
-                      </a:r>
-                    </a:p>
-                  </a:txBody>
-                  <a:tcPr marL="34673" marR="34673" marT="0" marB="0">
-                    <a:lnL w="12700" cap="flat" cmpd="sng" algn="ctr">
-                      <a:solidFill>
-                        <a:schemeClr val="tx1"/>
-                      </a:solidFill>
-                      <a:prstDash val="solid"/>
-                      <a:round/>
-                      <a:headEnd type="none" w="med" len="med"/>
-                      <a:tailEnd type="none" w="med" len="med"/>
-                    </a:lnL>
-                    <a:lnR w="12700" cap="flat" cmpd="sng" algn="ctr">
-                      <a:solidFill>
-                        <a:schemeClr val="tx1"/>
-                      </a:solidFill>
-                      <a:prstDash val="solid"/>
-                      <a:round/>
-                      <a:headEnd type="none" w="med" len="med"/>
-                      <a:tailEnd type="none" w="med" len="med"/>
-                    </a:lnR>
-                    <a:lnT w="12700" cap="flat" cmpd="sng" algn="ctr">
-                      <a:solidFill>
-                        <a:schemeClr val="tx1"/>
-                      </a:solidFill>
-                      <a:prstDash val="solid"/>
-                      <a:round/>
-                      <a:headEnd type="none" w="med" len="med"/>
-                      <a:tailEnd type="none" w="med" len="med"/>
-                    </a:lnT>
-                    <a:lnB w="12700" cap="flat" cmpd="sng" algn="ctr">
-                      <a:solidFill>
-                        <a:schemeClr val="tx1"/>
-                      </a:solidFill>
-                      <a:prstDash val="solid"/>
-                      <a:round/>
-                      <a:headEnd type="none" w="med" len="med"/>
-                      <a:tailEnd type="none" w="med" len="med"/>
-                    </a:lnB>
-                    <a:solidFill>
-                      <a:srgbClr val="FEC100"/>
-                    </a:solidFill>
-                  </a:tcPr>
-                </a:tc>
-                <a:tc>
-                  <a:txBody>
-                    <a:bodyPr/>
-                    <a:lstStyle/>
-                    <a:p>
-                      <a:pPr marL="0" marR="0" algn="l" defTabSz="914377" rtl="0" eaLnBrk="1" latinLnBrk="0" hangingPunct="1">
-                        <a:spcBef>
-                          <a:spcPts val="0"/>
-                        </a:spcBef>
-                        <a:spcAft>
-                          <a:spcPts val="0"/>
-                        </a:spcAft>
-                      </a:pPr>
-                      <a:r>
-                        <a:rPr lang="en-US" sz="1800" b="0" kern="1200" dirty="0">
-                          <a:solidFill>
-                            <a:schemeClr val="tx1"/>
-                          </a:solidFill>
-                          <a:effectLst/>
-                          <a:latin typeface="+mn-lt"/>
-                          <a:ea typeface="+mn-ea"/>
-                          <a:cs typeface="+mn-cs"/>
-                        </a:rPr>
-                        <a:t>15%</a:t>
-                      </a:r>
-                    </a:p>
-                  </a:txBody>
-                  <a:tcPr marL="34673" marR="34673" marT="0" marB="0">
-                    <a:lnL w="12700" cap="flat" cmpd="sng" algn="ctr">
-                      <a:solidFill>
-                        <a:schemeClr val="tx1"/>
-                      </a:solidFill>
-                      <a:prstDash val="solid"/>
-                      <a:round/>
-                      <a:headEnd type="none" w="med" len="med"/>
-                      <a:tailEnd type="none" w="med" len="med"/>
-                    </a:lnL>
-                    <a:lnR w="12700" cap="flat" cmpd="sng" algn="ctr">
-                      <a:solidFill>
-                        <a:schemeClr val="tx1"/>
-                      </a:solidFill>
-                      <a:prstDash val="solid"/>
-                      <a:round/>
-                      <a:headEnd type="none" w="med" len="med"/>
-                      <a:tailEnd type="none" w="med" len="med"/>
-                    </a:lnR>
-                    <a:lnT w="12700" cap="flat" cmpd="sng" algn="ctr">
-                      <a:solidFill>
-                        <a:schemeClr val="tx1"/>
-                      </a:solidFill>
-                      <a:prstDash val="solid"/>
-                      <a:round/>
-                      <a:headEnd type="none" w="med" len="med"/>
-                      <a:tailEnd type="none" w="med" len="med"/>
-                    </a:lnT>
-                    <a:lnB w="12700" cap="flat" cmpd="sng" algn="ctr">
-                      <a:solidFill>
-                        <a:schemeClr val="tx1"/>
-                      </a:solidFill>
-                      <a:prstDash val="solid"/>
-                      <a:round/>
-                      <a:headEnd type="none" w="med" len="med"/>
-                      <a:tailEnd type="none" w="med" len="med"/>
-                    </a:lnB>
-                    <a:solidFill>
-                      <a:srgbClr val="FEC100"/>
-                    </a:solidFill>
-                  </a:tcPr>
-                </a:tc>
-                <a:extLst>
-                  <a:ext uri="{0D108BD9-81ED-4DB2-BD59-A6C34878D82A}">
-                    <a16:rowId xmlns:a16="http://schemas.microsoft.com/office/drawing/2014/main" val="661763097"/>
-                  </a:ext>
-                </a:extLst>
-              </a:tr>
-              <a:tr h="479425">
-                <a:tc>
-                  <a:txBody>
-                    <a:bodyPr/>
-                    <a:lstStyle/>
-                    <a:p>
-                      <a:pPr marL="0" marR="0" algn="l" defTabSz="914377" rtl="0" eaLnBrk="1" latinLnBrk="0" hangingPunct="1">
-                        <a:spcBef>
-                          <a:spcPts val="0"/>
-                        </a:spcBef>
-                        <a:spcAft>
-                          <a:spcPts val="0"/>
-                        </a:spcAft>
-                      </a:pPr>
-                      <a:r>
-                        <a:rPr lang="en-US" sz="1800" b="0" kern="1200" dirty="0" err="1">
-                          <a:solidFill>
-                            <a:schemeClr val="tx1"/>
-                          </a:solidFill>
-                          <a:effectLst/>
-                          <a:latin typeface="+mn-lt"/>
-                          <a:ea typeface="+mn-ea"/>
-                          <a:cs typeface="+mn-cs"/>
-                        </a:rPr>
-                        <a:t>Vídeo</a:t>
-                      </a:r>
-                      <a:r>
-                        <a:rPr lang="en-US" sz="1800" b="0" kern="1200" dirty="0">
-                          <a:solidFill>
-                            <a:schemeClr val="tx1"/>
-                          </a:solidFill>
-                          <a:effectLst/>
-                          <a:latin typeface="+mn-lt"/>
-                          <a:ea typeface="+mn-ea"/>
-                          <a:cs typeface="+mn-cs"/>
-                        </a:rPr>
-                        <a:t> log</a:t>
-                      </a:r>
-                    </a:p>
-                  </a:txBody>
-                  <a:tcPr marL="68580" marR="68580" marT="0" marB="0">
-                    <a:lnL w="12700" cap="flat" cmpd="sng" algn="ctr">
-                      <a:solidFill>
-                        <a:schemeClr val="tx1"/>
-                      </a:solidFill>
-                      <a:prstDash val="solid"/>
-                      <a:round/>
-                      <a:headEnd type="none" w="med" len="med"/>
-                      <a:tailEnd type="none" w="med" len="med"/>
-                    </a:lnL>
-                    <a:lnR w="12700" cap="flat" cmpd="sng" algn="ctr">
-                      <a:solidFill>
-                        <a:schemeClr val="tx1"/>
-                      </a:solidFill>
-                      <a:prstDash val="solid"/>
-                      <a:round/>
-                      <a:headEnd type="none" w="med" len="med"/>
-                      <a:tailEnd type="none" w="med" len="med"/>
-                    </a:lnR>
-                    <a:lnT w="12700" cap="flat" cmpd="sng" algn="ctr">
-                      <a:solidFill>
-                        <a:schemeClr val="tx1"/>
-                      </a:solidFill>
-                      <a:prstDash val="solid"/>
-                      <a:round/>
-                      <a:headEnd type="none" w="med" len="med"/>
-                      <a:tailEnd type="none" w="med" len="med"/>
-                    </a:lnT>
-                    <a:lnB w="12700" cap="flat" cmpd="sng" algn="ctr">
-                      <a:solidFill>
-                        <a:schemeClr val="tx1"/>
-                      </a:solidFill>
-                      <a:prstDash val="solid"/>
-                      <a:round/>
-                      <a:headEnd type="none" w="med" len="med"/>
-                      <a:tailEnd type="none" w="med" len="med"/>
-                    </a:lnB>
-                    <a:noFill/>
-                  </a:tcPr>
-                </a:tc>
-                <a:tc>
-                  <a:txBody>
-                    <a:bodyPr/>
-                    <a:lstStyle/>
-                    <a:p>
-                      <a:pPr marL="0" marR="0" algn="l" defTabSz="914377" rtl="0" eaLnBrk="1" latinLnBrk="0" hangingPunct="1">
-                        <a:spcBef>
-                          <a:spcPts val="0"/>
-                        </a:spcBef>
-                        <a:spcAft>
-                          <a:spcPts val="0"/>
-                        </a:spcAft>
-                      </a:pPr>
-                      <a:r>
-                        <a:rPr lang="en-US" sz="1800" b="0" kern="1200" dirty="0">
-                          <a:solidFill>
-                            <a:schemeClr val="tx1"/>
-                          </a:solidFill>
-                          <a:effectLst/>
-                          <a:latin typeface="+mn-lt"/>
-                          <a:ea typeface="+mn-ea"/>
-                          <a:cs typeface="+mn-cs"/>
-                        </a:rPr>
-                        <a:t>Video logs </a:t>
-                      </a:r>
-                      <a:r>
-                        <a:rPr lang="en-US" sz="1800" b="0" kern="1200" dirty="0" err="1">
-                          <a:solidFill>
-                            <a:schemeClr val="tx1"/>
-                          </a:solidFill>
-                          <a:effectLst/>
-                          <a:latin typeface="+mn-lt"/>
-                          <a:ea typeface="+mn-ea"/>
-                          <a:cs typeface="+mn-cs"/>
-                        </a:rPr>
-                        <a:t>semanais</a:t>
-                      </a:r>
-                      <a:r>
-                        <a:rPr lang="en-US" sz="1800" b="0" kern="1200" dirty="0">
-                          <a:solidFill>
-                            <a:schemeClr val="tx1"/>
-                          </a:solidFill>
-                          <a:effectLst/>
-                          <a:latin typeface="+mn-lt"/>
-                          <a:ea typeface="+mn-ea"/>
-                          <a:cs typeface="+mn-cs"/>
-                        </a:rPr>
-                        <a:t> para reporter o </a:t>
-                      </a:r>
-                      <a:r>
-                        <a:rPr lang="en-US" sz="1800" b="0" kern="1200" dirty="0" err="1">
-                          <a:solidFill>
-                            <a:schemeClr val="tx1"/>
-                          </a:solidFill>
-                          <a:effectLst/>
-                          <a:latin typeface="+mn-lt"/>
-                          <a:ea typeface="+mn-ea"/>
-                          <a:cs typeface="+mn-cs"/>
-                        </a:rPr>
-                        <a:t>andamento</a:t>
-                      </a:r>
-                      <a:r>
-                        <a:rPr lang="en-US" sz="1800" b="0" kern="1200" dirty="0">
-                          <a:solidFill>
-                            <a:schemeClr val="tx1"/>
-                          </a:solidFill>
-                          <a:effectLst/>
-                          <a:latin typeface="+mn-lt"/>
-                          <a:ea typeface="+mn-ea"/>
-                          <a:cs typeface="+mn-cs"/>
-                        </a:rPr>
-                        <a:t> do </a:t>
-                      </a:r>
-                      <a:r>
-                        <a:rPr lang="en-US" sz="1800" b="0" kern="1200" dirty="0" err="1">
-                          <a:solidFill>
-                            <a:schemeClr val="tx1"/>
-                          </a:solidFill>
-                          <a:effectLst/>
-                          <a:latin typeface="+mn-lt"/>
-                          <a:ea typeface="+mn-ea"/>
-                          <a:cs typeface="+mn-cs"/>
-                        </a:rPr>
-                        <a:t>trabalho</a:t>
-                      </a:r>
-                      <a:endParaRPr lang="en-US" sz="1800" b="0" kern="1200" dirty="0">
-                        <a:solidFill>
-                          <a:schemeClr val="tx1"/>
-                        </a:solidFill>
-                        <a:effectLst/>
-                        <a:latin typeface="+mn-lt"/>
-                        <a:ea typeface="+mn-ea"/>
-                        <a:cs typeface="+mn-cs"/>
-                      </a:endParaRPr>
-                    </a:p>
-                  </a:txBody>
-                  <a:tcPr marL="68580" marR="68580" marT="0" marB="0">
-                    <a:lnL w="12700" cap="flat" cmpd="sng" algn="ctr">
-                      <a:solidFill>
-                        <a:schemeClr val="tx1"/>
-                      </a:solidFill>
-                      <a:prstDash val="solid"/>
-                      <a:round/>
-                      <a:headEnd type="none" w="med" len="med"/>
-                      <a:tailEnd type="none" w="med" len="med"/>
-                    </a:lnL>
-                    <a:lnR w="12700" cap="flat" cmpd="sng" algn="ctr">
-                      <a:solidFill>
-                        <a:schemeClr val="tx1"/>
-                      </a:solidFill>
-                      <a:prstDash val="solid"/>
-                      <a:round/>
-                      <a:headEnd type="none" w="med" len="med"/>
-                      <a:tailEnd type="none" w="med" len="med"/>
-                    </a:lnR>
-                    <a:lnT w="12700" cap="flat" cmpd="sng" algn="ctr">
-                      <a:solidFill>
-                        <a:schemeClr val="tx1"/>
-                      </a:solidFill>
-                      <a:prstDash val="solid"/>
-                      <a:round/>
-                      <a:headEnd type="none" w="med" len="med"/>
-                      <a:tailEnd type="none" w="med" len="med"/>
-                    </a:lnT>
-                    <a:lnB w="12700" cap="flat" cmpd="sng" algn="ctr">
-                      <a:solidFill>
-                        <a:schemeClr val="tx1"/>
-                      </a:solidFill>
-                      <a:prstDash val="solid"/>
-                      <a:round/>
-                      <a:headEnd type="none" w="med" len="med"/>
-                      <a:tailEnd type="none" w="med" len="med"/>
-                    </a:lnB>
-                    <a:noFill/>
-                  </a:tcPr>
-                </a:tc>
-                <a:tc>
-                  <a:txBody>
-                    <a:bodyPr/>
-                    <a:lstStyle/>
-                    <a:p>
-                      <a:pPr marL="0" marR="0" algn="l" defTabSz="914377" rtl="0" eaLnBrk="1" latinLnBrk="0" hangingPunct="1">
-                        <a:spcBef>
-                          <a:spcPts val="0"/>
-                        </a:spcBef>
-                        <a:spcAft>
-                          <a:spcPts val="0"/>
-                        </a:spcAft>
-                      </a:pPr>
-                      <a:r>
-                        <a:rPr lang="en-US" sz="1800" b="0" kern="1200" dirty="0">
+                        <a:rPr lang="en-US" sz="1600" b="0" kern="1200" dirty="0">
                           <a:solidFill>
                             <a:schemeClr val="tx1"/>
                           </a:solidFill>
@@ -12010,12 +13289,637 @@
                       <a:headEnd type="none" w="med" len="med"/>
                       <a:tailEnd type="none" w="med" len="med"/>
                     </a:lnB>
+                    <a:solidFill>
+                      <a:srgbClr val="FEC100"/>
+                    </a:solidFill>
+                  </a:tcPr>
+                </a:tc>
+                <a:extLst>
+                  <a:ext uri="{0D108BD9-81ED-4DB2-BD59-A6C34878D82A}">
+                    <a16:rowId xmlns:a16="http://schemas.microsoft.com/office/drawing/2014/main" val="1994024570"/>
+                  </a:ext>
+                </a:extLst>
+              </a:tr>
+              <a:tr h="479425">
+                <a:tc>
+                  <a:txBody>
+                    <a:bodyPr/>
+                    <a:lstStyle/>
+                    <a:p>
+                      <a:pPr marL="0" marR="0" indent="0" algn="l" defTabSz="914377" rtl="0" eaLnBrk="1" fontAlgn="auto" latinLnBrk="0" hangingPunct="1">
+                        <a:lnSpc>
+                          <a:spcPct val="100000"/>
+                        </a:lnSpc>
+                        <a:spcBef>
+                          <a:spcPts val="0"/>
+                        </a:spcBef>
+                        <a:spcAft>
+                          <a:spcPts val="0"/>
+                        </a:spcAft>
+                        <a:buClrTx/>
+                        <a:buSzTx/>
+                        <a:buFontTx/>
+                        <a:buNone/>
+                        <a:tabLst/>
+                        <a:defRPr/>
+                      </a:pPr>
+                      <a:r>
+                        <a:rPr lang="en-US" sz="1600" b="0" kern="1200" dirty="0" err="1">
+                          <a:solidFill>
+                            <a:schemeClr val="tx1"/>
+                          </a:solidFill>
+                          <a:effectLst/>
+                          <a:latin typeface="+mn-lt"/>
+                          <a:ea typeface="+mn-ea"/>
+                          <a:cs typeface="+mn-cs"/>
+                        </a:rPr>
+                        <a:t>Análise</a:t>
+                      </a:r>
+                      <a:r>
+                        <a:rPr lang="en-US" sz="1600" b="0" kern="1200" dirty="0">
+                          <a:solidFill>
+                            <a:schemeClr val="tx1"/>
+                          </a:solidFill>
+                          <a:effectLst/>
+                          <a:latin typeface="+mn-lt"/>
+                          <a:ea typeface="+mn-ea"/>
+                          <a:cs typeface="+mn-cs"/>
+                        </a:rPr>
+                        <a:t> de </a:t>
+                      </a:r>
+                      <a:r>
+                        <a:rPr lang="en-US" sz="1600" b="0" kern="1200" dirty="0" err="1">
+                          <a:solidFill>
+                            <a:schemeClr val="tx1"/>
+                          </a:solidFill>
+                          <a:effectLst/>
+                          <a:latin typeface="+mn-lt"/>
+                          <a:ea typeface="+mn-ea"/>
+                          <a:cs typeface="+mn-cs"/>
+                        </a:rPr>
+                        <a:t>comunidades</a:t>
+                      </a:r>
+                      <a:endParaRPr lang="en-US" sz="1600" b="0" kern="1200" dirty="0">
+                        <a:solidFill>
+                          <a:schemeClr val="tx1"/>
+                        </a:solidFill>
+                        <a:effectLst/>
+                        <a:latin typeface="+mn-lt"/>
+                        <a:ea typeface="+mn-ea"/>
+                        <a:cs typeface="+mn-cs"/>
+                      </a:endParaRPr>
+                    </a:p>
+                  </a:txBody>
+                  <a:tcPr marL="68580" marR="68580" marT="0" marB="0">
+                    <a:lnL w="12700" cap="flat" cmpd="sng" algn="ctr">
+                      <a:solidFill>
+                        <a:schemeClr val="tx1"/>
+                      </a:solidFill>
+                      <a:prstDash val="solid"/>
+                      <a:round/>
+                      <a:headEnd type="none" w="med" len="med"/>
+                      <a:tailEnd type="none" w="med" len="med"/>
+                    </a:lnL>
+                    <a:lnR w="12700" cap="flat" cmpd="sng" algn="ctr">
+                      <a:solidFill>
+                        <a:schemeClr val="tx1"/>
+                      </a:solidFill>
+                      <a:prstDash val="solid"/>
+                      <a:round/>
+                      <a:headEnd type="none" w="med" len="med"/>
+                      <a:tailEnd type="none" w="med" len="med"/>
+                    </a:lnR>
+                    <a:lnT w="12700" cap="flat" cmpd="sng" algn="ctr">
+                      <a:solidFill>
+                        <a:schemeClr val="tx1"/>
+                      </a:solidFill>
+                      <a:prstDash val="solid"/>
+                      <a:round/>
+                      <a:headEnd type="none" w="med" len="med"/>
+                      <a:tailEnd type="none" w="med" len="med"/>
+                    </a:lnT>
+                    <a:lnB w="28575" cap="flat" cmpd="sng" algn="ctr">
+                      <a:solidFill>
+                        <a:schemeClr val="tx1"/>
+                      </a:solidFill>
+                      <a:prstDash val="solid"/>
+                      <a:round/>
+                      <a:headEnd type="none" w="med" len="med"/>
+                      <a:tailEnd type="none" w="med" len="med"/>
+                    </a:lnB>
+                    <a:noFill/>
+                  </a:tcPr>
+                </a:tc>
+                <a:tc>
+                  <a:txBody>
+                    <a:bodyPr/>
+                    <a:lstStyle/>
+                    <a:p>
+                      <a:pPr marL="0" marR="0" algn="l" defTabSz="914377" rtl="0" eaLnBrk="1" latinLnBrk="0" hangingPunct="1">
+                        <a:spcBef>
+                          <a:spcPts val="0"/>
+                        </a:spcBef>
+                        <a:spcAft>
+                          <a:spcPts val="0"/>
+                        </a:spcAft>
+                      </a:pPr>
+                      <a:r>
+                        <a:rPr lang="en-US" sz="1600" b="0" i="0" kern="1200" dirty="0">
+                          <a:solidFill>
+                            <a:schemeClr val="dk1"/>
+                          </a:solidFill>
+                          <a:effectLst/>
+                          <a:latin typeface="+mn-lt"/>
+                          <a:ea typeface="+mn-ea"/>
+                          <a:cs typeface="+mn-cs"/>
+                        </a:rPr>
+                        <a:t> </a:t>
+                      </a:r>
+                      <a:r>
+                        <a:rPr lang="en-US" sz="1600" b="0" i="0" kern="1200" dirty="0" err="1">
+                          <a:solidFill>
+                            <a:schemeClr val="dk1"/>
+                          </a:solidFill>
+                          <a:effectLst/>
+                          <a:latin typeface="+mn-lt"/>
+                          <a:ea typeface="+mn-ea"/>
+                          <a:cs typeface="+mn-cs"/>
+                        </a:rPr>
+                        <a:t>análise</a:t>
+                      </a:r>
+                      <a:r>
+                        <a:rPr lang="en-US" sz="1600" b="0" i="0" kern="1200" dirty="0">
+                          <a:solidFill>
+                            <a:schemeClr val="dk1"/>
+                          </a:solidFill>
+                          <a:effectLst/>
+                          <a:latin typeface="+mn-lt"/>
+                          <a:ea typeface="+mn-ea"/>
+                          <a:cs typeface="+mn-cs"/>
+                        </a:rPr>
+                        <a:t> de </a:t>
+                      </a:r>
+                      <a:r>
+                        <a:rPr lang="en-US" sz="1600" b="0" i="0" kern="1200" dirty="0" err="1">
+                          <a:solidFill>
+                            <a:schemeClr val="dk1"/>
+                          </a:solidFill>
+                          <a:effectLst/>
+                          <a:latin typeface="+mn-lt"/>
+                          <a:ea typeface="+mn-ea"/>
+                          <a:cs typeface="+mn-cs"/>
+                        </a:rPr>
+                        <a:t>projetos</a:t>
+                      </a:r>
+                      <a:r>
+                        <a:rPr lang="en-US" sz="1600" b="0" i="0" kern="1200" dirty="0">
+                          <a:solidFill>
+                            <a:schemeClr val="dk1"/>
+                          </a:solidFill>
+                          <a:effectLst/>
+                          <a:latin typeface="+mn-lt"/>
+                          <a:ea typeface="+mn-ea"/>
+                          <a:cs typeface="+mn-cs"/>
+                        </a:rPr>
+                        <a:t> com </a:t>
+                      </a:r>
+                      <a:r>
+                        <a:rPr lang="en-US" sz="1600" b="0" i="0" kern="1200" dirty="0" err="1">
+                          <a:solidFill>
+                            <a:schemeClr val="dk1"/>
+                          </a:solidFill>
+                          <a:effectLst/>
+                          <a:latin typeface="+mn-lt"/>
+                          <a:ea typeface="+mn-ea"/>
+                          <a:cs typeface="+mn-cs"/>
+                        </a:rPr>
+                        <a:t>foco</a:t>
+                      </a:r>
+                      <a:r>
+                        <a:rPr lang="en-US" sz="1600" b="0" i="0" kern="1200" dirty="0">
+                          <a:solidFill>
+                            <a:schemeClr val="dk1"/>
+                          </a:solidFill>
+                          <a:effectLst/>
+                          <a:latin typeface="+mn-lt"/>
+                          <a:ea typeface="+mn-ea"/>
+                          <a:cs typeface="+mn-cs"/>
+                        </a:rPr>
+                        <a:t> </a:t>
+                      </a:r>
+                      <a:r>
+                        <a:rPr lang="en-US" sz="1600" b="0" i="0" kern="1200" dirty="0" err="1">
+                          <a:solidFill>
+                            <a:schemeClr val="dk1"/>
+                          </a:solidFill>
+                          <a:effectLst/>
+                          <a:latin typeface="+mn-lt"/>
+                          <a:ea typeface="+mn-ea"/>
+                          <a:cs typeface="+mn-cs"/>
+                        </a:rPr>
+                        <a:t>em</a:t>
+                      </a:r>
+                      <a:r>
+                        <a:rPr lang="en-US" sz="1600" b="0" i="0" kern="1200" dirty="0">
+                          <a:solidFill>
+                            <a:schemeClr val="dk1"/>
+                          </a:solidFill>
+                          <a:effectLst/>
+                          <a:latin typeface="+mn-lt"/>
+                          <a:ea typeface="+mn-ea"/>
+                          <a:cs typeface="+mn-cs"/>
+                        </a:rPr>
+                        <a:t> </a:t>
+                      </a:r>
+                      <a:r>
+                        <a:rPr lang="en-US" sz="1600" b="0" i="0" kern="1200" dirty="0" err="1">
+                          <a:solidFill>
+                            <a:schemeClr val="dk1"/>
+                          </a:solidFill>
+                          <a:effectLst/>
+                          <a:latin typeface="+mn-lt"/>
+                          <a:ea typeface="+mn-ea"/>
+                          <a:cs typeface="+mn-cs"/>
+                        </a:rPr>
+                        <a:t>entender</a:t>
+                      </a:r>
+                      <a:r>
+                        <a:rPr lang="en-US" sz="1600" b="0" i="0" kern="1200" dirty="0">
+                          <a:solidFill>
+                            <a:schemeClr val="dk1"/>
+                          </a:solidFill>
+                          <a:effectLst/>
+                          <a:latin typeface="+mn-lt"/>
+                          <a:ea typeface="+mn-ea"/>
+                          <a:cs typeface="+mn-cs"/>
+                        </a:rPr>
+                        <a:t> </a:t>
+                      </a:r>
+                      <a:r>
+                        <a:rPr lang="en-US" sz="1600" b="0" i="0" kern="1200" dirty="0" err="1">
+                          <a:solidFill>
+                            <a:schemeClr val="dk1"/>
+                          </a:solidFill>
+                          <a:effectLst/>
+                          <a:latin typeface="+mn-lt"/>
+                          <a:ea typeface="+mn-ea"/>
+                          <a:cs typeface="+mn-cs"/>
+                        </a:rPr>
+                        <a:t>como</a:t>
+                      </a:r>
+                      <a:r>
+                        <a:rPr lang="en-US" sz="1600" b="0" i="0" kern="1200" dirty="0">
+                          <a:solidFill>
+                            <a:schemeClr val="dk1"/>
+                          </a:solidFill>
+                          <a:effectLst/>
+                          <a:latin typeface="+mn-lt"/>
+                          <a:ea typeface="+mn-ea"/>
+                          <a:cs typeface="+mn-cs"/>
+                        </a:rPr>
+                        <a:t> </a:t>
+                      </a:r>
+                      <a:r>
+                        <a:rPr lang="en-US" sz="1600" b="0" i="0" kern="1200" dirty="0" err="1">
+                          <a:solidFill>
+                            <a:schemeClr val="dk1"/>
+                          </a:solidFill>
+                          <a:effectLst/>
+                          <a:latin typeface="+mn-lt"/>
+                          <a:ea typeface="+mn-ea"/>
+                          <a:cs typeface="+mn-cs"/>
+                        </a:rPr>
+                        <a:t>os</a:t>
+                      </a:r>
+                      <a:r>
+                        <a:rPr lang="en-US" sz="1600" b="0" i="0" kern="1200" dirty="0">
+                          <a:solidFill>
+                            <a:schemeClr val="dk1"/>
+                          </a:solidFill>
+                          <a:effectLst/>
+                          <a:latin typeface="+mn-lt"/>
+                          <a:ea typeface="+mn-ea"/>
+                          <a:cs typeface="+mn-cs"/>
+                        </a:rPr>
+                        <a:t> </a:t>
+                      </a:r>
+                      <a:r>
+                        <a:rPr lang="en-US" sz="1600" b="0" i="0" kern="1200" dirty="0" err="1">
+                          <a:solidFill>
+                            <a:schemeClr val="dk1"/>
+                          </a:solidFill>
+                          <a:effectLst/>
+                          <a:latin typeface="+mn-lt"/>
+                          <a:ea typeface="+mn-ea"/>
+                          <a:cs typeface="+mn-cs"/>
+                        </a:rPr>
+                        <a:t>projetos</a:t>
+                      </a:r>
+                      <a:r>
+                        <a:rPr lang="en-US" sz="1600" b="0" i="0" kern="1200" dirty="0">
+                          <a:solidFill>
+                            <a:schemeClr val="dk1"/>
+                          </a:solidFill>
+                          <a:effectLst/>
+                          <a:latin typeface="+mn-lt"/>
+                          <a:ea typeface="+mn-ea"/>
+                          <a:cs typeface="+mn-cs"/>
+                        </a:rPr>
+                        <a:t> </a:t>
+                      </a:r>
+                      <a:r>
+                        <a:rPr lang="en-US" sz="1600" b="0" i="0" kern="1200" dirty="0" err="1">
+                          <a:solidFill>
+                            <a:schemeClr val="dk1"/>
+                          </a:solidFill>
+                          <a:effectLst/>
+                          <a:latin typeface="+mn-lt"/>
+                          <a:ea typeface="+mn-ea"/>
+                          <a:cs typeface="+mn-cs"/>
+                        </a:rPr>
+                        <a:t>definem</a:t>
+                      </a:r>
+                      <a:r>
+                        <a:rPr lang="en-US" sz="1600" b="0" i="0" kern="1200" dirty="0">
+                          <a:solidFill>
+                            <a:schemeClr val="dk1"/>
+                          </a:solidFill>
+                          <a:effectLst/>
+                          <a:latin typeface="+mn-lt"/>
+                          <a:ea typeface="+mn-ea"/>
+                          <a:cs typeface="+mn-cs"/>
+                        </a:rPr>
+                        <a:t> </a:t>
+                      </a:r>
+                      <a:r>
+                        <a:rPr lang="en-US" sz="1600" b="0" i="0" kern="1200" dirty="0" err="1">
+                          <a:solidFill>
+                            <a:schemeClr val="dk1"/>
+                          </a:solidFill>
+                          <a:effectLst/>
+                          <a:latin typeface="+mn-lt"/>
+                          <a:ea typeface="+mn-ea"/>
+                          <a:cs typeface="+mn-cs"/>
+                        </a:rPr>
+                        <a:t>os</a:t>
+                      </a:r>
+                      <a:r>
+                        <a:rPr lang="en-US" sz="1600" b="0" i="0" kern="1200" dirty="0">
+                          <a:solidFill>
+                            <a:schemeClr val="dk1"/>
+                          </a:solidFill>
+                          <a:effectLst/>
+                          <a:latin typeface="+mn-lt"/>
+                          <a:ea typeface="+mn-ea"/>
+                          <a:cs typeface="+mn-cs"/>
+                        </a:rPr>
+                        <a:t> </a:t>
+                      </a:r>
+                      <a:r>
+                        <a:rPr lang="en-US" sz="1600" b="0" i="0" kern="1200" dirty="0" err="1">
+                          <a:solidFill>
+                            <a:schemeClr val="dk1"/>
+                          </a:solidFill>
+                          <a:effectLst/>
+                          <a:latin typeface="+mn-lt"/>
+                          <a:ea typeface="+mn-ea"/>
+                          <a:cs typeface="+mn-cs"/>
+                        </a:rPr>
+                        <a:t>mecanismos</a:t>
+                      </a:r>
+                      <a:r>
+                        <a:rPr lang="en-US" sz="1600" b="0" i="0" kern="1200" dirty="0">
+                          <a:solidFill>
+                            <a:schemeClr val="dk1"/>
+                          </a:solidFill>
+                          <a:effectLst/>
+                          <a:latin typeface="+mn-lt"/>
+                          <a:ea typeface="+mn-ea"/>
+                          <a:cs typeface="+mn-cs"/>
+                        </a:rPr>
+                        <a:t> de </a:t>
+                      </a:r>
+                      <a:r>
+                        <a:rPr lang="en-US" sz="1600" b="0" i="0" kern="1200" dirty="0" err="1">
+                          <a:solidFill>
+                            <a:schemeClr val="dk1"/>
+                          </a:solidFill>
+                          <a:effectLst/>
+                          <a:latin typeface="+mn-lt"/>
+                          <a:ea typeface="+mn-ea"/>
+                          <a:cs typeface="+mn-cs"/>
+                        </a:rPr>
+                        <a:t>gerenciamento</a:t>
+                      </a:r>
+                      <a:r>
+                        <a:rPr lang="en-US" sz="1600" b="0" i="0" kern="1200" dirty="0">
+                          <a:solidFill>
+                            <a:schemeClr val="dk1"/>
+                          </a:solidFill>
+                          <a:effectLst/>
+                          <a:latin typeface="+mn-lt"/>
+                          <a:ea typeface="+mn-ea"/>
+                          <a:cs typeface="+mn-cs"/>
+                        </a:rPr>
+                        <a:t> da </a:t>
+                      </a:r>
+                      <a:r>
+                        <a:rPr lang="en-US" sz="1600" b="0" i="0" kern="1200" dirty="0" err="1">
+                          <a:solidFill>
+                            <a:schemeClr val="dk1"/>
+                          </a:solidFill>
+                          <a:effectLst/>
+                          <a:latin typeface="+mn-lt"/>
+                          <a:ea typeface="+mn-ea"/>
+                          <a:cs typeface="+mn-cs"/>
+                        </a:rPr>
+                        <a:t>comunidade</a:t>
+                      </a:r>
+                      <a:endParaRPr lang="en-US" sz="1600" b="0" kern="1200" dirty="0">
+                        <a:solidFill>
+                          <a:schemeClr val="tx1"/>
+                        </a:solidFill>
+                        <a:effectLst/>
+                        <a:latin typeface="+mn-lt"/>
+                        <a:ea typeface="+mn-ea"/>
+                        <a:cs typeface="+mn-cs"/>
+                      </a:endParaRPr>
+                    </a:p>
+                  </a:txBody>
+                  <a:tcPr marL="68580" marR="68580" marT="0" marB="0">
+                    <a:lnL w="12700" cap="flat" cmpd="sng" algn="ctr">
+                      <a:solidFill>
+                        <a:schemeClr val="tx1"/>
+                      </a:solidFill>
+                      <a:prstDash val="solid"/>
+                      <a:round/>
+                      <a:headEnd type="none" w="med" len="med"/>
+                      <a:tailEnd type="none" w="med" len="med"/>
+                    </a:lnL>
+                    <a:lnR w="12700" cap="flat" cmpd="sng" algn="ctr">
+                      <a:solidFill>
+                        <a:schemeClr val="tx1"/>
+                      </a:solidFill>
+                      <a:prstDash val="solid"/>
+                      <a:round/>
+                      <a:headEnd type="none" w="med" len="med"/>
+                      <a:tailEnd type="none" w="med" len="med"/>
+                    </a:lnR>
+                    <a:lnT w="12700" cap="flat" cmpd="sng" algn="ctr">
+                      <a:solidFill>
+                        <a:schemeClr val="tx1"/>
+                      </a:solidFill>
+                      <a:prstDash val="solid"/>
+                      <a:round/>
+                      <a:headEnd type="none" w="med" len="med"/>
+                      <a:tailEnd type="none" w="med" len="med"/>
+                    </a:lnT>
+                    <a:lnB w="28575" cap="flat" cmpd="sng" algn="ctr">
+                      <a:solidFill>
+                        <a:schemeClr val="tx1"/>
+                      </a:solidFill>
+                      <a:prstDash val="solid"/>
+                      <a:round/>
+                      <a:headEnd type="none" w="med" len="med"/>
+                      <a:tailEnd type="none" w="med" len="med"/>
+                    </a:lnB>
+                    <a:noFill/>
+                  </a:tcPr>
+                </a:tc>
+                <a:tc>
+                  <a:txBody>
+                    <a:bodyPr/>
+                    <a:lstStyle/>
+                    <a:p>
+                      <a:pPr marL="0" marR="0" algn="l" defTabSz="914377" rtl="0" eaLnBrk="1" latinLnBrk="0" hangingPunct="1">
+                        <a:spcBef>
+                          <a:spcPts val="0"/>
+                        </a:spcBef>
+                        <a:spcAft>
+                          <a:spcPts val="0"/>
+                        </a:spcAft>
+                      </a:pPr>
+                      <a:endParaRPr lang="en-US" sz="1600" b="0" kern="1200" dirty="0">
+                        <a:solidFill>
+                          <a:schemeClr val="tx1"/>
+                        </a:solidFill>
+                        <a:effectLst/>
+                        <a:latin typeface="+mn-lt"/>
+                        <a:ea typeface="+mn-ea"/>
+                        <a:cs typeface="+mn-cs"/>
+                      </a:endParaRPr>
+                    </a:p>
+                  </a:txBody>
+                  <a:tcPr marL="34673" marR="34673" marT="0" marB="0">
+                    <a:lnL w="12700" cap="flat" cmpd="sng" algn="ctr">
+                      <a:solidFill>
+                        <a:schemeClr val="tx1"/>
+                      </a:solidFill>
+                      <a:prstDash val="solid"/>
+                      <a:round/>
+                      <a:headEnd type="none" w="med" len="med"/>
+                      <a:tailEnd type="none" w="med" len="med"/>
+                    </a:lnL>
+                    <a:lnR w="12700" cap="flat" cmpd="sng" algn="ctr">
+                      <a:solidFill>
+                        <a:schemeClr val="tx1"/>
+                      </a:solidFill>
+                      <a:prstDash val="solid"/>
+                      <a:round/>
+                      <a:headEnd type="none" w="med" len="med"/>
+                      <a:tailEnd type="none" w="med" len="med"/>
+                    </a:lnR>
+                    <a:lnT w="12700" cap="flat" cmpd="sng" algn="ctr">
+                      <a:solidFill>
+                        <a:schemeClr val="tx1"/>
+                      </a:solidFill>
+                      <a:prstDash val="solid"/>
+                      <a:round/>
+                      <a:headEnd type="none" w="med" len="med"/>
+                      <a:tailEnd type="none" w="med" len="med"/>
+                    </a:lnT>
+                    <a:lnB w="28575" cap="flat" cmpd="sng" algn="ctr">
+                      <a:solidFill>
+                        <a:schemeClr val="tx1"/>
+                      </a:solidFill>
+                      <a:prstDash val="solid"/>
+                      <a:round/>
+                      <a:headEnd type="none" w="med" len="med"/>
+                      <a:tailEnd type="none" w="med" len="med"/>
+                    </a:lnB>
+                    <a:noFill/>
+                  </a:tcPr>
+                </a:tc>
+                <a:tc>
+                  <a:txBody>
+                    <a:bodyPr/>
+                    <a:lstStyle/>
+                    <a:p>
+                      <a:pPr marL="0" marR="0" algn="l" defTabSz="914377" rtl="0" eaLnBrk="1" latinLnBrk="0" hangingPunct="1">
+                        <a:spcBef>
+                          <a:spcPts val="0"/>
+                        </a:spcBef>
+                        <a:spcAft>
+                          <a:spcPts val="0"/>
+                        </a:spcAft>
+                      </a:pPr>
+                      <a:r>
+                        <a:rPr lang="en-US" sz="1600" b="0" kern="1200" dirty="0">
+                          <a:solidFill>
+                            <a:schemeClr val="tx1"/>
+                          </a:solidFill>
+                          <a:effectLst/>
+                          <a:latin typeface="+mn-lt"/>
+                          <a:ea typeface="+mn-ea"/>
+                          <a:cs typeface="+mn-cs"/>
+                        </a:rPr>
+                        <a:t>15%</a:t>
+                      </a:r>
+                    </a:p>
+                  </a:txBody>
+                  <a:tcPr marL="34673" marR="34673" marT="0" marB="0">
+                    <a:lnL w="12700" cap="flat" cmpd="sng" algn="ctr">
+                      <a:solidFill>
+                        <a:schemeClr val="tx1"/>
+                      </a:solidFill>
+                      <a:prstDash val="solid"/>
+                      <a:round/>
+                      <a:headEnd type="none" w="med" len="med"/>
+                      <a:tailEnd type="none" w="med" len="med"/>
+                    </a:lnL>
+                    <a:lnR w="12700" cap="flat" cmpd="sng" algn="ctr">
+                      <a:solidFill>
+                        <a:schemeClr val="tx1"/>
+                      </a:solidFill>
+                      <a:prstDash val="solid"/>
+                      <a:round/>
+                      <a:headEnd type="none" w="med" len="med"/>
+                      <a:tailEnd type="none" w="med" len="med"/>
+                    </a:lnR>
+                    <a:lnT w="12700" cap="flat" cmpd="sng" algn="ctr">
+                      <a:solidFill>
+                        <a:schemeClr val="tx1"/>
+                      </a:solidFill>
+                      <a:prstDash val="solid"/>
+                      <a:round/>
+                      <a:headEnd type="none" w="med" len="med"/>
+                      <a:tailEnd type="none" w="med" len="med"/>
+                    </a:lnT>
+                    <a:lnB w="28575" cap="flat" cmpd="sng" algn="ctr">
+                      <a:solidFill>
+                        <a:schemeClr val="tx1"/>
+                      </a:solidFill>
+                      <a:prstDash val="solid"/>
+                      <a:round/>
+                      <a:headEnd type="none" w="med" len="med"/>
+                      <a:tailEnd type="none" w="med" len="med"/>
+                    </a:lnB>
                     <a:noFill/>
                   </a:tcPr>
                 </a:tc>
                 <a:extLst>
                   <a:ext uri="{0D108BD9-81ED-4DB2-BD59-A6C34878D82A}">
-                    <a16:rowId xmlns:a16="http://schemas.microsoft.com/office/drawing/2014/main" val="167830581"/>
+                    <a16:rowId xmlns:a16="http://schemas.microsoft.com/office/drawing/2014/main" val="2314829753"/>
                   </a:ext>
                 </a:extLst>
               </a:tr>
@@ -12028,7 +13932,7 @@
           <p:cNvPr id="4" name="Slide Number Placeholder 3">
             <a:extLst>
               <a:ext uri="{FF2B5EF4-FFF2-40B4-BE49-F238E27FC236}">
-                <a16:creationId xmlns:a16="http://schemas.microsoft.com/office/drawing/2014/main" id="{5980FA27-603B-B242-A33D-22682FC1C95F}"/>
+                <a16:creationId xmlns:a16="http://schemas.microsoft.com/office/drawing/2014/main" id="{4E8606BE-BC1F-194C-8F0D-DF8760F02EC0}"/>
               </a:ext>
             </a:extLst>
           </p:cNvPr>
@@ -12041,7 +13945,7 @@
         </p:nvSpPr>
         <p:spPr>
           <a:xfrm>
-            <a:off x="8458200" y="320675"/>
+            <a:off x="8186057" y="327819"/>
             <a:ext cx="685800" cy="319088"/>
           </a:xfrm>
         </p:spPr>
@@ -12066,7 +13970,7 @@
     </p:spTree>
     <p:extLst>
       <p:ext uri="{BB962C8B-B14F-4D97-AF65-F5344CB8AC3E}">
-        <p14:creationId xmlns:p14="http://schemas.microsoft.com/office/powerpoint/2010/main" val="2492843989"/>
+        <p14:creationId xmlns:p14="http://schemas.microsoft.com/office/powerpoint/2010/main" val="3412484968"/>
       </p:ext>
     </p:extLst>
   </p:cSld>
@@ -12157,12 +14061,15 @@
             </a:r>
           </a:p>
           <a:p>
+            <a:pPr marL="0" indent="0">
+              <a:buNone/>
+            </a:pPr>
             <a:endParaRPr lang="en-US" dirty="0"/>
           </a:p>
           <a:p>
             <a:r>
               <a:rPr lang="en-US" dirty="0"/>
-              <a:t>Slack</a:t>
+              <a:t>Discord</a:t>
             </a:r>
           </a:p>
           <a:p>
@@ -12171,7 +14078,7 @@
           <a:p>
             <a:r>
               <a:rPr lang="en-US" dirty="0"/>
-              <a:t>Me!</a:t>
+              <a:t>Me</a:t>
             </a:r>
           </a:p>
         </p:txBody>
@@ -12347,9 +14254,10 @@
           <a:lstStyle/>
           <a:p>
             <a:r>
-              <a:rPr lang="en-US" dirty="0"/>
-              <a:t>Introductions</a:t>
-            </a:r>
+              <a:rPr lang="en-US" dirty="0" err="1"/>
+              <a:t>Apresentações</a:t>
+            </a:r>
+            <a:endParaRPr lang="en-US" dirty="0"/>
           </a:p>
         </p:txBody>
       </p:sp>
@@ -12393,15 +14301,63 @@
           <a:p>
             <a:pPr lvl="1"/>
             <a:r>
-              <a:rPr lang="en-US" dirty="0"/>
-              <a:t>Interested in behavior in Software Development</a:t>
-            </a:r>
-          </a:p>
-          <a:p>
-            <a:pPr lvl="2"/>
-            <a:r>
-              <a:rPr lang="en-US" dirty="0"/>
-              <a:t>Mainly Open Source</a:t>
+              <a:rPr lang="en-US" dirty="0" err="1"/>
+              <a:t>Bolsista</a:t>
+            </a:r>
+            <a:r>
+              <a:rPr lang="en-US" dirty="0"/>
+              <a:t> de </a:t>
+            </a:r>
+            <a:r>
+              <a:rPr lang="en-US" dirty="0" err="1"/>
+              <a:t>Pesquisa</a:t>
+            </a:r>
+            <a:r>
+              <a:rPr lang="en-US" dirty="0"/>
+              <a:t> </a:t>
+            </a:r>
+            <a:r>
+              <a:rPr lang="en-US" dirty="0" err="1"/>
+              <a:t>Nível</a:t>
+            </a:r>
+            <a:r>
+              <a:rPr lang="en-US" dirty="0"/>
+              <a:t> 2 </a:t>
+            </a:r>
+            <a:r>
+              <a:rPr lang="en-US" dirty="0" err="1"/>
+              <a:t>CNPq</a:t>
+            </a:r>
+            <a:endParaRPr lang="en-US" dirty="0"/>
+          </a:p>
+          <a:p>
+            <a:pPr lvl="1"/>
+            <a:r>
+              <a:rPr lang="en-US" dirty="0"/>
+              <a:t>Professor </a:t>
+            </a:r>
+            <a:r>
+              <a:rPr lang="en-US" dirty="0" err="1"/>
+              <a:t>Adjunto</a:t>
+            </a:r>
+            <a:r>
+              <a:rPr lang="en-US" dirty="0"/>
+              <a:t> UTFPR</a:t>
+            </a:r>
+          </a:p>
+          <a:p>
+            <a:pPr lvl="1"/>
+            <a:r>
+              <a:rPr lang="en-US" dirty="0"/>
+              <a:t>Professor </a:t>
+            </a:r>
+            <a:r>
+              <a:rPr lang="en-US" dirty="0" err="1"/>
+              <a:t>Assistente</a:t>
+            </a:r>
+            <a:r>
+              <a:rPr lang="en-US" dirty="0"/>
+              <a:t> NAU </a:t>
             </a:r>
           </a:p>
           <a:p>
@@ -12412,21 +14368,93 @@
             <a:pPr lvl="1"/>
             <a:r>
               <a:rPr lang="en-US" dirty="0"/>
-              <a:t>This course</a:t>
+              <a:t>Principal </a:t>
+            </a:r>
+            <a:r>
+              <a:rPr lang="en-US" dirty="0" err="1"/>
+              <a:t>linha</a:t>
+            </a:r>
+            <a:r>
+              <a:rPr lang="en-US" dirty="0"/>
+              <a:t> de </a:t>
+            </a:r>
+            <a:r>
+              <a:rPr lang="en-US" dirty="0" err="1"/>
+              <a:t>pesquisa</a:t>
+            </a:r>
+            <a:r>
+              <a:rPr lang="en-US" dirty="0"/>
+              <a:t>: </a:t>
+            </a:r>
+            <a:r>
+              <a:rPr lang="en-US" dirty="0" err="1"/>
+              <a:t>Aspectos</a:t>
+            </a:r>
+            <a:r>
+              <a:rPr lang="en-US" dirty="0"/>
+              <a:t> </a:t>
+            </a:r>
+            <a:r>
+              <a:rPr lang="en-US" dirty="0" err="1"/>
+              <a:t>sociais</a:t>
+            </a:r>
+            <a:r>
+              <a:rPr lang="en-US" dirty="0"/>
+              <a:t> de Software Livre</a:t>
             </a:r>
           </a:p>
           <a:p>
             <a:pPr lvl="2"/>
-            <a:r>
-              <a:rPr lang="en-US" dirty="0"/>
-              <a:t>Real world practice</a:t>
-            </a:r>
+            <a:endParaRPr lang="en-US" dirty="0"/>
+          </a:p>
+          <a:p>
+            <a:pPr lvl="1"/>
+            <a:r>
+              <a:rPr lang="en-US" dirty="0"/>
+              <a:t>Essa </a:t>
+            </a:r>
+            <a:r>
+              <a:rPr lang="en-US" dirty="0" err="1"/>
+              <a:t>disciplina</a:t>
+            </a:r>
+            <a:endParaRPr lang="en-US" dirty="0"/>
           </a:p>
           <a:p>
             <a:pPr lvl="2"/>
             <a:r>
-              <a:rPr lang="en-US" dirty="0"/>
-              <a:t>Real world problems</a:t>
+              <a:rPr lang="en-US" dirty="0" err="1"/>
+              <a:t>Problemas</a:t>
+            </a:r>
+            <a:r>
+              <a:rPr lang="en-US" dirty="0"/>
+              <a:t> do </a:t>
+            </a:r>
+            <a:r>
+              <a:rPr lang="en-US" dirty="0" err="1"/>
+              <a:t>mundo</a:t>
+            </a:r>
+            <a:r>
+              <a:rPr lang="en-US" dirty="0"/>
+              <a:t> real</a:t>
+            </a:r>
+          </a:p>
+          <a:p>
+            <a:pPr lvl="2"/>
+            <a:r>
+              <a:rPr lang="en-US" dirty="0" err="1"/>
+              <a:t>Vivência</a:t>
+            </a:r>
+            <a:r>
+              <a:rPr lang="en-US" dirty="0"/>
+              <a:t> de </a:t>
+            </a:r>
+            <a:r>
+              <a:rPr lang="en-US" dirty="0" err="1"/>
+              <a:t>mundo</a:t>
+            </a:r>
+            <a:r>
+              <a:rPr lang="en-US" dirty="0"/>
+              <a:t> real</a:t>
             </a:r>
           </a:p>
           <a:p>
@@ -12514,7 +14542,7 @@
           <p:cNvPr id="2" name="Title 1">
             <a:extLst>
               <a:ext uri="{FF2B5EF4-FFF2-40B4-BE49-F238E27FC236}">
-                <a16:creationId xmlns:a16="http://schemas.microsoft.com/office/drawing/2014/main" id="{2DDA404C-FA40-2940-AE7A-E7BE6372A653}"/>
+                <a16:creationId xmlns:a16="http://schemas.microsoft.com/office/drawing/2014/main" id="{7E41AEBC-1B4A-EC44-A572-25155C4F4BD4}"/>
               </a:ext>
             </a:extLst>
           </p:cNvPr>
@@ -12522,7 +14550,7 @@
             <a:spLocks noGrp="1"/>
           </p:cNvSpPr>
           <p:nvPr>
-            <p:ph type="title"/>
+            <p:ph type="ctrTitle"/>
           </p:nvPr>
         </p:nvSpPr>
         <p:spPr/>
@@ -12530,19 +14558,16 @@
           <a:bodyPr/>
           <a:lstStyle/>
           <a:p>
-            <a:r>
-              <a:rPr lang="en-US" dirty="0"/>
-              <a:t>Introductions (30 secs.)</a:t>
-            </a:r>
-          </a:p>
-        </p:txBody>
-      </p:sp>
-      <p:sp>
-        <p:nvSpPr>
-          <p:cNvPr id="3" name="Content Placeholder 2">
+            <a:endParaRPr lang="en-US"/>
+          </a:p>
+        </p:txBody>
+      </p:sp>
+      <p:sp>
+        <p:nvSpPr>
+          <p:cNvPr id="3" name="Subtitle 2">
             <a:extLst>
               <a:ext uri="{FF2B5EF4-FFF2-40B4-BE49-F238E27FC236}">
-                <a16:creationId xmlns:a16="http://schemas.microsoft.com/office/drawing/2014/main" id="{C940E68B-3E11-C448-A3D6-D9748631FF06}"/>
+                <a16:creationId xmlns:a16="http://schemas.microsoft.com/office/drawing/2014/main" id="{4C1A4EAC-3A77-5641-869C-63A69C81698F}"/>
               </a:ext>
             </a:extLst>
           </p:cNvPr>
@@ -12550,59 +14575,15 @@
             <a:spLocks noGrp="1"/>
           </p:cNvSpPr>
           <p:nvPr>
-            <p:ph idx="1"/>
+            <p:ph type="subTitle" idx="1"/>
           </p:nvPr>
         </p:nvSpPr>
         <p:spPr/>
         <p:txBody>
-          <a:bodyPr>
-            <a:normAutofit/>
-          </a:bodyPr>
+          <a:bodyPr/>
           <a:lstStyle/>
           <a:p>
-            <a:endParaRPr lang="en-US" dirty="0"/>
-          </a:p>
-          <a:p>
-            <a:r>
-              <a:rPr lang="en-US" dirty="0"/>
-              <a:t>Your name</a:t>
-            </a:r>
-          </a:p>
-          <a:p>
-            <a:endParaRPr lang="en-US" dirty="0"/>
-          </a:p>
-          <a:p>
-            <a:pPr lvl="1"/>
-            <a:r>
-              <a:rPr lang="en-US" dirty="0"/>
-              <a:t>What do you know about Open Source?</a:t>
-            </a:r>
-          </a:p>
-          <a:p>
-            <a:endParaRPr lang="en-US" dirty="0"/>
-          </a:p>
-          <a:p>
-            <a:pPr lvl="1"/>
-            <a:r>
-              <a:rPr lang="en-US" dirty="0"/>
-              <a:t>Why did you enroll to this course?</a:t>
-            </a:r>
-          </a:p>
-          <a:p>
-            <a:endParaRPr lang="en-US" dirty="0"/>
-          </a:p>
-          <a:p>
-            <a:pPr lvl="1"/>
-            <a:r>
-              <a:rPr lang="en-US" dirty="0"/>
-              <a:t>What do you expect from the course?</a:t>
-            </a:r>
-          </a:p>
-          <a:p>
-            <a:endParaRPr lang="en-US" dirty="0"/>
-          </a:p>
-          <a:p>
-            <a:endParaRPr lang="en-US" dirty="0"/>
+            <a:endParaRPr lang="en-US"/>
           </a:p>
         </p:txBody>
       </p:sp>
@@ -12611,7 +14592,7 @@
           <p:cNvPr id="4" name="Slide Number Placeholder 3">
             <a:extLst>
               <a:ext uri="{FF2B5EF4-FFF2-40B4-BE49-F238E27FC236}">
-                <a16:creationId xmlns:a16="http://schemas.microsoft.com/office/drawing/2014/main" id="{3A9C7E69-5E3E-9147-97FA-859A0BA32687}"/>
+                <a16:creationId xmlns:a16="http://schemas.microsoft.com/office/drawing/2014/main" id="{0986366C-87DC-EA4E-BABB-E097071A4E54}"/>
               </a:ext>
             </a:extLst>
           </p:cNvPr>
@@ -12619,15 +14600,10 @@
             <a:spLocks noGrp="1"/>
           </p:cNvSpPr>
           <p:nvPr>
-            <p:ph type="sldNum" sz="quarter" idx="4294967295"/>
+            <p:ph type="sldNum" sz="quarter" idx="12"/>
           </p:nvPr>
         </p:nvSpPr>
-        <p:spPr>
-          <a:xfrm>
-            <a:off x="8458200" y="320675"/>
-            <a:ext cx="685800" cy="319088"/>
-          </a:xfrm>
-        </p:spPr>
+        <p:spPr/>
         <p:txBody>
           <a:bodyPr/>
           <a:lstStyle/>
@@ -12635,21 +14611,57 @@
             <a:pPr>
               <a:defRPr/>
             </a:pPr>
-            <a:fld id="{3464530E-D695-45C9-AFB6-E411BBE0972A}" type="slidenum">
+            <a:fld id="{1BD493C5-18C0-4657-ABB8-57661F65AEBB}" type="slidenum">
               <a:rPr lang="en-US" smtClean="0"/>
               <a:pPr>
                 <a:defRPr/>
               </a:pPr>
               <a:t>4</a:t>
             </a:fld>
-            <a:endParaRPr lang="en-US"/>
-          </a:p>
-        </p:txBody>
-      </p:sp>
+            <a:endParaRPr lang="en-US" dirty="0"/>
+          </a:p>
+        </p:txBody>
+      </p:sp>
+      <p:pic>
+        <p:nvPicPr>
+          <p:cNvPr id="6" name="slide.url=https://www.polleverywhere.com/free_text_polls/EM9GfMN2WhuGV1HeKemYh">
+            <a:extLst>
+              <a:ext uri="{FF2B5EF4-FFF2-40B4-BE49-F238E27FC236}">
+                <a16:creationId xmlns:a16="http://schemas.microsoft.com/office/drawing/2014/main" id="{D4D82184-8605-EA46-9597-631E123839E8}"/>
+              </a:ext>
+            </a:extLst>
+          </p:cNvPr>
+          <p:cNvPicPr>
+            <a:picLocks/>
+          </p:cNvPicPr>
+          <p:nvPr/>
+        </p:nvPicPr>
+        <p:blipFill>
+          <a:blip r:embed="rId3">
+            <a:extLst>
+              <a:ext uri="{28A0092B-C50C-407E-A947-70E740481C1C}">
+                <a14:useLocalDpi xmlns:a14="http://schemas.microsoft.com/office/drawing/2010/main" val="0"/>
+              </a:ext>
+            </a:extLst>
+          </a:blip>
+          <a:stretch>
+            <a:fillRect/>
+          </a:stretch>
+        </p:blipFill>
+        <p:spPr>
+          <a:xfrm>
+            <a:off x="63500" y="63500"/>
+            <a:ext cx="9017000" cy="6731000"/>
+          </a:xfrm>
+          <a:prstGeom prst="rect">
+            <a:avLst/>
+          </a:prstGeom>
+        </p:spPr>
+      </p:pic>
     </p:spTree>
     <p:extLst>
       <p:ext uri="{BB962C8B-B14F-4D97-AF65-F5344CB8AC3E}">
-        <p14:creationId xmlns:p14="http://schemas.microsoft.com/office/powerpoint/2010/main" val="2471979110"/>
+        <p14:creationId xmlns:p14="http://schemas.microsoft.com/office/powerpoint/2010/main" val="1549392145"/>
       </p:ext>
     </p:extLst>
   </p:cSld>
@@ -12681,7 +14693,7 @@
           <p:cNvPr id="2" name="Title 1">
             <a:extLst>
               <a:ext uri="{FF2B5EF4-FFF2-40B4-BE49-F238E27FC236}">
-                <a16:creationId xmlns:a16="http://schemas.microsoft.com/office/drawing/2014/main" id="{3F08CA82-05C8-E641-81D4-2A0F79E15B49}"/>
+                <a16:creationId xmlns:a16="http://schemas.microsoft.com/office/drawing/2014/main" id="{2DDA404C-FA40-2940-AE7A-E7BE6372A653}"/>
               </a:ext>
             </a:extLst>
           </p:cNvPr>
@@ -12698,8 +14710,20 @@
           <a:lstStyle/>
           <a:p>
             <a:r>
-              <a:rPr lang="en-US" dirty="0"/>
-              <a:t>Basics</a:t>
+              <a:rPr lang="en-US" dirty="0" err="1"/>
+              <a:t>Apresentação</a:t>
+            </a:r>
+            <a:r>
+              <a:rPr lang="en-US" dirty="0"/>
+              <a:t> (30 </a:t>
+            </a:r>
+            <a:r>
+              <a:rPr lang="en-US" dirty="0" err="1"/>
+              <a:t>Segundos</a:t>
+            </a:r>
+            <a:r>
+              <a:rPr lang="en-US" dirty="0"/>
+              <a:t>)</a:t>
             </a:r>
           </a:p>
         </p:txBody>
@@ -12709,7 +14733,7 @@
           <p:cNvPr id="3" name="Content Placeholder 2">
             <a:extLst>
               <a:ext uri="{FF2B5EF4-FFF2-40B4-BE49-F238E27FC236}">
-                <a16:creationId xmlns:a16="http://schemas.microsoft.com/office/drawing/2014/main" id="{CE1B6F80-C3CF-AD49-BB48-A78ABD5CE8BE}"/>
+                <a16:creationId xmlns:a16="http://schemas.microsoft.com/office/drawing/2014/main" id="{C940E68B-3E11-C448-A3D6-D9748631FF06}"/>
               </a:ext>
             </a:extLst>
           </p:cNvPr>
@@ -12731,53 +14755,130 @@
           </a:p>
           <a:p>
             <a:r>
-              <a:rPr lang="en-US" dirty="0"/>
-              <a:t>Open source</a:t>
-            </a:r>
+              <a:rPr lang="en-US" dirty="0" err="1"/>
+              <a:t>Seu</a:t>
+            </a:r>
+            <a:r>
+              <a:rPr lang="en-US" dirty="0"/>
+              <a:t> </a:t>
+            </a:r>
+            <a:r>
+              <a:rPr lang="en-US" dirty="0" err="1"/>
+              <a:t>nome</a:t>
+            </a:r>
+            <a:endParaRPr lang="en-US" dirty="0"/>
+          </a:p>
+          <a:p>
+            <a:endParaRPr lang="en-US" dirty="0"/>
           </a:p>
           <a:p>
             <a:pPr lvl="1"/>
+            <a:r>
+              <a:rPr lang="en-US" dirty="0"/>
+              <a:t>O que </a:t>
+            </a:r>
+            <a:r>
+              <a:rPr lang="en-US" dirty="0" err="1"/>
+              <a:t>você</a:t>
+            </a:r>
+            <a:r>
+              <a:rPr lang="en-US" dirty="0"/>
+              <a:t> sabe </a:t>
+            </a:r>
+            <a:r>
+              <a:rPr lang="en-US" dirty="0" err="1"/>
+              <a:t>sobre</a:t>
+            </a:r>
+            <a:r>
+              <a:rPr lang="en-US" dirty="0"/>
+              <a:t> Software Livre</a:t>
+            </a:r>
+          </a:p>
+          <a:p>
             <a:endParaRPr lang="en-US" dirty="0"/>
           </a:p>
           <a:p>
             <a:pPr lvl="1"/>
             <a:r>
-              <a:rPr lang="en-US" dirty="0"/>
-              <a:t>License</a:t>
-            </a:r>
+              <a:rPr lang="en-US" dirty="0" err="1"/>
+              <a:t>Porque</a:t>
+            </a:r>
+            <a:r>
+              <a:rPr lang="en-US" dirty="0"/>
+              <a:t> </a:t>
+            </a:r>
+            <a:r>
+              <a:rPr lang="en-US" dirty="0" err="1"/>
+              <a:t>você</a:t>
+            </a:r>
+            <a:r>
+              <a:rPr lang="en-US" dirty="0"/>
+              <a:t> se </a:t>
+            </a:r>
+            <a:r>
+              <a:rPr lang="en-US" dirty="0" err="1"/>
+              <a:t>matriculou</a:t>
+            </a:r>
+            <a:r>
+              <a:rPr lang="en-US" dirty="0"/>
+              <a:t> </a:t>
+            </a:r>
+            <a:r>
+              <a:rPr lang="en-US" dirty="0" err="1"/>
+              <a:t>nessa</a:t>
+            </a:r>
+            <a:r>
+              <a:rPr lang="en-US" dirty="0"/>
+              <a:t> </a:t>
+            </a:r>
+            <a:r>
+              <a:rPr lang="en-US" dirty="0" err="1"/>
+              <a:t>disciplina</a:t>
+            </a:r>
+            <a:r>
+              <a:rPr lang="en-US" dirty="0"/>
+              <a:t>?</a:t>
+            </a:r>
+          </a:p>
+          <a:p>
+            <a:endParaRPr lang="en-US" dirty="0"/>
           </a:p>
           <a:p>
             <a:pPr lvl="1"/>
+            <a:r>
+              <a:rPr lang="en-US" dirty="0"/>
+              <a:t>O que </a:t>
+            </a:r>
+            <a:r>
+              <a:rPr lang="en-US" dirty="0" err="1"/>
+              <a:t>você</a:t>
+            </a:r>
+            <a:r>
+              <a:rPr lang="en-US" dirty="0"/>
+              <a:t> </a:t>
+            </a:r>
+            <a:r>
+              <a:rPr lang="en-US" dirty="0" err="1"/>
+              <a:t>espera</a:t>
+            </a:r>
+            <a:r>
+              <a:rPr lang="en-US" dirty="0"/>
+              <a:t> do </a:t>
+            </a:r>
+            <a:r>
+              <a:rPr lang="en-US" dirty="0" err="1"/>
+              <a:t>curso</a:t>
+            </a:r>
+            <a:r>
+              <a:rPr lang="en-US" dirty="0"/>
+              <a:t>?</a:t>
+            </a:r>
+          </a:p>
+          <a:p>
             <a:endParaRPr lang="en-US" dirty="0"/>
           </a:p>
           <a:p>
-            <a:pPr lvl="1"/>
-            <a:r>
-              <a:rPr lang="en-US" dirty="0"/>
-              <a:t>Community</a:t>
-            </a:r>
-          </a:p>
-          <a:p>
-            <a:pPr lvl="1"/>
             <a:endParaRPr lang="en-US" dirty="0"/>
-          </a:p>
-          <a:p>
-            <a:pPr lvl="1"/>
-            <a:r>
-              <a:rPr lang="en-US" dirty="0"/>
-              <a:t>Freedom</a:t>
-            </a:r>
-          </a:p>
-          <a:p>
-            <a:pPr lvl="1"/>
-            <a:endParaRPr lang="en-US" dirty="0"/>
-          </a:p>
-          <a:p>
-            <a:pPr lvl="1"/>
-            <a:r>
-              <a:rPr lang="en-US" dirty="0"/>
-              <a:t>Knowledge for all</a:t>
-            </a:r>
           </a:p>
         </p:txBody>
       </p:sp>
@@ -12786,7 +14887,7 @@
           <p:cNvPr id="4" name="Slide Number Placeholder 3">
             <a:extLst>
               <a:ext uri="{FF2B5EF4-FFF2-40B4-BE49-F238E27FC236}">
-                <a16:creationId xmlns:a16="http://schemas.microsoft.com/office/drawing/2014/main" id="{1CC40B10-C0F1-AE4E-B6E6-CFFF99622506}"/>
+                <a16:creationId xmlns:a16="http://schemas.microsoft.com/office/drawing/2014/main" id="{3A9C7E69-5E3E-9147-97FA-859A0BA32687}"/>
               </a:ext>
             </a:extLst>
           </p:cNvPr>
@@ -12824,7 +14925,7 @@
     </p:spTree>
     <p:extLst>
       <p:ext uri="{BB962C8B-B14F-4D97-AF65-F5344CB8AC3E}">
-        <p14:creationId xmlns:p14="http://schemas.microsoft.com/office/powerpoint/2010/main" val="1093797392"/>
+        <p14:creationId xmlns:p14="http://schemas.microsoft.com/office/powerpoint/2010/main" val="2471979110"/>
       </p:ext>
     </p:extLst>
   </p:cSld>
@@ -12856,7 +14957,7 @@
           <p:cNvPr id="2" name="Title 1">
             <a:extLst>
               <a:ext uri="{FF2B5EF4-FFF2-40B4-BE49-F238E27FC236}">
-                <a16:creationId xmlns:a16="http://schemas.microsoft.com/office/drawing/2014/main" id="{3FC2C9EB-BB5C-AF4F-9A4D-B42D806BDA46}"/>
+                <a16:creationId xmlns:a16="http://schemas.microsoft.com/office/drawing/2014/main" id="{3F08CA82-05C8-E641-81D4-2A0F79E15B49}"/>
               </a:ext>
             </a:extLst>
           </p:cNvPr>
@@ -12874,7 +14975,7 @@
           <a:p>
             <a:r>
               <a:rPr lang="en-US" dirty="0"/>
-              <a:t>This Course: What to Expect </a:t>
+              <a:t>Basics</a:t>
             </a:r>
           </a:p>
         </p:txBody>
@@ -12884,7 +14985,7 @@
           <p:cNvPr id="3" name="Content Placeholder 2">
             <a:extLst>
               <a:ext uri="{FF2B5EF4-FFF2-40B4-BE49-F238E27FC236}">
-                <a16:creationId xmlns:a16="http://schemas.microsoft.com/office/drawing/2014/main" id="{5A4D7267-C702-AC44-8084-258F77CFEE15}"/>
+                <a16:creationId xmlns:a16="http://schemas.microsoft.com/office/drawing/2014/main" id="{CE1B6F80-C3CF-AD49-BB48-A78ABD5CE8BE}"/>
               </a:ext>
             </a:extLst>
           </p:cNvPr>
@@ -12902,30 +15003,12 @@
           </a:bodyPr>
           <a:lstStyle/>
           <a:p>
-            <a:r>
-              <a:rPr lang="en-US" dirty="0"/>
-              <a:t>Work! </a:t>
-            </a:r>
-          </a:p>
-          <a:p>
-            <a:pPr lvl="1"/>
-            <a:r>
-              <a:rPr lang="en-US" dirty="0"/>
-              <a:t>First half: many small assignments</a:t>
-            </a:r>
-          </a:p>
-          <a:p>
-            <a:pPr lvl="1"/>
-            <a:r>
-              <a:rPr lang="en-US" dirty="0"/>
-              <a:t>Second half: one multi-part assignment</a:t>
-            </a:r>
-          </a:p>
-          <a:p>
-            <a:pPr lvl="1"/>
-            <a:r>
-              <a:rPr lang="en-US" dirty="0"/>
-              <a:t>Readings</a:t>
+            <a:endParaRPr lang="en-US" dirty="0"/>
+          </a:p>
+          <a:p>
+            <a:r>
+              <a:rPr lang="en-US" dirty="0"/>
+              <a:t>Software Livre</a:t>
             </a:r>
           </a:p>
           <a:p>
@@ -12933,44 +15016,54 @@
             <a:endParaRPr lang="en-US" dirty="0"/>
           </a:p>
           <a:p>
-            <a:r>
-              <a:rPr lang="en-US" dirty="0"/>
-              <a:t>Learning Open Source</a:t>
-            </a:r>
-          </a:p>
-          <a:p>
             <a:pPr lvl="1"/>
             <a:r>
-              <a:rPr lang="en-US" dirty="0"/>
-              <a:t>Philosophy</a:t>
-            </a:r>
-          </a:p>
-          <a:p>
-            <a:pPr lvl="1"/>
-            <a:r>
-              <a:rPr lang="en-US" dirty="0"/>
-              <a:t>Tools</a:t>
-            </a:r>
-          </a:p>
-          <a:p>
-            <a:pPr lvl="1"/>
-            <a:r>
-              <a:rPr lang="en-US" dirty="0"/>
-              <a:t>Development Process</a:t>
-            </a:r>
-          </a:p>
-          <a:p>
-            <a:pPr lvl="1"/>
-            <a:r>
-              <a:rPr lang="en-US" dirty="0"/>
-              <a:t>Practice!!!</a:t>
-            </a:r>
+              <a:rPr lang="en-US" dirty="0" err="1"/>
+              <a:t>Licença</a:t>
+            </a:r>
+            <a:endParaRPr lang="en-US" dirty="0"/>
           </a:p>
           <a:p>
             <a:pPr lvl="1"/>
             <a:endParaRPr lang="en-US" dirty="0"/>
           </a:p>
           <a:p>
+            <a:pPr lvl="1"/>
+            <a:r>
+              <a:rPr lang="en-US" dirty="0" err="1"/>
+              <a:t>Comunidade</a:t>
+            </a:r>
+            <a:endParaRPr lang="en-US" dirty="0"/>
+          </a:p>
+          <a:p>
+            <a:pPr lvl="1"/>
+            <a:endParaRPr lang="en-US" dirty="0"/>
+          </a:p>
+          <a:p>
+            <a:pPr lvl="1"/>
+            <a:r>
+              <a:rPr lang="en-US" dirty="0"/>
+              <a:t>Liberdade</a:t>
+            </a:r>
+          </a:p>
+          <a:p>
+            <a:pPr lvl="1"/>
+            <a:endParaRPr lang="en-US" dirty="0"/>
+          </a:p>
+          <a:p>
+            <a:pPr lvl="1"/>
+            <a:r>
+              <a:rPr lang="en-US" dirty="0" err="1"/>
+              <a:t>Conhecimento</a:t>
+            </a:r>
+            <a:r>
+              <a:rPr lang="en-US" dirty="0"/>
+              <a:t> para </a:t>
+            </a:r>
+            <a:r>
+              <a:rPr lang="en-US" dirty="0" err="1"/>
+              <a:t>todos</a:t>
+            </a:r>
             <a:endParaRPr lang="en-US" dirty="0"/>
           </a:p>
         </p:txBody>
@@ -12980,7 +15073,7 @@
           <p:cNvPr id="4" name="Slide Number Placeholder 3">
             <a:extLst>
               <a:ext uri="{FF2B5EF4-FFF2-40B4-BE49-F238E27FC236}">
-                <a16:creationId xmlns:a16="http://schemas.microsoft.com/office/drawing/2014/main" id="{B81FC40E-224A-4240-B9BC-9B0DA51D1F20}"/>
+                <a16:creationId xmlns:a16="http://schemas.microsoft.com/office/drawing/2014/main" id="{1CC40B10-C0F1-AE4E-B6E6-CFFF99622506}"/>
               </a:ext>
             </a:extLst>
           </p:cNvPr>
@@ -13018,7 +15111,7 @@
     </p:spTree>
     <p:extLst>
       <p:ext uri="{BB962C8B-B14F-4D97-AF65-F5344CB8AC3E}">
-        <p14:creationId xmlns:p14="http://schemas.microsoft.com/office/powerpoint/2010/main" val="1286476817"/>
+        <p14:creationId xmlns:p14="http://schemas.microsoft.com/office/powerpoint/2010/main" val="1093797392"/>
       </p:ext>
     </p:extLst>
   </p:cSld>
@@ -13050,7 +15143,7 @@
           <p:cNvPr id="2" name="Title 1">
             <a:extLst>
               <a:ext uri="{FF2B5EF4-FFF2-40B4-BE49-F238E27FC236}">
-                <a16:creationId xmlns:a16="http://schemas.microsoft.com/office/drawing/2014/main" id="{A96F9E8F-78EB-CD4E-B598-345415D42698}"/>
+                <a16:creationId xmlns:a16="http://schemas.microsoft.com/office/drawing/2014/main" id="{3FC2C9EB-BB5C-AF4F-9A4D-B42D806BDA46}"/>
               </a:ext>
             </a:extLst>
           </p:cNvPr>
@@ -13068,7 +15161,23 @@
           <a:p>
             <a:r>
               <a:rPr lang="en-US" dirty="0"/>
-              <a:t>Important Information</a:t>
+              <a:t>O que </a:t>
+            </a:r>
+            <a:r>
+              <a:rPr lang="en-US" dirty="0" err="1"/>
+              <a:t>esperar</a:t>
+            </a:r>
+            <a:r>
+              <a:rPr lang="en-US" dirty="0"/>
+              <a:t> do </a:t>
+            </a:r>
+            <a:r>
+              <a:rPr lang="en-US" dirty="0" err="1"/>
+              <a:t>curso</a:t>
+            </a:r>
+            <a:r>
+              <a:rPr lang="en-US" dirty="0"/>
+              <a:t>?</a:t>
             </a:r>
           </a:p>
         </p:txBody>
@@ -13078,7 +15187,7 @@
           <p:cNvPr id="3" name="Content Placeholder 2">
             <a:extLst>
               <a:ext uri="{FF2B5EF4-FFF2-40B4-BE49-F238E27FC236}">
-                <a16:creationId xmlns:a16="http://schemas.microsoft.com/office/drawing/2014/main" id="{E355BBAE-F7B4-4545-8870-59FF1146E2E9}"/>
+                <a16:creationId xmlns:a16="http://schemas.microsoft.com/office/drawing/2014/main" id="{5A4D7267-C702-AC44-8084-258F77CFEE15}"/>
               </a:ext>
             </a:extLst>
           </p:cNvPr>
@@ -13091,63 +15200,224 @@
         </p:nvSpPr>
         <p:spPr/>
         <p:txBody>
-          <a:bodyPr/>
+          <a:bodyPr>
+            <a:normAutofit/>
+          </a:bodyPr>
           <a:lstStyle/>
           <a:p>
             <a:r>
-              <a:rPr lang="en-US" b="1" dirty="0"/>
-              <a:t>Where to find me:</a:t>
+              <a:rPr lang="en-US" dirty="0" err="1"/>
+              <a:t>Trabalho</a:t>
+            </a:r>
+            <a:r>
+              <a:rPr lang="en-US" dirty="0"/>
+              <a:t> e </a:t>
+            </a:r>
+            <a:r>
+              <a:rPr lang="en-US" dirty="0" err="1"/>
+              <a:t>mãos</a:t>
+            </a:r>
+            <a:r>
+              <a:rPr lang="en-US" dirty="0"/>
+              <a:t> </a:t>
+            </a:r>
+            <a:r>
+              <a:rPr lang="en-US" dirty="0" err="1"/>
+              <a:t>na</a:t>
+            </a:r>
+            <a:r>
+              <a:rPr lang="en-US" dirty="0"/>
+              <a:t> </a:t>
+            </a:r>
+            <a:r>
+              <a:rPr lang="en-US" dirty="0" err="1"/>
+              <a:t>massa</a:t>
+            </a:r>
+            <a:r>
+              <a:rPr lang="en-US" dirty="0"/>
+              <a:t>! </a:t>
             </a:r>
           </a:p>
           <a:p>
             <a:pPr lvl="1"/>
             <a:r>
               <a:rPr lang="en-US" dirty="0" err="1"/>
-              <a:t>igorfs@utfpr.edu.br</a:t>
-            </a:r>
-            <a:endParaRPr lang="en-US" b="1" dirty="0"/>
+              <a:t>Primeira</a:t>
+            </a:r>
+            <a:r>
+              <a:rPr lang="en-US" dirty="0"/>
+              <a:t> </a:t>
+            </a:r>
+            <a:r>
+              <a:rPr lang="en-US" dirty="0" err="1"/>
+              <a:t>parte</a:t>
+            </a:r>
+            <a:r>
+              <a:rPr lang="en-US" dirty="0"/>
+              <a:t>: </a:t>
+            </a:r>
+            <a:r>
+              <a:rPr lang="en-US" dirty="0" err="1"/>
+              <a:t>múltiplas</a:t>
+            </a:r>
+            <a:r>
+              <a:rPr lang="en-US" dirty="0"/>
+              <a:t> </a:t>
+            </a:r>
+            <a:r>
+              <a:rPr lang="en-US" dirty="0" err="1"/>
+              <a:t>tarefas</a:t>
+            </a:r>
+            <a:r>
+              <a:rPr lang="en-US" dirty="0"/>
+              <a:t> </a:t>
+            </a:r>
+            <a:r>
+              <a:rPr lang="en-US" dirty="0" err="1"/>
+              <a:t>menores</a:t>
+            </a:r>
+            <a:endParaRPr lang="en-US" dirty="0"/>
           </a:p>
           <a:p>
             <a:pPr lvl="1"/>
             <a:r>
               <a:rPr lang="en-US" dirty="0"/>
-              <a:t>Slack! </a:t>
-            </a:r>
+              <a:t>Segunda </a:t>
+            </a:r>
+            <a:r>
+              <a:rPr lang="en-US" dirty="0" err="1"/>
+              <a:t>parte</a:t>
+            </a:r>
+            <a:r>
+              <a:rPr lang="en-US" dirty="0"/>
+              <a:t>: </a:t>
+            </a:r>
+            <a:r>
+              <a:rPr lang="en-US" dirty="0" err="1"/>
+              <a:t>contribuição</a:t>
+            </a:r>
+            <a:r>
+              <a:rPr lang="en-US" dirty="0"/>
+              <a:t> para </a:t>
+            </a:r>
+            <a:r>
+              <a:rPr lang="en-US" dirty="0" err="1"/>
+              <a:t>projeto</a:t>
+            </a:r>
+            <a:r>
+              <a:rPr lang="en-US" dirty="0"/>
+              <a:t> de SL (</a:t>
+            </a:r>
+            <a:r>
+              <a:rPr lang="en-US" dirty="0" err="1"/>
+              <a:t>principalmente</a:t>
+            </a:r>
+            <a:r>
+              <a:rPr lang="en-US" dirty="0"/>
+              <a:t>)</a:t>
+            </a:r>
+          </a:p>
+          <a:p>
+            <a:pPr lvl="1"/>
+            <a:r>
+              <a:rPr lang="en-US" dirty="0" err="1"/>
+              <a:t>Mestrado</a:t>
+            </a:r>
+            <a:r>
+              <a:rPr lang="en-US" dirty="0"/>
+              <a:t>: </a:t>
+            </a:r>
+            <a:r>
+              <a:rPr lang="en-US" dirty="0" err="1"/>
+              <a:t>Algumas</a:t>
+            </a:r>
+            <a:r>
+              <a:rPr lang="en-US" dirty="0"/>
+              <a:t> </a:t>
+            </a:r>
+            <a:r>
+              <a:rPr lang="en-US" dirty="0" err="1"/>
+              <a:t>coisas</a:t>
+            </a:r>
+            <a:r>
+              <a:rPr lang="en-US" dirty="0"/>
+              <a:t> </a:t>
+            </a:r>
+            <a:r>
+              <a:rPr lang="en-US" dirty="0" err="1"/>
+              <a:t>mais</a:t>
+            </a:r>
+            <a:r>
+              <a:rPr lang="en-US" dirty="0"/>
+              <a:t> </a:t>
+            </a:r>
+            <a:r>
+              <a:rPr lang="en-US" dirty="0" err="1"/>
+              <a:t>pesquisa</a:t>
+            </a:r>
+            <a:endParaRPr lang="en-US" dirty="0"/>
           </a:p>
           <a:p>
             <a:pPr marL="457188" lvl="1" indent="0">
               <a:buNone/>
             </a:pPr>
-            <a:endParaRPr lang="en-US" b="1" dirty="0"/>
-          </a:p>
-          <a:p>
-            <a:pPr marL="457188" lvl="1" indent="0">
-              <a:buNone/>
-            </a:pPr>
-            <a:endParaRPr lang="en-US" b="1" dirty="0"/>
-          </a:p>
-          <a:p>
-            <a:r>
-              <a:rPr lang="en-US" b="1" dirty="0" err="1"/>
-              <a:t>PAluno</a:t>
-            </a:r>
             <a:endParaRPr lang="en-US" dirty="0"/>
           </a:p>
           <a:p>
+            <a:r>
+              <a:rPr lang="en-US" dirty="0" err="1"/>
+              <a:t>Aprendendo</a:t>
+            </a:r>
+            <a:r>
+              <a:rPr lang="en-US" dirty="0"/>
+              <a:t> SL:</a:t>
+            </a:r>
+          </a:p>
+          <a:p>
             <a:pPr lvl="1"/>
             <a:r>
-              <a:rPr lang="en-US" dirty="0"/>
-              <a:t>Thursdays 19:30 – 21:10</a:t>
-            </a:r>
+              <a:rPr lang="en-US" dirty="0" err="1"/>
+              <a:t>Filosofia</a:t>
+            </a:r>
+            <a:endParaRPr lang="en-US" dirty="0"/>
           </a:p>
           <a:p>
             <a:pPr lvl="1"/>
+            <a:r>
+              <a:rPr lang="en-US" dirty="0"/>
+              <a:t>Ferramentas</a:t>
+            </a:r>
+          </a:p>
+          <a:p>
+            <a:pPr lvl="1"/>
+            <a:r>
+              <a:rPr lang="en-US" dirty="0" err="1"/>
+              <a:t>Processo</a:t>
+            </a:r>
+            <a:r>
+              <a:rPr lang="en-US" dirty="0"/>
+              <a:t> de </a:t>
+            </a:r>
+            <a:r>
+              <a:rPr lang="en-US" dirty="0" err="1"/>
+              <a:t>desenvolvimento</a:t>
+            </a:r>
             <a:endParaRPr lang="en-US" dirty="0"/>
           </a:p>
           <a:p>
+            <a:pPr lvl="1"/>
+            <a:r>
+              <a:rPr lang="en-US" dirty="0" err="1"/>
+              <a:t>Prática</a:t>
+            </a:r>
             <a:endParaRPr lang="en-US" dirty="0"/>
           </a:p>
           <a:p>
+            <a:pPr lvl="1"/>
+            <a:r>
+              <a:rPr lang="en-US" dirty="0" err="1"/>
+              <a:t>Pesquisa</a:t>
+            </a:r>
             <a:endParaRPr lang="en-US" dirty="0"/>
           </a:p>
           <a:p>
@@ -13160,7 +15430,7 @@
           <p:cNvPr id="4" name="Slide Number Placeholder 3">
             <a:extLst>
               <a:ext uri="{FF2B5EF4-FFF2-40B4-BE49-F238E27FC236}">
-                <a16:creationId xmlns:a16="http://schemas.microsoft.com/office/drawing/2014/main" id="{4E8606BE-BC1F-194C-8F0D-DF8760F02EC0}"/>
+                <a16:creationId xmlns:a16="http://schemas.microsoft.com/office/drawing/2014/main" id="{B81FC40E-224A-4240-B9BC-9B0DA51D1F20}"/>
               </a:ext>
             </a:extLst>
           </p:cNvPr>
@@ -13198,7 +15468,7 @@
     </p:spTree>
     <p:extLst>
       <p:ext uri="{BB962C8B-B14F-4D97-AF65-F5344CB8AC3E}">
-        <p14:creationId xmlns:p14="http://schemas.microsoft.com/office/powerpoint/2010/main" val="502534666"/>
+        <p14:creationId xmlns:p14="http://schemas.microsoft.com/office/powerpoint/2010/main" val="1286476817"/>
       </p:ext>
     </p:extLst>
   </p:cSld>
@@ -13247,8 +15517,12 @@
           <a:lstStyle/>
           <a:p>
             <a:r>
-              <a:rPr lang="en-US" dirty="0"/>
-              <a:t>Important Information</a:t>
+              <a:rPr lang="en-US" dirty="0" err="1"/>
+              <a:t>Importante</a:t>
+            </a:r>
+            <a:r>
+              <a:rPr lang="en-US" dirty="0"/>
+              <a:t>!</a:t>
             </a:r>
           </a:p>
         </p:txBody>
@@ -13276,28 +15550,194 @@
           <a:p>
             <a:r>
               <a:rPr lang="en-US" b="1" dirty="0"/>
-              <a:t>Late Submissions</a:t>
+              <a:t>Como me </a:t>
+            </a:r>
+            <a:r>
+              <a:rPr lang="en-US" b="1" dirty="0" err="1"/>
+              <a:t>encontrar</a:t>
+            </a:r>
+            <a:r>
+              <a:rPr lang="en-US" b="1" dirty="0"/>
+              <a:t>:</a:t>
             </a:r>
           </a:p>
           <a:p>
             <a:pPr lvl="1"/>
-            <a:r>
-              <a:rPr lang="en-US" dirty="0"/>
-              <a:t>will not be accepted</a:t>
-            </a:r>
-          </a:p>
-          <a:p>
-            <a:r>
-              <a:rPr lang="en-US" b="1" dirty="0"/>
-              <a:t>Class-time assignments</a:t>
-            </a:r>
+            <a:endParaRPr lang="en-US" dirty="0">
+              <a:hlinkClick r:id="rId2"/>
+            </a:endParaRPr>
           </a:p>
           <a:p>
             <a:pPr lvl="1"/>
             <a:r>
-              <a:rPr lang="en-US" dirty="0"/>
-              <a:t>There is no second chance to turn in class-time assignments </a:t>
-            </a:r>
+              <a:rPr lang="en-US" dirty="0">
+                <a:hlinkClick r:id="rId2"/>
+              </a:rPr>
+              <a:t>igorfs@utfpr.edu.br</a:t>
+            </a:r>
+            <a:endParaRPr lang="en-US" dirty="0"/>
+          </a:p>
+          <a:p>
+            <a:pPr lvl="1"/>
+            <a:endParaRPr lang="en-US" dirty="0"/>
+          </a:p>
+          <a:p>
+            <a:pPr lvl="1"/>
+            <a:r>
+              <a:rPr lang="en-US" dirty="0"/>
+              <a:t>Discord</a:t>
+            </a:r>
+          </a:p>
+          <a:p>
+            <a:pPr lvl="1"/>
+            <a:endParaRPr lang="en-US" b="1" dirty="0"/>
+          </a:p>
+          <a:p>
+            <a:pPr lvl="1"/>
+            <a:r>
+              <a:rPr lang="en-US" dirty="0" err="1"/>
+              <a:t>Paluno</a:t>
+            </a:r>
+            <a:r>
+              <a:rPr lang="en-US" dirty="0"/>
+              <a:t>: </a:t>
+            </a:r>
+            <a:r>
+              <a:rPr lang="en-US" dirty="0" err="1"/>
+              <a:t>Terças</a:t>
+            </a:r>
+            <a:r>
+              <a:rPr lang="en-US" dirty="0"/>
+              <a:t> 13:50 – 15:30 (Mas… </a:t>
+            </a:r>
+            <a:r>
+              <a:rPr lang="en-US" dirty="0" err="1"/>
+              <a:t>marquem</a:t>
+            </a:r>
+            <a:r>
+              <a:rPr lang="en-US" dirty="0"/>
+              <a:t> outros </a:t>
+            </a:r>
+            <a:r>
+              <a:rPr lang="en-US" dirty="0" err="1"/>
+              <a:t>horários</a:t>
+            </a:r>
+            <a:r>
+              <a:rPr lang="en-US" dirty="0"/>
+              <a:t> e me </a:t>
+            </a:r>
+            <a:r>
+              <a:rPr lang="en-US" dirty="0" err="1"/>
+              <a:t>procurem</a:t>
+            </a:r>
+            <a:r>
+              <a:rPr lang="en-US" dirty="0"/>
+              <a:t> no Discord)</a:t>
+            </a:r>
+          </a:p>
+          <a:p>
+            <a:pPr lvl="1"/>
+            <a:endParaRPr lang="en-US" b="1" dirty="0"/>
+          </a:p>
+          <a:p>
+            <a:pPr lvl="1"/>
+            <a:r>
+              <a:rPr lang="en-US" dirty="0"/>
+              <a:t>Aulas:</a:t>
+            </a:r>
+          </a:p>
+          <a:p>
+            <a:pPr lvl="2"/>
+            <a:r>
+              <a:rPr lang="en-US" dirty="0" err="1"/>
+              <a:t>Terças</a:t>
+            </a:r>
+            <a:r>
+              <a:rPr lang="en-US" dirty="0"/>
+              <a:t>: </a:t>
+            </a:r>
+            <a:r>
+              <a:rPr lang="en-US" dirty="0" err="1"/>
+              <a:t>mais</a:t>
+            </a:r>
+            <a:r>
+              <a:rPr lang="en-US" dirty="0"/>
+              <a:t> </a:t>
+            </a:r>
+            <a:r>
+              <a:rPr lang="en-US" dirty="0" err="1"/>
+              <a:t>teoria</a:t>
+            </a:r>
+            <a:r>
+              <a:rPr lang="en-US" dirty="0"/>
+              <a:t> e </a:t>
+            </a:r>
+            <a:r>
+              <a:rPr lang="en-US" dirty="0" err="1"/>
+              <a:t>eu</a:t>
+            </a:r>
+            <a:r>
+              <a:rPr lang="en-US" dirty="0"/>
+              <a:t> </a:t>
+            </a:r>
+            <a:r>
+              <a:rPr lang="en-US" dirty="0" err="1"/>
+              <a:t>falando</a:t>
+            </a:r>
+            <a:endParaRPr lang="en-US" dirty="0"/>
+          </a:p>
+          <a:p>
+            <a:pPr lvl="2"/>
+            <a:r>
+              <a:rPr lang="en-US" dirty="0"/>
+              <a:t>Segunda: </a:t>
+            </a:r>
+            <a:r>
+              <a:rPr lang="en-US" dirty="0" err="1"/>
+              <a:t>mais</a:t>
+            </a:r>
+            <a:r>
+              <a:rPr lang="en-US" dirty="0"/>
+              <a:t> </a:t>
+            </a:r>
+            <a:r>
+              <a:rPr lang="en-US" dirty="0" err="1"/>
+              <a:t>atividades</a:t>
+            </a:r>
+            <a:r>
+              <a:rPr lang="en-US" dirty="0"/>
+              <a:t> e </a:t>
+            </a:r>
+            <a:r>
+              <a:rPr lang="en-US" dirty="0" err="1"/>
+              <a:t>discussões</a:t>
+            </a:r>
+            <a:endParaRPr lang="en-US" dirty="0"/>
+          </a:p>
+          <a:p>
+            <a:pPr marL="457188" lvl="1" indent="0">
+              <a:buNone/>
+            </a:pPr>
+            <a:endParaRPr lang="en-US" b="1" dirty="0"/>
+          </a:p>
+          <a:p>
+            <a:pPr marL="457188" lvl="1" indent="0">
+              <a:buNone/>
+            </a:pPr>
+            <a:endParaRPr lang="en-US" b="1" dirty="0"/>
+          </a:p>
+          <a:p>
+            <a:pPr lvl="1"/>
+            <a:endParaRPr lang="en-US" dirty="0"/>
+          </a:p>
+          <a:p>
+            <a:endParaRPr lang="en-US" dirty="0"/>
+          </a:p>
+          <a:p>
+            <a:endParaRPr lang="en-US" dirty="0"/>
+          </a:p>
+          <a:p>
+            <a:endParaRPr lang="en-US" dirty="0"/>
           </a:p>
         </p:txBody>
       </p:sp>
@@ -13344,7 +15784,7 @@
     </p:spTree>
     <p:extLst>
       <p:ext uri="{BB962C8B-B14F-4D97-AF65-F5344CB8AC3E}">
-        <p14:creationId xmlns:p14="http://schemas.microsoft.com/office/powerpoint/2010/main" val="1911756747"/>
+        <p14:creationId xmlns:p14="http://schemas.microsoft.com/office/powerpoint/2010/main" val="502534666"/>
       </p:ext>
     </p:extLst>
   </p:cSld>
@@ -13393,1675 +15833,200 @@
           <a:lstStyle/>
           <a:p>
             <a:r>
-              <a:rPr lang="en-US" dirty="0"/>
-              <a:t>Important Information </a:t>
-            </a:r>
-          </a:p>
-        </p:txBody>
-      </p:sp>
-      <p:graphicFrame>
-        <p:nvGraphicFramePr>
-          <p:cNvPr id="7" name="Content Placeholder 6">
+              <a:rPr lang="en-US" dirty="0" err="1"/>
+              <a:t>Importante</a:t>
+            </a:r>
+            <a:r>
+              <a:rPr lang="en-US" dirty="0"/>
+              <a:t>!</a:t>
+            </a:r>
+          </a:p>
+        </p:txBody>
+      </p:sp>
+      <p:sp>
+        <p:nvSpPr>
+          <p:cNvPr id="3" name="Content Placeholder 2">
             <a:extLst>
               <a:ext uri="{FF2B5EF4-FFF2-40B4-BE49-F238E27FC236}">
-                <a16:creationId xmlns:a16="http://schemas.microsoft.com/office/drawing/2014/main" id="{4E7A174D-342D-8142-9D37-4D2FB659C4C1}"/>
+                <a16:creationId xmlns:a16="http://schemas.microsoft.com/office/drawing/2014/main" id="{E355BBAE-F7B4-4545-8870-59FF1146E2E9}"/>
               </a:ext>
             </a:extLst>
           </p:cNvPr>
-          <p:cNvGraphicFramePr>
-            <a:graphicFrameLocks noGrp="1"/>
-          </p:cNvGraphicFramePr>
+          <p:cNvSpPr>
+            <a:spLocks noGrp="1"/>
+          </p:cNvSpPr>
           <p:nvPr>
             <p:ph idx="1"/>
-            <p:extLst>
-              <p:ext uri="{D42A27DB-BD31-4B8C-83A1-F6EECF244321}">
-                <p14:modId xmlns:p14="http://schemas.microsoft.com/office/powerpoint/2010/main" val="3940355156"/>
-              </p:ext>
-            </p:extLst>
           </p:nvPr>
-        </p:nvGraphicFramePr>
-        <p:xfrm>
-          <a:off x="975085" y="1566706"/>
-          <a:ext cx="7265723" cy="2423547"/>
-        </p:xfrm>
-        <a:graphic>
-          <a:graphicData uri="http://schemas.openxmlformats.org/drawingml/2006/table">
-            <a:tbl>
-              <a:tblPr firstRow="1" firstCol="1" bandRow="1">
-                <a:tableStyleId>{5C22544A-7EE6-4342-B048-85BDC9FD1C3A}</a:tableStyleId>
-              </a:tblPr>
-              <a:tblGrid>
-                <a:gridCol w="3003620">
-                  <a:extLst>
-                    <a:ext uri="{9D8B030D-6E8A-4147-A177-3AD203B41FA5}">
-                      <a16:colId xmlns:a16="http://schemas.microsoft.com/office/drawing/2014/main" val="508579273"/>
-                    </a:ext>
-                  </a:extLst>
-                </a:gridCol>
-                <a:gridCol w="3325609">
-                  <a:extLst>
-                    <a:ext uri="{9D8B030D-6E8A-4147-A177-3AD203B41FA5}">
-                      <a16:colId xmlns:a16="http://schemas.microsoft.com/office/drawing/2014/main" val="621088667"/>
-                    </a:ext>
-                  </a:extLst>
-                </a:gridCol>
-                <a:gridCol w="936494">
-                  <a:extLst>
-                    <a:ext uri="{9D8B030D-6E8A-4147-A177-3AD203B41FA5}">
-                      <a16:colId xmlns:a16="http://schemas.microsoft.com/office/drawing/2014/main" val="281665035"/>
-                    </a:ext>
-                  </a:extLst>
-                </a:gridCol>
-              </a:tblGrid>
-              <a:tr h="66152">
-                <a:tc>
-                  <a:txBody>
-                    <a:bodyPr/>
-                    <a:lstStyle/>
-                    <a:p>
-                      <a:pPr marL="0" marR="0">
-                        <a:spcBef>
-                          <a:spcPts val="0"/>
-                        </a:spcBef>
-                        <a:spcAft>
-                          <a:spcPts val="0"/>
-                        </a:spcAft>
-                      </a:pPr>
-                      <a:r>
-                        <a:rPr lang="en-US" sz="1800" b="1">
-                          <a:effectLst/>
-                        </a:rPr>
-                        <a:t>Atividade</a:t>
-                      </a:r>
-                      <a:endParaRPr lang="en-US" sz="1800" b="1" dirty="0">
-                        <a:effectLst/>
-                        <a:latin typeface="Calibri" panose="020F0502020204030204" pitchFamily="34" charset="0"/>
-                        <a:ea typeface="Calibri" panose="020F0502020204030204" pitchFamily="34" charset="0"/>
-                        <a:cs typeface="Times New Roman" panose="02020603050405020304" pitchFamily="18" charset="0"/>
-                      </a:endParaRPr>
-                    </a:p>
-                  </a:txBody>
-                  <a:tcPr marL="34673" marR="34673" marT="0" marB="0">
-                    <a:lnL w="12700" cap="flat" cmpd="sng" algn="ctr">
-                      <a:solidFill>
-                        <a:schemeClr val="tx1"/>
-                      </a:solidFill>
-                      <a:prstDash val="solid"/>
-                      <a:round/>
-                      <a:headEnd type="none" w="med" len="med"/>
-                      <a:tailEnd type="none" w="med" len="med"/>
-                    </a:lnL>
-                    <a:lnR w="12700" cap="flat" cmpd="sng" algn="ctr">
-                      <a:solidFill>
-                        <a:schemeClr val="tx1"/>
-                      </a:solidFill>
-                      <a:prstDash val="solid"/>
-                      <a:round/>
-                      <a:headEnd type="none" w="med" len="med"/>
-                      <a:tailEnd type="none" w="med" len="med"/>
-                    </a:lnR>
-                    <a:lnT w="12700" cap="flat" cmpd="sng" algn="ctr">
-                      <a:solidFill>
-                        <a:schemeClr val="tx1"/>
-                      </a:solidFill>
-                      <a:prstDash val="solid"/>
-                      <a:round/>
-                      <a:headEnd type="none" w="med" len="med"/>
-                      <a:tailEnd type="none" w="med" len="med"/>
-                    </a:lnT>
-                    <a:lnB w="12700" cap="flat" cmpd="sng" algn="ctr">
-                      <a:solidFill>
-                        <a:schemeClr val="tx1"/>
-                      </a:solidFill>
-                      <a:prstDash val="solid"/>
-                      <a:round/>
-                      <a:headEnd type="none" w="med" len="med"/>
-                      <a:tailEnd type="none" w="med" len="med"/>
-                    </a:lnB>
-                    <a:solidFill>
-                      <a:srgbClr val="0E3361"/>
-                    </a:solidFill>
-                  </a:tcPr>
-                </a:tc>
-                <a:tc>
-                  <a:txBody>
-                    <a:bodyPr/>
-                    <a:lstStyle/>
-                    <a:p>
-                      <a:pPr marL="0" marR="0">
-                        <a:spcBef>
-                          <a:spcPts val="0"/>
-                        </a:spcBef>
-                        <a:spcAft>
-                          <a:spcPts val="0"/>
-                        </a:spcAft>
-                      </a:pPr>
-                      <a:r>
-                        <a:rPr lang="en-US" sz="1800" b="1">
-                          <a:effectLst/>
-                        </a:rPr>
-                        <a:t>Entrega</a:t>
-                      </a:r>
-                      <a:endParaRPr lang="en-US" sz="1800" b="1" dirty="0">
-                        <a:effectLst/>
-                        <a:latin typeface="Calibri" panose="020F0502020204030204" pitchFamily="34" charset="0"/>
-                        <a:ea typeface="Calibri" panose="020F0502020204030204" pitchFamily="34" charset="0"/>
-                        <a:cs typeface="Times New Roman" panose="02020603050405020304" pitchFamily="18" charset="0"/>
-                      </a:endParaRPr>
-                    </a:p>
-                  </a:txBody>
-                  <a:tcPr marL="34673" marR="34673" marT="0" marB="0">
-                    <a:lnL w="12700" cap="flat" cmpd="sng" algn="ctr">
-                      <a:solidFill>
-                        <a:schemeClr val="tx1"/>
-                      </a:solidFill>
-                      <a:prstDash val="solid"/>
-                      <a:round/>
-                      <a:headEnd type="none" w="med" len="med"/>
-                      <a:tailEnd type="none" w="med" len="med"/>
-                    </a:lnL>
-                    <a:lnR w="12700" cap="flat" cmpd="sng" algn="ctr">
-                      <a:solidFill>
-                        <a:schemeClr val="tx1"/>
-                      </a:solidFill>
-                      <a:prstDash val="solid"/>
-                      <a:round/>
-                      <a:headEnd type="none" w="med" len="med"/>
-                      <a:tailEnd type="none" w="med" len="med"/>
-                    </a:lnR>
-                    <a:lnT w="12700" cap="flat" cmpd="sng" algn="ctr">
-                      <a:solidFill>
-                        <a:schemeClr val="tx1"/>
-                      </a:solidFill>
-                      <a:prstDash val="solid"/>
-                      <a:round/>
-                      <a:headEnd type="none" w="med" len="med"/>
-                      <a:tailEnd type="none" w="med" len="med"/>
-                    </a:lnT>
-                    <a:lnB w="12700" cap="flat" cmpd="sng" algn="ctr">
-                      <a:solidFill>
-                        <a:schemeClr val="tx1"/>
-                      </a:solidFill>
-                      <a:prstDash val="solid"/>
-                      <a:round/>
-                      <a:headEnd type="none" w="med" len="med"/>
-                      <a:tailEnd type="none" w="med" len="med"/>
-                    </a:lnB>
-                    <a:solidFill>
-                      <a:srgbClr val="0E3361"/>
-                    </a:solidFill>
-                  </a:tcPr>
-                </a:tc>
-                <a:tc>
-                  <a:txBody>
-                    <a:bodyPr/>
-                    <a:lstStyle/>
-                    <a:p>
-                      <a:pPr marL="0" marR="0" algn="ctr">
-                        <a:spcBef>
-                          <a:spcPts val="0"/>
-                        </a:spcBef>
-                        <a:spcAft>
-                          <a:spcPts val="0"/>
-                        </a:spcAft>
-                      </a:pPr>
-                      <a:r>
-                        <a:rPr lang="en-US" sz="1800" b="1" dirty="0">
-                          <a:effectLst/>
-                        </a:rPr>
-                        <a:t>Peso</a:t>
-                      </a:r>
-                      <a:endParaRPr lang="en-US" sz="1800" b="1" dirty="0">
-                        <a:effectLst/>
-                        <a:latin typeface="Calibri" panose="020F0502020204030204" pitchFamily="34" charset="0"/>
-                        <a:ea typeface="Calibri" panose="020F0502020204030204" pitchFamily="34" charset="0"/>
-                        <a:cs typeface="Times New Roman" panose="02020603050405020304" pitchFamily="18" charset="0"/>
-                      </a:endParaRPr>
-                    </a:p>
-                  </a:txBody>
-                  <a:tcPr marL="34673" marR="34673" marT="0" marB="0">
-                    <a:lnL w="12700" cap="flat" cmpd="sng" algn="ctr">
-                      <a:solidFill>
-                        <a:schemeClr val="tx1"/>
-                      </a:solidFill>
-                      <a:prstDash val="solid"/>
-                      <a:round/>
-                      <a:headEnd type="none" w="med" len="med"/>
-                      <a:tailEnd type="none" w="med" len="med"/>
-                    </a:lnL>
-                    <a:lnR w="12700" cap="flat" cmpd="sng" algn="ctr">
-                      <a:solidFill>
-                        <a:schemeClr val="tx1"/>
-                      </a:solidFill>
-                      <a:prstDash val="solid"/>
-                      <a:round/>
-                      <a:headEnd type="none" w="med" len="med"/>
-                      <a:tailEnd type="none" w="med" len="med"/>
-                    </a:lnR>
-                    <a:lnT w="12700" cap="flat" cmpd="sng" algn="ctr">
-                      <a:solidFill>
-                        <a:schemeClr val="tx1"/>
-                      </a:solidFill>
-                      <a:prstDash val="solid"/>
-                      <a:round/>
-                      <a:headEnd type="none" w="med" len="med"/>
-                      <a:tailEnd type="none" w="med" len="med"/>
-                    </a:lnT>
-                    <a:lnB w="12700" cap="flat" cmpd="sng" algn="ctr">
-                      <a:solidFill>
-                        <a:schemeClr val="tx1"/>
-                      </a:solidFill>
-                      <a:prstDash val="solid"/>
-                      <a:round/>
-                      <a:headEnd type="none" w="med" len="med"/>
-                      <a:tailEnd type="none" w="med" len="med"/>
-                    </a:lnB>
-                    <a:solidFill>
-                      <a:srgbClr val="0E3361"/>
-                    </a:solidFill>
-                  </a:tcPr>
-                </a:tc>
-                <a:extLst>
-                  <a:ext uri="{0D108BD9-81ED-4DB2-BD59-A6C34878D82A}">
-                    <a16:rowId xmlns:a16="http://schemas.microsoft.com/office/drawing/2014/main" val="1933866238"/>
-                  </a:ext>
-                </a:extLst>
-              </a:tr>
-              <a:tr h="327409">
-                <a:tc>
-                  <a:txBody>
-                    <a:bodyPr/>
-                    <a:lstStyle/>
-                    <a:p>
-                      <a:pPr marL="0" marR="0">
-                        <a:spcBef>
-                          <a:spcPts val="0"/>
-                        </a:spcBef>
-                        <a:spcAft>
-                          <a:spcPts val="0"/>
-                        </a:spcAft>
-                      </a:pPr>
-                      <a:endParaRPr lang="en-US" sz="1800" b="1" dirty="0">
-                        <a:effectLst/>
-                        <a:latin typeface="Calibri" panose="020F0502020204030204" pitchFamily="34" charset="0"/>
-                        <a:ea typeface="Calibri" panose="020F0502020204030204" pitchFamily="34" charset="0"/>
-                        <a:cs typeface="Times New Roman" panose="02020603050405020304" pitchFamily="18" charset="0"/>
-                      </a:endParaRPr>
-                    </a:p>
-                  </a:txBody>
-                  <a:tcPr marL="34673" marR="34673" marT="0" marB="0">
-                    <a:lnL w="12700" cap="flat" cmpd="sng" algn="ctr">
-                      <a:solidFill>
-                        <a:schemeClr val="tx1"/>
-                      </a:solidFill>
-                      <a:prstDash val="solid"/>
-                      <a:round/>
-                      <a:headEnd type="none" w="med" len="med"/>
-                      <a:tailEnd type="none" w="med" len="med"/>
-                    </a:lnL>
-                    <a:lnR w="12700" cap="flat" cmpd="sng" algn="ctr">
-                      <a:solidFill>
-                        <a:schemeClr val="tx1"/>
-                      </a:solidFill>
-                      <a:prstDash val="solid"/>
-                      <a:round/>
-                      <a:headEnd type="none" w="med" len="med"/>
-                      <a:tailEnd type="none" w="med" len="med"/>
-                    </a:lnR>
-                    <a:lnT w="12700" cap="flat" cmpd="sng" algn="ctr">
-                      <a:solidFill>
-                        <a:schemeClr val="tx1"/>
-                      </a:solidFill>
-                      <a:prstDash val="solid"/>
-                      <a:round/>
-                      <a:headEnd type="none" w="med" len="med"/>
-                      <a:tailEnd type="none" w="med" len="med"/>
-                    </a:lnT>
-                    <a:lnB w="12700" cap="flat" cmpd="sng" algn="ctr">
-                      <a:solidFill>
-                        <a:schemeClr val="tx1"/>
-                      </a:solidFill>
-                      <a:prstDash val="solid"/>
-                      <a:round/>
-                      <a:headEnd type="none" w="med" len="med"/>
-                      <a:tailEnd type="none" w="med" len="med"/>
-                    </a:lnB>
-                    <a:solidFill>
-                      <a:srgbClr val="0E3361"/>
-                    </a:solidFill>
-                  </a:tcPr>
-                </a:tc>
-                <a:tc>
-                  <a:txBody>
-                    <a:bodyPr/>
-                    <a:lstStyle/>
-                    <a:p>
-                      <a:pPr marL="0" marR="0">
-                        <a:spcBef>
-                          <a:spcPts val="0"/>
-                        </a:spcBef>
-                        <a:spcAft>
-                          <a:spcPts val="0"/>
-                        </a:spcAft>
-                      </a:pPr>
-                      <a:endParaRPr lang="en-US" sz="1800" b="1" dirty="0">
-                        <a:effectLst/>
-                        <a:latin typeface="Calibri" panose="020F0502020204030204" pitchFamily="34" charset="0"/>
-                        <a:ea typeface="Calibri" panose="020F0502020204030204" pitchFamily="34" charset="0"/>
-                        <a:cs typeface="Times New Roman" panose="02020603050405020304" pitchFamily="18" charset="0"/>
-                      </a:endParaRPr>
-                    </a:p>
-                  </a:txBody>
-                  <a:tcPr marL="34673" marR="34673" marT="0" marB="0">
-                    <a:lnL w="12700" cap="flat" cmpd="sng" algn="ctr">
-                      <a:solidFill>
-                        <a:schemeClr val="tx1"/>
-                      </a:solidFill>
-                      <a:prstDash val="solid"/>
-                      <a:round/>
-                      <a:headEnd type="none" w="med" len="med"/>
-                      <a:tailEnd type="none" w="med" len="med"/>
-                    </a:lnL>
-                    <a:lnR w="12700" cap="flat" cmpd="sng" algn="ctr">
-                      <a:solidFill>
-                        <a:schemeClr val="tx1"/>
-                      </a:solidFill>
-                      <a:prstDash val="solid"/>
-                      <a:round/>
-                      <a:headEnd type="none" w="med" len="med"/>
-                      <a:tailEnd type="none" w="med" len="med"/>
-                    </a:lnR>
-                    <a:lnT w="12700" cap="flat" cmpd="sng" algn="ctr">
-                      <a:solidFill>
-                        <a:schemeClr val="tx1"/>
-                      </a:solidFill>
-                      <a:prstDash val="solid"/>
-                      <a:round/>
-                      <a:headEnd type="none" w="med" len="med"/>
-                      <a:tailEnd type="none" w="med" len="med"/>
-                    </a:lnT>
-                    <a:lnB w="12700" cap="flat" cmpd="sng" algn="ctr">
-                      <a:solidFill>
-                        <a:schemeClr val="tx1"/>
-                      </a:solidFill>
-                      <a:prstDash val="solid"/>
-                      <a:round/>
-                      <a:headEnd type="none" w="med" len="med"/>
-                      <a:tailEnd type="none" w="med" len="med"/>
-                    </a:lnB>
-                    <a:solidFill>
-                      <a:srgbClr val="0E3361"/>
-                    </a:solidFill>
-                  </a:tcPr>
-                </a:tc>
-                <a:tc>
-                  <a:txBody>
-                    <a:bodyPr/>
-                    <a:lstStyle/>
-                    <a:p>
-                      <a:pPr marL="0" marR="0">
-                        <a:spcBef>
-                          <a:spcPts val="0"/>
-                        </a:spcBef>
-                        <a:spcAft>
-                          <a:spcPts val="0"/>
-                        </a:spcAft>
-                      </a:pPr>
-                      <a:endParaRPr lang="en-US" sz="1800" b="1" kern="1200" dirty="0">
-                        <a:solidFill>
-                          <a:schemeClr val="lt1"/>
-                        </a:solidFill>
-                        <a:effectLst/>
-                        <a:latin typeface="+mn-lt"/>
-                        <a:ea typeface="+mn-ea"/>
-                        <a:cs typeface="+mn-cs"/>
-                      </a:endParaRPr>
-                    </a:p>
-                  </a:txBody>
-                  <a:tcPr marL="34673" marR="34673" marT="0" marB="0">
-                    <a:lnL w="12700" cap="flat" cmpd="sng" algn="ctr">
-                      <a:solidFill>
-                        <a:schemeClr val="tx1"/>
-                      </a:solidFill>
-                      <a:prstDash val="solid"/>
-                      <a:round/>
-                      <a:headEnd type="none" w="med" len="med"/>
-                      <a:tailEnd type="none" w="med" len="med"/>
-                    </a:lnL>
-                    <a:lnR w="12700" cap="flat" cmpd="sng" algn="ctr">
-                      <a:solidFill>
-                        <a:schemeClr val="tx1"/>
-                      </a:solidFill>
-                      <a:prstDash val="solid"/>
-                      <a:round/>
-                      <a:headEnd type="none" w="med" len="med"/>
-                      <a:tailEnd type="none" w="med" len="med"/>
-                    </a:lnR>
-                    <a:lnT w="12700" cap="flat" cmpd="sng" algn="ctr">
-                      <a:solidFill>
-                        <a:schemeClr val="tx1"/>
-                      </a:solidFill>
-                      <a:prstDash val="solid"/>
-                      <a:round/>
-                      <a:headEnd type="none" w="med" len="med"/>
-                      <a:tailEnd type="none" w="med" len="med"/>
-                    </a:lnT>
-                    <a:lnB w="12700" cap="flat" cmpd="sng" algn="ctr">
-                      <a:solidFill>
-                        <a:schemeClr val="tx1"/>
-                      </a:solidFill>
-                      <a:prstDash val="solid"/>
-                      <a:round/>
-                      <a:headEnd type="none" w="med" len="med"/>
-                      <a:tailEnd type="none" w="med" len="med"/>
-                    </a:lnB>
-                    <a:solidFill>
-                      <a:srgbClr val="0E3361"/>
-                    </a:solidFill>
-                  </a:tcPr>
-                </a:tc>
-                <a:extLst>
-                  <a:ext uri="{0D108BD9-81ED-4DB2-BD59-A6C34878D82A}">
-                    <a16:rowId xmlns:a16="http://schemas.microsoft.com/office/drawing/2014/main" val="3256074724"/>
-                  </a:ext>
-                </a:extLst>
-              </a:tr>
-              <a:tr h="575311">
-                <a:tc>
-                  <a:txBody>
-                    <a:bodyPr/>
-                    <a:lstStyle/>
-                    <a:p>
-                      <a:pPr marL="0" marR="0" algn="l" defTabSz="914377" rtl="0" eaLnBrk="1" latinLnBrk="0" hangingPunct="1">
-                        <a:spcBef>
-                          <a:spcPts val="0"/>
-                        </a:spcBef>
-                        <a:spcAft>
-                          <a:spcPts val="0"/>
-                        </a:spcAft>
-                      </a:pPr>
-                      <a:r>
-                        <a:rPr lang="en-US" sz="1800" b="0" kern="1200" dirty="0" err="1">
-                          <a:solidFill>
-                            <a:schemeClr val="tx1"/>
-                          </a:solidFill>
-                          <a:effectLst/>
-                          <a:latin typeface="+mn-lt"/>
-                          <a:ea typeface="+mn-ea"/>
-                          <a:cs typeface="+mn-cs"/>
-                        </a:rPr>
-                        <a:t>Atividades</a:t>
-                      </a:r>
-                      <a:r>
-                        <a:rPr lang="en-US" sz="1800" b="0" kern="1200" dirty="0">
-                          <a:solidFill>
-                            <a:schemeClr val="tx1"/>
-                          </a:solidFill>
-                          <a:effectLst/>
-                          <a:latin typeface="+mn-lt"/>
-                          <a:ea typeface="+mn-ea"/>
-                          <a:cs typeface="+mn-cs"/>
-                        </a:rPr>
-                        <a:t> </a:t>
-                      </a:r>
-                      <a:r>
-                        <a:rPr lang="en-US" sz="1800" b="0" kern="1200" dirty="0" err="1">
-                          <a:solidFill>
-                            <a:schemeClr val="tx1"/>
-                          </a:solidFill>
-                          <a:effectLst/>
-                          <a:latin typeface="+mn-lt"/>
-                          <a:ea typeface="+mn-ea"/>
-                          <a:cs typeface="+mn-cs"/>
-                        </a:rPr>
-                        <a:t>em</a:t>
-                      </a:r>
-                      <a:r>
-                        <a:rPr lang="en-US" sz="1800" b="0" kern="1200" dirty="0">
-                          <a:solidFill>
-                            <a:schemeClr val="tx1"/>
-                          </a:solidFill>
-                          <a:effectLst/>
-                          <a:latin typeface="+mn-lt"/>
-                          <a:ea typeface="+mn-ea"/>
-                          <a:cs typeface="+mn-cs"/>
-                        </a:rPr>
-                        <a:t> </a:t>
-                      </a:r>
-                      <a:r>
-                        <a:rPr lang="en-US" sz="1800" b="0" kern="1200" dirty="0" err="1">
-                          <a:solidFill>
-                            <a:schemeClr val="tx1"/>
-                          </a:solidFill>
-                          <a:effectLst/>
-                          <a:latin typeface="+mn-lt"/>
-                          <a:ea typeface="+mn-ea"/>
-                          <a:cs typeface="+mn-cs"/>
-                        </a:rPr>
-                        <a:t>geral</a:t>
-                      </a:r>
-                      <a:endParaRPr lang="en-US" sz="1800" b="0" kern="1200" dirty="0">
-                        <a:solidFill>
-                          <a:schemeClr val="tx1"/>
-                        </a:solidFill>
-                        <a:effectLst/>
-                        <a:latin typeface="+mn-lt"/>
-                        <a:ea typeface="+mn-ea"/>
-                        <a:cs typeface="+mn-cs"/>
-                      </a:endParaRPr>
-                    </a:p>
-                  </a:txBody>
-                  <a:tcPr marL="34673" marR="34673" marT="0" marB="0">
-                    <a:lnL w="12700" cap="flat" cmpd="sng" algn="ctr">
-                      <a:solidFill>
-                        <a:schemeClr val="tx1"/>
-                      </a:solidFill>
-                      <a:prstDash val="solid"/>
-                      <a:round/>
-                      <a:headEnd type="none" w="med" len="med"/>
-                      <a:tailEnd type="none" w="med" len="med"/>
-                    </a:lnL>
-                    <a:lnR w="12700" cap="flat" cmpd="sng" algn="ctr">
-                      <a:solidFill>
-                        <a:schemeClr val="tx1"/>
-                      </a:solidFill>
-                      <a:prstDash val="solid"/>
-                      <a:round/>
-                      <a:headEnd type="none" w="med" len="med"/>
-                      <a:tailEnd type="none" w="med" len="med"/>
-                    </a:lnR>
-                    <a:lnT w="12700" cap="flat" cmpd="sng" algn="ctr">
-                      <a:solidFill>
-                        <a:schemeClr val="tx1"/>
-                      </a:solidFill>
-                      <a:prstDash val="solid"/>
-                      <a:round/>
-                      <a:headEnd type="none" w="med" len="med"/>
-                      <a:tailEnd type="none" w="med" len="med"/>
-                    </a:lnT>
-                    <a:lnB w="12700" cap="flat" cmpd="sng" algn="ctr">
-                      <a:solidFill>
-                        <a:schemeClr val="tx1"/>
-                      </a:solidFill>
-                      <a:prstDash val="solid"/>
-                      <a:round/>
-                      <a:headEnd type="none" w="med" len="med"/>
-                      <a:tailEnd type="none" w="med" len="med"/>
-                    </a:lnB>
-                    <a:solidFill>
-                      <a:srgbClr val="FFC000"/>
-                    </a:solidFill>
-                  </a:tcPr>
-                </a:tc>
-                <a:tc>
-                  <a:txBody>
-                    <a:bodyPr/>
-                    <a:lstStyle/>
-                    <a:p>
-                      <a:pPr marL="0" marR="0" algn="l" defTabSz="914377" rtl="0" eaLnBrk="1" latinLnBrk="0" hangingPunct="1">
-                        <a:spcBef>
-                          <a:spcPts val="0"/>
-                        </a:spcBef>
-                        <a:spcAft>
-                          <a:spcPts val="0"/>
-                        </a:spcAft>
-                      </a:pPr>
-                      <a:r>
-                        <a:rPr lang="en-US" sz="1800" b="0" kern="1200" dirty="0">
-                          <a:solidFill>
-                            <a:schemeClr val="tx1"/>
-                          </a:solidFill>
-                          <a:effectLst/>
-                          <a:latin typeface="+mn-lt"/>
-                          <a:ea typeface="+mn-ea"/>
-                          <a:cs typeface="+mn-cs"/>
-                        </a:rPr>
-                        <a:t>(</a:t>
-                      </a:r>
-                      <a:r>
-                        <a:rPr lang="en-US" sz="1800" b="0" kern="1200" dirty="0" err="1">
-                          <a:solidFill>
-                            <a:schemeClr val="tx1"/>
-                          </a:solidFill>
-                          <a:effectLst/>
-                          <a:latin typeface="+mn-lt"/>
-                          <a:ea typeface="+mn-ea"/>
-                          <a:cs typeface="+mn-cs"/>
-                        </a:rPr>
-                        <a:t>análises</a:t>
-                      </a:r>
-                      <a:r>
-                        <a:rPr lang="en-US" sz="1800" b="0" kern="1200" dirty="0">
-                          <a:solidFill>
-                            <a:schemeClr val="tx1"/>
-                          </a:solidFill>
-                          <a:effectLst/>
-                          <a:latin typeface="+mn-lt"/>
-                          <a:ea typeface="+mn-ea"/>
-                          <a:cs typeface="+mn-cs"/>
-                        </a:rPr>
-                        <a:t>, </a:t>
-                      </a:r>
-                      <a:r>
-                        <a:rPr lang="en-US" sz="1800" b="0" kern="1200" dirty="0" err="1">
-                          <a:solidFill>
-                            <a:schemeClr val="tx1"/>
-                          </a:solidFill>
-                          <a:effectLst/>
-                          <a:latin typeface="+mn-lt"/>
-                          <a:ea typeface="+mn-ea"/>
-                          <a:cs typeface="+mn-cs"/>
-                        </a:rPr>
-                        <a:t>textos</a:t>
-                      </a:r>
-                      <a:r>
-                        <a:rPr lang="en-US" sz="1800" b="0" kern="1200" dirty="0">
-                          <a:solidFill>
-                            <a:schemeClr val="tx1"/>
-                          </a:solidFill>
-                          <a:effectLst/>
-                          <a:latin typeface="+mn-lt"/>
-                          <a:ea typeface="+mn-ea"/>
-                          <a:cs typeface="+mn-cs"/>
-                        </a:rPr>
-                        <a:t>, quiz, </a:t>
-                      </a:r>
-                      <a:r>
-                        <a:rPr lang="en-US" sz="1800" b="0" kern="1200" dirty="0" err="1">
-                          <a:solidFill>
-                            <a:schemeClr val="tx1"/>
-                          </a:solidFill>
-                          <a:effectLst/>
-                          <a:latin typeface="+mn-lt"/>
-                          <a:ea typeface="+mn-ea"/>
-                          <a:cs typeface="+mn-cs"/>
-                        </a:rPr>
-                        <a:t>exercícios</a:t>
-                      </a:r>
-                      <a:r>
-                        <a:rPr lang="en-US" sz="1800" b="0" kern="1200" dirty="0">
-                          <a:solidFill>
-                            <a:schemeClr val="tx1"/>
-                          </a:solidFill>
-                          <a:effectLst/>
-                          <a:latin typeface="+mn-lt"/>
-                          <a:ea typeface="+mn-ea"/>
-                          <a:cs typeface="+mn-cs"/>
-                        </a:rPr>
-                        <a:t> </a:t>
-                      </a:r>
-                      <a:r>
-                        <a:rPr lang="en-US" sz="1800" b="0" kern="1200" dirty="0" err="1">
-                          <a:solidFill>
-                            <a:schemeClr val="tx1"/>
-                          </a:solidFill>
-                          <a:effectLst/>
-                          <a:latin typeface="+mn-lt"/>
-                          <a:ea typeface="+mn-ea"/>
-                          <a:cs typeface="+mn-cs"/>
-                        </a:rPr>
-                        <a:t>não</a:t>
-                      </a:r>
-                      <a:r>
-                        <a:rPr lang="en-US" sz="1800" b="0" kern="1200" dirty="0">
-                          <a:solidFill>
-                            <a:schemeClr val="tx1"/>
-                          </a:solidFill>
-                          <a:effectLst/>
-                          <a:latin typeface="+mn-lt"/>
-                          <a:ea typeface="+mn-ea"/>
-                          <a:cs typeface="+mn-cs"/>
-                        </a:rPr>
-                        <a:t> </a:t>
-                      </a:r>
-                      <a:r>
-                        <a:rPr lang="en-US" sz="1800" b="0" kern="1200" dirty="0" err="1">
-                          <a:solidFill>
-                            <a:schemeClr val="tx1"/>
-                          </a:solidFill>
-                          <a:effectLst/>
-                          <a:latin typeface="+mn-lt"/>
-                          <a:ea typeface="+mn-ea"/>
-                          <a:cs typeface="+mn-cs"/>
-                        </a:rPr>
-                        <a:t>listados</a:t>
-                      </a:r>
-                      <a:r>
-                        <a:rPr lang="en-US" sz="1800" b="0" kern="1200" dirty="0">
-                          <a:solidFill>
-                            <a:schemeClr val="tx1"/>
-                          </a:solidFill>
-                          <a:effectLst/>
-                          <a:latin typeface="+mn-lt"/>
-                          <a:ea typeface="+mn-ea"/>
-                          <a:cs typeface="+mn-cs"/>
-                        </a:rPr>
-                        <a:t> </a:t>
-                      </a:r>
-                      <a:r>
-                        <a:rPr lang="en-US" sz="1800" b="0" kern="1200" dirty="0" err="1">
-                          <a:solidFill>
-                            <a:schemeClr val="tx1"/>
-                          </a:solidFill>
-                          <a:effectLst/>
-                          <a:latin typeface="+mn-lt"/>
-                          <a:ea typeface="+mn-ea"/>
-                          <a:cs typeface="+mn-cs"/>
-                        </a:rPr>
-                        <a:t>abaixo</a:t>
-                      </a:r>
-                      <a:r>
-                        <a:rPr lang="en-US" sz="1800" b="0" kern="1200" dirty="0">
-                          <a:solidFill>
-                            <a:schemeClr val="tx1"/>
-                          </a:solidFill>
-                          <a:effectLst/>
-                          <a:latin typeface="+mn-lt"/>
-                          <a:ea typeface="+mn-ea"/>
-                          <a:cs typeface="+mn-cs"/>
-                        </a:rPr>
-                        <a:t>)</a:t>
-                      </a:r>
-                    </a:p>
-                  </a:txBody>
-                  <a:tcPr marL="34673" marR="34673" marT="0" marB="0">
-                    <a:lnL w="12700" cap="flat" cmpd="sng" algn="ctr">
-                      <a:solidFill>
-                        <a:schemeClr val="tx1"/>
-                      </a:solidFill>
-                      <a:prstDash val="solid"/>
-                      <a:round/>
-                      <a:headEnd type="none" w="med" len="med"/>
-                      <a:tailEnd type="none" w="med" len="med"/>
-                    </a:lnL>
-                    <a:lnR w="12700" cap="flat" cmpd="sng" algn="ctr">
-                      <a:solidFill>
-                        <a:schemeClr val="tx1"/>
-                      </a:solidFill>
-                      <a:prstDash val="solid"/>
-                      <a:round/>
-                      <a:headEnd type="none" w="med" len="med"/>
-                      <a:tailEnd type="none" w="med" len="med"/>
-                    </a:lnR>
-                    <a:lnT w="12700" cap="flat" cmpd="sng" algn="ctr">
-                      <a:solidFill>
-                        <a:schemeClr val="tx1"/>
-                      </a:solidFill>
-                      <a:prstDash val="solid"/>
-                      <a:round/>
-                      <a:headEnd type="none" w="med" len="med"/>
-                      <a:tailEnd type="none" w="med" len="med"/>
-                    </a:lnT>
-                    <a:lnB w="12700" cap="flat" cmpd="sng" algn="ctr">
-                      <a:solidFill>
-                        <a:schemeClr val="tx1"/>
-                      </a:solidFill>
-                      <a:prstDash val="solid"/>
-                      <a:round/>
-                      <a:headEnd type="none" w="med" len="med"/>
-                      <a:tailEnd type="none" w="med" len="med"/>
-                    </a:lnB>
-                    <a:solidFill>
-                      <a:srgbClr val="FFC000"/>
-                    </a:solidFill>
-                  </a:tcPr>
-                </a:tc>
-                <a:tc>
-                  <a:txBody>
-                    <a:bodyPr/>
-                    <a:lstStyle/>
-                    <a:p>
-                      <a:pPr marL="0" marR="0" algn="l" defTabSz="914377" rtl="0" eaLnBrk="1" latinLnBrk="0" hangingPunct="1">
-                        <a:spcBef>
-                          <a:spcPts val="0"/>
-                        </a:spcBef>
-                        <a:spcAft>
-                          <a:spcPts val="0"/>
-                        </a:spcAft>
-                      </a:pPr>
-                      <a:r>
-                        <a:rPr lang="en-US" sz="1800" b="0" kern="1200" dirty="0">
-                          <a:solidFill>
-                            <a:schemeClr val="tx1"/>
-                          </a:solidFill>
-                          <a:effectLst/>
-                          <a:latin typeface="+mn-lt"/>
-                          <a:ea typeface="+mn-ea"/>
-                          <a:cs typeface="+mn-cs"/>
-                        </a:rPr>
-                        <a:t>20%</a:t>
-                      </a:r>
-                    </a:p>
-                  </a:txBody>
-                  <a:tcPr marL="34673" marR="34673" marT="0" marB="0">
-                    <a:lnL w="12700" cap="flat" cmpd="sng" algn="ctr">
-                      <a:solidFill>
-                        <a:schemeClr val="tx1"/>
-                      </a:solidFill>
-                      <a:prstDash val="solid"/>
-                      <a:round/>
-                      <a:headEnd type="none" w="med" len="med"/>
-                      <a:tailEnd type="none" w="med" len="med"/>
-                    </a:lnL>
-                    <a:lnR w="12700" cap="flat" cmpd="sng" algn="ctr">
-                      <a:solidFill>
-                        <a:schemeClr val="tx1"/>
-                      </a:solidFill>
-                      <a:prstDash val="solid"/>
-                      <a:round/>
-                      <a:headEnd type="none" w="med" len="med"/>
-                      <a:tailEnd type="none" w="med" len="med"/>
-                    </a:lnR>
-                    <a:lnT w="12700" cap="flat" cmpd="sng" algn="ctr">
-                      <a:solidFill>
-                        <a:schemeClr val="tx1"/>
-                      </a:solidFill>
-                      <a:prstDash val="solid"/>
-                      <a:round/>
-                      <a:headEnd type="none" w="med" len="med"/>
-                      <a:tailEnd type="none" w="med" len="med"/>
-                    </a:lnT>
-                    <a:lnB w="12700" cap="flat" cmpd="sng" algn="ctr">
-                      <a:solidFill>
-                        <a:schemeClr val="tx1"/>
-                      </a:solidFill>
-                      <a:prstDash val="solid"/>
-                      <a:round/>
-                      <a:headEnd type="none" w="med" len="med"/>
-                      <a:tailEnd type="none" w="med" len="med"/>
-                    </a:lnB>
-                    <a:solidFill>
-                      <a:srgbClr val="FFC000"/>
-                    </a:solidFill>
-                  </a:tcPr>
-                </a:tc>
-                <a:extLst>
-                  <a:ext uri="{0D108BD9-81ED-4DB2-BD59-A6C34878D82A}">
-                    <a16:rowId xmlns:a16="http://schemas.microsoft.com/office/drawing/2014/main" val="3096944884"/>
-                  </a:ext>
-                </a:extLst>
-              </a:tr>
-              <a:tr h="383541">
-                <a:tc>
-                  <a:txBody>
-                    <a:bodyPr/>
-                    <a:lstStyle/>
-                    <a:p>
-                      <a:pPr marL="0" marR="0">
-                        <a:spcBef>
-                          <a:spcPts val="0"/>
-                        </a:spcBef>
-                        <a:spcAft>
-                          <a:spcPts val="0"/>
-                        </a:spcAft>
-                      </a:pPr>
-                      <a:r>
-                        <a:rPr lang="en-US" sz="1800" b="0" dirty="0" err="1">
-                          <a:solidFill>
-                            <a:schemeClr val="tx1"/>
-                          </a:solidFill>
-                          <a:effectLst/>
-                        </a:rPr>
-                        <a:t>Criação</a:t>
-                      </a:r>
-                      <a:r>
-                        <a:rPr lang="en-US" sz="1800" b="0" dirty="0">
-                          <a:solidFill>
-                            <a:schemeClr val="tx1"/>
-                          </a:solidFill>
-                          <a:effectLst/>
-                        </a:rPr>
-                        <a:t> de </a:t>
-                      </a:r>
-                      <a:r>
-                        <a:rPr lang="en-US" sz="1800" b="0" dirty="0" err="1">
-                          <a:solidFill>
-                            <a:schemeClr val="tx1"/>
-                          </a:solidFill>
-                          <a:effectLst/>
-                        </a:rPr>
-                        <a:t>projeto</a:t>
-                      </a:r>
-                      <a:endParaRPr lang="en-US" sz="1800" b="0" dirty="0">
-                        <a:solidFill>
-                          <a:schemeClr val="tx1"/>
-                        </a:solidFill>
-                        <a:effectLst/>
-                        <a:latin typeface="Calibri" panose="020F0502020204030204" pitchFamily="34" charset="0"/>
-                        <a:ea typeface="Calibri" panose="020F0502020204030204" pitchFamily="34" charset="0"/>
-                        <a:cs typeface="Times New Roman" panose="02020603050405020304" pitchFamily="18" charset="0"/>
-                      </a:endParaRPr>
-                    </a:p>
-                  </a:txBody>
-                  <a:tcPr marL="34673" marR="34673" marT="0" marB="0">
-                    <a:lnL w="12700" cap="flat" cmpd="sng" algn="ctr">
-                      <a:solidFill>
-                        <a:schemeClr val="tx1"/>
-                      </a:solidFill>
-                      <a:prstDash val="solid"/>
-                      <a:round/>
-                      <a:headEnd type="none" w="med" len="med"/>
-                      <a:tailEnd type="none" w="med" len="med"/>
-                    </a:lnL>
-                    <a:lnR w="12700" cap="flat" cmpd="sng" algn="ctr">
-                      <a:solidFill>
-                        <a:schemeClr val="tx1"/>
-                      </a:solidFill>
-                      <a:prstDash val="solid"/>
-                      <a:round/>
-                      <a:headEnd type="none" w="med" len="med"/>
-                      <a:tailEnd type="none" w="med" len="med"/>
-                    </a:lnR>
-                    <a:lnT w="12700" cap="flat" cmpd="sng" algn="ctr">
-                      <a:solidFill>
-                        <a:schemeClr val="tx1"/>
-                      </a:solidFill>
-                      <a:prstDash val="solid"/>
-                      <a:round/>
-                      <a:headEnd type="none" w="med" len="med"/>
-                      <a:tailEnd type="none" w="med" len="med"/>
-                    </a:lnT>
-                    <a:lnB w="12700" cap="flat" cmpd="sng" algn="ctr">
-                      <a:solidFill>
-                        <a:schemeClr val="tx1"/>
-                      </a:solidFill>
-                      <a:prstDash val="solid"/>
-                      <a:round/>
-                      <a:headEnd type="none" w="med" len="med"/>
-                      <a:tailEnd type="none" w="med" len="med"/>
-                    </a:lnB>
-                    <a:noFill/>
-                  </a:tcPr>
-                </a:tc>
-                <a:tc>
-                  <a:txBody>
-                    <a:bodyPr/>
-                    <a:lstStyle/>
-                    <a:p>
-                      <a:pPr marL="0" marR="0">
-                        <a:spcBef>
-                          <a:spcPts val="0"/>
-                        </a:spcBef>
-                        <a:spcAft>
-                          <a:spcPts val="0"/>
-                        </a:spcAft>
-                      </a:pPr>
-                      <a:r>
-                        <a:rPr lang="en-US" sz="1800" dirty="0" err="1">
-                          <a:solidFill>
-                            <a:schemeClr val="tx1"/>
-                          </a:solidFill>
-                          <a:effectLst/>
-                        </a:rPr>
-                        <a:t>Projeto</a:t>
-                      </a:r>
-                      <a:r>
-                        <a:rPr lang="en-US" sz="1800" dirty="0">
-                          <a:solidFill>
-                            <a:schemeClr val="tx1"/>
-                          </a:solidFill>
-                          <a:effectLst/>
-                        </a:rPr>
-                        <a:t> </a:t>
-                      </a:r>
-                      <a:r>
-                        <a:rPr lang="en-US" sz="1800" dirty="0" err="1">
-                          <a:solidFill>
-                            <a:schemeClr val="tx1"/>
-                          </a:solidFill>
-                          <a:effectLst/>
-                        </a:rPr>
-                        <a:t>criado</a:t>
-                      </a:r>
-                      <a:r>
-                        <a:rPr lang="en-US" sz="1800" dirty="0">
-                          <a:solidFill>
-                            <a:schemeClr val="tx1"/>
-                          </a:solidFill>
-                          <a:effectLst/>
-                        </a:rPr>
-                        <a:t> no GitHub + </a:t>
-                      </a:r>
-                      <a:r>
-                        <a:rPr lang="en-US" sz="1800" dirty="0" err="1">
-                          <a:solidFill>
-                            <a:schemeClr val="tx1"/>
-                          </a:solidFill>
-                          <a:effectLst/>
-                        </a:rPr>
-                        <a:t>licença</a:t>
-                      </a:r>
-                      <a:endParaRPr lang="en-US" sz="1800" dirty="0">
-                        <a:solidFill>
-                          <a:schemeClr val="tx1"/>
-                        </a:solidFill>
-                        <a:effectLst/>
-                        <a:latin typeface="Calibri" panose="020F0502020204030204" pitchFamily="34" charset="0"/>
-                        <a:ea typeface="Calibri" panose="020F0502020204030204" pitchFamily="34" charset="0"/>
-                        <a:cs typeface="Times New Roman" panose="02020603050405020304" pitchFamily="18" charset="0"/>
-                      </a:endParaRPr>
-                    </a:p>
-                  </a:txBody>
-                  <a:tcPr marL="34673" marR="34673" marT="0" marB="0">
-                    <a:lnL w="12700" cap="flat" cmpd="sng" algn="ctr">
-                      <a:solidFill>
-                        <a:schemeClr val="tx1"/>
-                      </a:solidFill>
-                      <a:prstDash val="solid"/>
-                      <a:round/>
-                      <a:headEnd type="none" w="med" len="med"/>
-                      <a:tailEnd type="none" w="med" len="med"/>
-                    </a:lnL>
-                    <a:lnR w="12700" cap="flat" cmpd="sng" algn="ctr">
-                      <a:solidFill>
-                        <a:schemeClr val="tx1"/>
-                      </a:solidFill>
-                      <a:prstDash val="solid"/>
-                      <a:round/>
-                      <a:headEnd type="none" w="med" len="med"/>
-                      <a:tailEnd type="none" w="med" len="med"/>
-                    </a:lnR>
-                    <a:lnT w="12700" cap="flat" cmpd="sng" algn="ctr">
-                      <a:solidFill>
-                        <a:schemeClr val="tx1"/>
-                      </a:solidFill>
-                      <a:prstDash val="solid"/>
-                      <a:round/>
-                      <a:headEnd type="none" w="med" len="med"/>
-                      <a:tailEnd type="none" w="med" len="med"/>
-                    </a:lnT>
-                    <a:lnB w="12700" cap="flat" cmpd="sng" algn="ctr">
-                      <a:solidFill>
-                        <a:schemeClr val="tx1"/>
-                      </a:solidFill>
-                      <a:prstDash val="solid"/>
-                      <a:round/>
-                      <a:headEnd type="none" w="med" len="med"/>
-                      <a:tailEnd type="none" w="med" len="med"/>
-                    </a:lnB>
-                    <a:noFill/>
-                  </a:tcPr>
-                </a:tc>
-                <a:tc>
-                  <a:txBody>
-                    <a:bodyPr/>
-                    <a:lstStyle/>
-                    <a:p>
-                      <a:pPr marL="0" marR="0">
-                        <a:spcBef>
-                          <a:spcPts val="0"/>
-                        </a:spcBef>
-                        <a:spcAft>
-                          <a:spcPts val="0"/>
-                        </a:spcAft>
-                      </a:pPr>
-                      <a:r>
-                        <a:rPr lang="en-US" sz="1800" dirty="0">
-                          <a:solidFill>
-                            <a:schemeClr val="tx1"/>
-                          </a:solidFill>
-                          <a:effectLst/>
-                        </a:rPr>
-                        <a:t>8%</a:t>
-                      </a:r>
-                      <a:endParaRPr lang="en-US" sz="1800" dirty="0">
-                        <a:solidFill>
-                          <a:schemeClr val="tx1"/>
-                        </a:solidFill>
-                        <a:effectLst/>
-                        <a:latin typeface="Calibri" panose="020F0502020204030204" pitchFamily="34" charset="0"/>
-                        <a:ea typeface="Calibri" panose="020F0502020204030204" pitchFamily="34" charset="0"/>
-                        <a:cs typeface="Times New Roman" panose="02020603050405020304" pitchFamily="18" charset="0"/>
-                      </a:endParaRPr>
-                    </a:p>
-                  </a:txBody>
-                  <a:tcPr marL="34673" marR="34673" marT="0" marB="0">
-                    <a:lnL w="12700" cap="flat" cmpd="sng" algn="ctr">
-                      <a:solidFill>
-                        <a:schemeClr val="tx1"/>
-                      </a:solidFill>
-                      <a:prstDash val="solid"/>
-                      <a:round/>
-                      <a:headEnd type="none" w="med" len="med"/>
-                      <a:tailEnd type="none" w="med" len="med"/>
-                    </a:lnL>
-                    <a:lnR w="12700" cap="flat" cmpd="sng" algn="ctr">
-                      <a:solidFill>
-                        <a:schemeClr val="tx1"/>
-                      </a:solidFill>
-                      <a:prstDash val="solid"/>
-                      <a:round/>
-                      <a:headEnd type="none" w="med" len="med"/>
-                      <a:tailEnd type="none" w="med" len="med"/>
-                    </a:lnR>
-                    <a:lnT w="12700" cap="flat" cmpd="sng" algn="ctr">
-                      <a:solidFill>
-                        <a:schemeClr val="tx1"/>
-                      </a:solidFill>
-                      <a:prstDash val="solid"/>
-                      <a:round/>
-                      <a:headEnd type="none" w="med" len="med"/>
-                      <a:tailEnd type="none" w="med" len="med"/>
-                    </a:lnT>
-                    <a:lnB w="12700" cap="flat" cmpd="sng" algn="ctr">
-                      <a:solidFill>
-                        <a:schemeClr val="tx1"/>
-                      </a:solidFill>
-                      <a:prstDash val="solid"/>
-                      <a:round/>
-                      <a:headEnd type="none" w="med" len="med"/>
-                      <a:tailEnd type="none" w="med" len="med"/>
-                    </a:lnB>
-                    <a:noFill/>
-                  </a:tcPr>
-                </a:tc>
-                <a:extLst>
-                  <a:ext uri="{0D108BD9-81ED-4DB2-BD59-A6C34878D82A}">
-                    <a16:rowId xmlns:a16="http://schemas.microsoft.com/office/drawing/2014/main" val="659922484"/>
-                  </a:ext>
-                </a:extLst>
-              </a:tr>
-              <a:tr h="383541">
-                <a:tc>
-                  <a:txBody>
-                    <a:bodyPr/>
-                    <a:lstStyle/>
-                    <a:p>
-                      <a:pPr marL="0" marR="0">
-                        <a:spcBef>
-                          <a:spcPts val="0"/>
-                        </a:spcBef>
-                        <a:spcAft>
-                          <a:spcPts val="0"/>
-                        </a:spcAft>
-                      </a:pPr>
-                      <a:r>
-                        <a:rPr lang="en-US" sz="1800" b="0" dirty="0" err="1">
-                          <a:solidFill>
-                            <a:schemeClr val="tx1"/>
-                          </a:solidFill>
-                          <a:effectLst/>
-                        </a:rPr>
-                        <a:t>Contribuição</a:t>
-                      </a:r>
-                      <a:r>
-                        <a:rPr lang="en-US" sz="1800" b="0" dirty="0">
-                          <a:solidFill>
-                            <a:schemeClr val="tx1"/>
-                          </a:solidFill>
-                          <a:effectLst/>
-                        </a:rPr>
-                        <a:t> para o Wikipedia</a:t>
-                      </a:r>
-                      <a:endParaRPr lang="en-US" sz="1800" b="0" dirty="0">
-                        <a:solidFill>
-                          <a:schemeClr val="tx1"/>
-                        </a:solidFill>
-                        <a:effectLst/>
-                        <a:latin typeface="Calibri" panose="020F0502020204030204" pitchFamily="34" charset="0"/>
-                        <a:ea typeface="Calibri" panose="020F0502020204030204" pitchFamily="34" charset="0"/>
-                        <a:cs typeface="Times New Roman" panose="02020603050405020304" pitchFamily="18" charset="0"/>
-                      </a:endParaRPr>
-                    </a:p>
-                  </a:txBody>
-                  <a:tcPr marL="34673" marR="34673" marT="0" marB="0">
-                    <a:lnL w="12700" cap="flat" cmpd="sng" algn="ctr">
-                      <a:solidFill>
-                        <a:schemeClr val="tx1"/>
-                      </a:solidFill>
-                      <a:prstDash val="solid"/>
-                      <a:round/>
-                      <a:headEnd type="none" w="med" len="med"/>
-                      <a:tailEnd type="none" w="med" len="med"/>
-                    </a:lnL>
-                    <a:lnR w="12700" cap="flat" cmpd="sng" algn="ctr">
-                      <a:solidFill>
-                        <a:schemeClr val="tx1"/>
-                      </a:solidFill>
-                      <a:prstDash val="solid"/>
-                      <a:round/>
-                      <a:headEnd type="none" w="med" len="med"/>
-                      <a:tailEnd type="none" w="med" len="med"/>
-                    </a:lnR>
-                    <a:lnT w="12700" cap="flat" cmpd="sng" algn="ctr">
-                      <a:solidFill>
-                        <a:schemeClr val="tx1"/>
-                      </a:solidFill>
-                      <a:prstDash val="solid"/>
-                      <a:round/>
-                      <a:headEnd type="none" w="med" len="med"/>
-                      <a:tailEnd type="none" w="med" len="med"/>
-                    </a:lnT>
-                    <a:lnB w="12700" cap="flat" cmpd="sng" algn="ctr">
-                      <a:solidFill>
-                        <a:schemeClr val="tx1"/>
-                      </a:solidFill>
-                      <a:prstDash val="solid"/>
-                      <a:round/>
-                      <a:headEnd type="none" w="med" len="med"/>
-                      <a:tailEnd type="none" w="med" len="med"/>
-                    </a:lnB>
-                    <a:solidFill>
-                      <a:srgbClr val="FFC000"/>
-                    </a:solidFill>
-                  </a:tcPr>
-                </a:tc>
-                <a:tc>
-                  <a:txBody>
-                    <a:bodyPr/>
-                    <a:lstStyle/>
-                    <a:p>
-                      <a:pPr marL="0" marR="0">
-                        <a:spcBef>
-                          <a:spcPts val="0"/>
-                        </a:spcBef>
-                        <a:spcAft>
-                          <a:spcPts val="0"/>
-                        </a:spcAft>
-                      </a:pPr>
-                      <a:endParaRPr lang="en-US" sz="1800" dirty="0">
-                        <a:solidFill>
-                          <a:schemeClr val="tx1"/>
-                        </a:solidFill>
-                        <a:effectLst/>
-                        <a:latin typeface="Calibri" panose="020F0502020204030204" pitchFamily="34" charset="0"/>
-                        <a:ea typeface="Calibri" panose="020F0502020204030204" pitchFamily="34" charset="0"/>
-                        <a:cs typeface="Times New Roman" panose="02020603050405020304" pitchFamily="18" charset="0"/>
-                      </a:endParaRPr>
-                    </a:p>
-                  </a:txBody>
-                  <a:tcPr marL="34673" marR="34673" marT="0" marB="0">
-                    <a:lnL w="12700" cap="flat" cmpd="sng" algn="ctr">
-                      <a:solidFill>
-                        <a:schemeClr val="tx1"/>
-                      </a:solidFill>
-                      <a:prstDash val="solid"/>
-                      <a:round/>
-                      <a:headEnd type="none" w="med" len="med"/>
-                      <a:tailEnd type="none" w="med" len="med"/>
-                    </a:lnL>
-                    <a:lnR w="12700" cap="flat" cmpd="sng" algn="ctr">
-                      <a:solidFill>
-                        <a:schemeClr val="tx1"/>
-                      </a:solidFill>
-                      <a:prstDash val="solid"/>
-                      <a:round/>
-                      <a:headEnd type="none" w="med" len="med"/>
-                      <a:tailEnd type="none" w="med" len="med"/>
-                    </a:lnR>
-                    <a:lnT w="12700" cap="flat" cmpd="sng" algn="ctr">
-                      <a:solidFill>
-                        <a:schemeClr val="tx1"/>
-                      </a:solidFill>
-                      <a:prstDash val="solid"/>
-                      <a:round/>
-                      <a:headEnd type="none" w="med" len="med"/>
-                      <a:tailEnd type="none" w="med" len="med"/>
-                    </a:lnT>
-                    <a:lnB w="12700" cap="flat" cmpd="sng" algn="ctr">
-                      <a:solidFill>
-                        <a:schemeClr val="tx1"/>
-                      </a:solidFill>
-                      <a:prstDash val="solid"/>
-                      <a:round/>
-                      <a:headEnd type="none" w="med" len="med"/>
-                      <a:tailEnd type="none" w="med" len="med"/>
-                    </a:lnB>
-                    <a:solidFill>
-                      <a:srgbClr val="FFC000"/>
-                    </a:solidFill>
-                  </a:tcPr>
-                </a:tc>
-                <a:tc>
-                  <a:txBody>
-                    <a:bodyPr/>
-                    <a:lstStyle/>
-                    <a:p>
-                      <a:pPr marL="0" marR="0">
-                        <a:spcBef>
-                          <a:spcPts val="0"/>
-                        </a:spcBef>
-                        <a:spcAft>
-                          <a:spcPts val="0"/>
-                        </a:spcAft>
-                      </a:pPr>
-                      <a:r>
-                        <a:rPr lang="en-US" sz="1800" dirty="0">
-                          <a:solidFill>
-                            <a:schemeClr val="tx1"/>
-                          </a:solidFill>
-                          <a:effectLst/>
-                        </a:rPr>
-                        <a:t>5%</a:t>
-                      </a:r>
-                      <a:endParaRPr lang="en-US" sz="1800" dirty="0">
-                        <a:solidFill>
-                          <a:schemeClr val="tx1"/>
-                        </a:solidFill>
-                        <a:effectLst/>
-                        <a:latin typeface="Calibri" panose="020F0502020204030204" pitchFamily="34" charset="0"/>
-                        <a:ea typeface="Calibri" panose="020F0502020204030204" pitchFamily="34" charset="0"/>
-                        <a:cs typeface="Times New Roman" panose="02020603050405020304" pitchFamily="18" charset="0"/>
-                      </a:endParaRPr>
-                    </a:p>
-                  </a:txBody>
-                  <a:tcPr marL="34673" marR="34673" marT="0" marB="0">
-                    <a:lnL w="12700" cap="flat" cmpd="sng" algn="ctr">
-                      <a:solidFill>
-                        <a:schemeClr val="tx1"/>
-                      </a:solidFill>
-                      <a:prstDash val="solid"/>
-                      <a:round/>
-                      <a:headEnd type="none" w="med" len="med"/>
-                      <a:tailEnd type="none" w="med" len="med"/>
-                    </a:lnL>
-                    <a:lnR w="12700" cap="flat" cmpd="sng" algn="ctr">
-                      <a:solidFill>
-                        <a:schemeClr val="tx1"/>
-                      </a:solidFill>
-                      <a:prstDash val="solid"/>
-                      <a:round/>
-                      <a:headEnd type="none" w="med" len="med"/>
-                      <a:tailEnd type="none" w="med" len="med"/>
-                    </a:lnR>
-                    <a:lnT w="12700" cap="flat" cmpd="sng" algn="ctr">
-                      <a:solidFill>
-                        <a:schemeClr val="tx1"/>
-                      </a:solidFill>
-                      <a:prstDash val="solid"/>
-                      <a:round/>
-                      <a:headEnd type="none" w="med" len="med"/>
-                      <a:tailEnd type="none" w="med" len="med"/>
-                    </a:lnT>
-                    <a:lnB w="12700" cap="flat" cmpd="sng" algn="ctr">
-                      <a:solidFill>
-                        <a:schemeClr val="tx1"/>
-                      </a:solidFill>
-                      <a:prstDash val="solid"/>
-                      <a:round/>
-                      <a:headEnd type="none" w="med" len="med"/>
-                      <a:tailEnd type="none" w="med" len="med"/>
-                    </a:lnB>
-                    <a:solidFill>
-                      <a:srgbClr val="FFC000"/>
-                    </a:solidFill>
-                  </a:tcPr>
-                </a:tc>
-                <a:extLst>
-                  <a:ext uri="{0D108BD9-81ED-4DB2-BD59-A6C34878D82A}">
-                    <a16:rowId xmlns:a16="http://schemas.microsoft.com/office/drawing/2014/main" val="290535147"/>
-                  </a:ext>
-                </a:extLst>
-              </a:tr>
-              <a:tr h="479425">
-                <a:tc>
-                  <a:txBody>
-                    <a:bodyPr/>
-                    <a:lstStyle/>
-                    <a:p>
-                      <a:pPr marL="0" marR="0">
-                        <a:spcBef>
-                          <a:spcPts val="0"/>
-                        </a:spcBef>
-                        <a:spcAft>
-                          <a:spcPts val="0"/>
-                        </a:spcAft>
-                      </a:pPr>
-                      <a:r>
-                        <a:rPr lang="en-US" sz="1800" b="0" dirty="0">
-                          <a:solidFill>
-                            <a:schemeClr val="tx1"/>
-                          </a:solidFill>
-                          <a:effectLst/>
-                        </a:rPr>
-                        <a:t>Code review</a:t>
-                      </a:r>
-                      <a:endParaRPr lang="en-US" sz="1800" b="0" dirty="0">
-                        <a:solidFill>
-                          <a:schemeClr val="tx1"/>
-                        </a:solidFill>
-                        <a:effectLst/>
-                        <a:latin typeface="Calibri" panose="020F0502020204030204" pitchFamily="34" charset="0"/>
-                        <a:ea typeface="Calibri" panose="020F0502020204030204" pitchFamily="34" charset="0"/>
-                        <a:cs typeface="Times New Roman" panose="02020603050405020304" pitchFamily="18" charset="0"/>
-                      </a:endParaRPr>
-                    </a:p>
-                  </a:txBody>
-                  <a:tcPr marL="34673" marR="34673" marT="0" marB="0">
-                    <a:lnL w="12700" cap="flat" cmpd="sng" algn="ctr">
-                      <a:solidFill>
-                        <a:schemeClr val="tx1"/>
-                      </a:solidFill>
-                      <a:prstDash val="solid"/>
-                      <a:round/>
-                      <a:headEnd type="none" w="med" len="med"/>
-                      <a:tailEnd type="none" w="med" len="med"/>
-                    </a:lnL>
-                    <a:lnR w="12700" cap="flat" cmpd="sng" algn="ctr">
-                      <a:solidFill>
-                        <a:schemeClr val="tx1"/>
-                      </a:solidFill>
-                      <a:prstDash val="solid"/>
-                      <a:round/>
-                      <a:headEnd type="none" w="med" len="med"/>
-                      <a:tailEnd type="none" w="med" len="med"/>
-                    </a:lnR>
-                    <a:lnT w="12700" cap="flat" cmpd="sng" algn="ctr">
-                      <a:solidFill>
-                        <a:schemeClr val="tx1"/>
-                      </a:solidFill>
-                      <a:prstDash val="solid"/>
-                      <a:round/>
-                      <a:headEnd type="none" w="med" len="med"/>
-                      <a:tailEnd type="none" w="med" len="med"/>
-                    </a:lnT>
-                    <a:lnB w="28575" cap="flat" cmpd="sng" algn="ctr">
-                      <a:solidFill>
-                        <a:schemeClr val="tx1"/>
-                      </a:solidFill>
-                      <a:prstDash val="solid"/>
-                      <a:round/>
-                      <a:headEnd type="none" w="med" len="med"/>
-                      <a:tailEnd type="none" w="med" len="med"/>
-                    </a:lnB>
-                    <a:noFill/>
-                  </a:tcPr>
-                </a:tc>
-                <a:tc>
-                  <a:txBody>
-                    <a:bodyPr/>
-                    <a:lstStyle/>
-                    <a:p>
-                      <a:pPr marL="0" marR="0">
-                        <a:spcBef>
-                          <a:spcPts val="0"/>
-                        </a:spcBef>
-                        <a:spcAft>
-                          <a:spcPts val="0"/>
-                        </a:spcAft>
-                      </a:pPr>
-                      <a:r>
-                        <a:rPr lang="en-US" sz="1800" dirty="0">
-                          <a:solidFill>
-                            <a:schemeClr val="tx1"/>
-                          </a:solidFill>
-                          <a:effectLst/>
-                          <a:latin typeface="Calibri" panose="020F0502020204030204" pitchFamily="34" charset="0"/>
-                          <a:ea typeface="Calibri" panose="020F0502020204030204" pitchFamily="34" charset="0"/>
-                          <a:cs typeface="Times New Roman" panose="02020603050405020304" pitchFamily="18" charset="0"/>
-                        </a:rPr>
-                        <a:t>Código/</a:t>
-                      </a:r>
-                      <a:r>
-                        <a:rPr lang="en-US" sz="1800" dirty="0" err="1">
-                          <a:solidFill>
-                            <a:schemeClr val="tx1"/>
-                          </a:solidFill>
-                          <a:effectLst/>
-                          <a:latin typeface="Calibri" panose="020F0502020204030204" pitchFamily="34" charset="0"/>
-                          <a:ea typeface="Calibri" panose="020F0502020204030204" pitchFamily="34" charset="0"/>
-                          <a:cs typeface="Times New Roman" panose="02020603050405020304" pitchFamily="18" charset="0"/>
-                        </a:rPr>
-                        <a:t>revisão</a:t>
-                      </a:r>
-                      <a:r>
-                        <a:rPr lang="en-US" sz="1800" dirty="0">
-                          <a:solidFill>
-                            <a:schemeClr val="tx1"/>
-                          </a:solidFill>
-                          <a:effectLst/>
-                          <a:latin typeface="Calibri" panose="020F0502020204030204" pitchFamily="34" charset="0"/>
-                          <a:ea typeface="Calibri" panose="020F0502020204030204" pitchFamily="34" charset="0"/>
-                          <a:cs typeface="Times New Roman" panose="02020603050405020304" pitchFamily="18" charset="0"/>
-                        </a:rPr>
-                        <a:t>/</a:t>
-                      </a:r>
-                      <a:r>
-                        <a:rPr lang="en-US" sz="1800" dirty="0" err="1">
-                          <a:solidFill>
-                            <a:schemeClr val="tx1"/>
-                          </a:solidFill>
-                          <a:effectLst/>
-                          <a:latin typeface="Calibri" panose="020F0502020204030204" pitchFamily="34" charset="0"/>
-                          <a:ea typeface="Calibri" panose="020F0502020204030204" pitchFamily="34" charset="0"/>
-                          <a:cs typeface="Times New Roman" panose="02020603050405020304" pitchFamily="18" charset="0"/>
-                        </a:rPr>
-                        <a:t>correção</a:t>
-                      </a:r>
-                      <a:endParaRPr lang="en-US" sz="1800" dirty="0">
-                        <a:solidFill>
-                          <a:schemeClr val="tx1"/>
-                        </a:solidFill>
-                        <a:effectLst/>
-                        <a:latin typeface="Calibri" panose="020F0502020204030204" pitchFamily="34" charset="0"/>
-                        <a:ea typeface="Calibri" panose="020F0502020204030204" pitchFamily="34" charset="0"/>
-                        <a:cs typeface="Times New Roman" panose="02020603050405020304" pitchFamily="18" charset="0"/>
-                      </a:endParaRPr>
-                    </a:p>
-                  </a:txBody>
-                  <a:tcPr marL="34673" marR="34673" marT="0" marB="0">
-                    <a:lnL w="12700" cap="flat" cmpd="sng" algn="ctr">
-                      <a:solidFill>
-                        <a:schemeClr val="tx1"/>
-                      </a:solidFill>
-                      <a:prstDash val="solid"/>
-                      <a:round/>
-                      <a:headEnd type="none" w="med" len="med"/>
-                      <a:tailEnd type="none" w="med" len="med"/>
-                    </a:lnL>
-                    <a:lnR w="12700" cap="flat" cmpd="sng" algn="ctr">
-                      <a:solidFill>
-                        <a:schemeClr val="tx1"/>
-                      </a:solidFill>
-                      <a:prstDash val="solid"/>
-                      <a:round/>
-                      <a:headEnd type="none" w="med" len="med"/>
-                      <a:tailEnd type="none" w="med" len="med"/>
-                    </a:lnR>
-                    <a:lnT w="12700" cap="flat" cmpd="sng" algn="ctr">
-                      <a:solidFill>
-                        <a:schemeClr val="tx1"/>
-                      </a:solidFill>
-                      <a:prstDash val="solid"/>
-                      <a:round/>
-                      <a:headEnd type="none" w="med" len="med"/>
-                      <a:tailEnd type="none" w="med" len="med"/>
-                    </a:lnT>
-                    <a:lnB w="28575" cap="flat" cmpd="sng" algn="ctr">
-                      <a:solidFill>
-                        <a:schemeClr val="tx1"/>
-                      </a:solidFill>
-                      <a:prstDash val="solid"/>
-                      <a:round/>
-                      <a:headEnd type="none" w="med" len="med"/>
-                      <a:tailEnd type="none" w="med" len="med"/>
-                    </a:lnB>
-                    <a:noFill/>
-                  </a:tcPr>
-                </a:tc>
-                <a:tc>
-                  <a:txBody>
-                    <a:bodyPr/>
-                    <a:lstStyle/>
-                    <a:p>
-                      <a:pPr marL="0" marR="0">
-                        <a:spcBef>
-                          <a:spcPts val="0"/>
-                        </a:spcBef>
-                        <a:spcAft>
-                          <a:spcPts val="0"/>
-                        </a:spcAft>
-                      </a:pPr>
-                      <a:r>
-                        <a:rPr lang="en-US" sz="1800" dirty="0">
-                          <a:solidFill>
-                            <a:schemeClr val="tx1"/>
-                          </a:solidFill>
-                          <a:effectLst/>
-                        </a:rPr>
-                        <a:t>7%</a:t>
-                      </a:r>
-                      <a:endParaRPr lang="en-US" sz="1800" dirty="0">
-                        <a:solidFill>
-                          <a:schemeClr val="tx1"/>
-                        </a:solidFill>
-                        <a:effectLst/>
-                        <a:latin typeface="Calibri" panose="020F0502020204030204" pitchFamily="34" charset="0"/>
-                        <a:ea typeface="Calibri" panose="020F0502020204030204" pitchFamily="34" charset="0"/>
-                        <a:cs typeface="Times New Roman" panose="02020603050405020304" pitchFamily="18" charset="0"/>
-                      </a:endParaRPr>
-                    </a:p>
-                  </a:txBody>
-                  <a:tcPr marL="34673" marR="34673" marT="0" marB="0">
-                    <a:lnL w="12700" cap="flat" cmpd="sng" algn="ctr">
-                      <a:solidFill>
-                        <a:schemeClr val="tx1"/>
-                      </a:solidFill>
-                      <a:prstDash val="solid"/>
-                      <a:round/>
-                      <a:headEnd type="none" w="med" len="med"/>
-                      <a:tailEnd type="none" w="med" len="med"/>
-                    </a:lnL>
-                    <a:lnR w="12700" cap="flat" cmpd="sng" algn="ctr">
-                      <a:solidFill>
-                        <a:schemeClr val="tx1"/>
-                      </a:solidFill>
-                      <a:prstDash val="solid"/>
-                      <a:round/>
-                      <a:headEnd type="none" w="med" len="med"/>
-                      <a:tailEnd type="none" w="med" len="med"/>
-                    </a:lnR>
-                    <a:lnT w="12700" cap="flat" cmpd="sng" algn="ctr">
-                      <a:solidFill>
-                        <a:schemeClr val="tx1"/>
-                      </a:solidFill>
-                      <a:prstDash val="solid"/>
-                      <a:round/>
-                      <a:headEnd type="none" w="med" len="med"/>
-                      <a:tailEnd type="none" w="med" len="med"/>
-                    </a:lnT>
-                    <a:lnB w="28575" cap="flat" cmpd="sng" algn="ctr">
-                      <a:solidFill>
-                        <a:schemeClr val="tx1"/>
-                      </a:solidFill>
-                      <a:prstDash val="solid"/>
-                      <a:round/>
-                      <a:headEnd type="none" w="med" len="med"/>
-                      <a:tailEnd type="none" w="med" len="med"/>
-                    </a:lnB>
-                    <a:noFill/>
-                  </a:tcPr>
-                </a:tc>
-                <a:extLst>
-                  <a:ext uri="{0D108BD9-81ED-4DB2-BD59-A6C34878D82A}">
-                    <a16:rowId xmlns:a16="http://schemas.microsoft.com/office/drawing/2014/main" val="518318919"/>
-                  </a:ext>
-                </a:extLst>
-              </a:tr>
-            </a:tbl>
-          </a:graphicData>
-        </a:graphic>
-      </p:graphicFrame>
+        </p:nvSpPr>
+        <p:spPr/>
+        <p:txBody>
+          <a:bodyPr/>
+          <a:lstStyle/>
+          <a:p>
+            <a:r>
+              <a:rPr lang="en-US" b="1" dirty="0" err="1"/>
+              <a:t>Submissões</a:t>
+            </a:r>
+            <a:r>
+              <a:rPr lang="en-US" b="1" dirty="0"/>
+              <a:t> </a:t>
+            </a:r>
+            <a:r>
+              <a:rPr lang="en-US" b="1" dirty="0" err="1"/>
+              <a:t>atrasadas</a:t>
+            </a:r>
+            <a:endParaRPr lang="en-US" b="1" dirty="0"/>
+          </a:p>
+          <a:p>
+            <a:pPr lvl="1"/>
+            <a:r>
+              <a:rPr lang="en-US" dirty="0" err="1"/>
+              <a:t>Não</a:t>
+            </a:r>
+            <a:r>
+              <a:rPr lang="en-US" dirty="0"/>
+              <a:t> </a:t>
+            </a:r>
+            <a:r>
+              <a:rPr lang="en-US" dirty="0" err="1"/>
+              <a:t>serão</a:t>
+            </a:r>
+            <a:r>
+              <a:rPr lang="en-US" dirty="0"/>
+              <a:t> </a:t>
+            </a:r>
+            <a:r>
+              <a:rPr lang="en-US" dirty="0" err="1"/>
+              <a:t>aceitas</a:t>
+            </a:r>
+            <a:r>
+              <a:rPr lang="en-US" dirty="0"/>
+              <a:t>.</a:t>
+            </a:r>
+          </a:p>
+          <a:p>
+            <a:pPr marL="457188" lvl="1" indent="0">
+              <a:buNone/>
+            </a:pPr>
+            <a:endParaRPr lang="en-US" dirty="0"/>
+          </a:p>
+          <a:p>
+            <a:r>
+              <a:rPr lang="en-US" b="1" dirty="0" err="1"/>
+              <a:t>Atividades</a:t>
+            </a:r>
+            <a:r>
+              <a:rPr lang="en-US" b="1" dirty="0"/>
+              <a:t> </a:t>
+            </a:r>
+            <a:r>
+              <a:rPr lang="en-US" b="1" dirty="0" err="1"/>
+              <a:t>em</a:t>
+            </a:r>
+            <a:r>
+              <a:rPr lang="en-US" b="1" dirty="0"/>
+              <a:t> </a:t>
+            </a:r>
+            <a:r>
+              <a:rPr lang="en-US" b="1" dirty="0" err="1"/>
+              <a:t>sala</a:t>
+            </a:r>
+            <a:endParaRPr lang="en-US" b="1" dirty="0"/>
+          </a:p>
+          <a:p>
+            <a:pPr lvl="1"/>
+            <a:r>
+              <a:rPr lang="en-US" dirty="0" err="1"/>
+              <a:t>Não</a:t>
+            </a:r>
+            <a:r>
+              <a:rPr lang="en-US" dirty="0"/>
+              <a:t> </a:t>
+            </a:r>
+            <a:r>
+              <a:rPr lang="en-US" dirty="0" err="1"/>
+              <a:t>existe</a:t>
+            </a:r>
+            <a:r>
+              <a:rPr lang="en-US" dirty="0"/>
+              <a:t> </a:t>
+            </a:r>
+            <a:r>
+              <a:rPr lang="en-US" dirty="0" err="1"/>
+              <a:t>segunda</a:t>
+            </a:r>
+            <a:r>
+              <a:rPr lang="en-US" dirty="0"/>
+              <a:t> chance </a:t>
+            </a:r>
+            <a:r>
+              <a:rPr lang="en-US" dirty="0" err="1"/>
+              <a:t>sem</a:t>
+            </a:r>
+            <a:r>
+              <a:rPr lang="en-US" dirty="0"/>
+              <a:t> </a:t>
+            </a:r>
+            <a:r>
+              <a:rPr lang="en-US" dirty="0" err="1"/>
+              <a:t>justificativa</a:t>
+            </a:r>
+            <a:r>
+              <a:rPr lang="en-US" dirty="0"/>
+              <a:t> </a:t>
+            </a:r>
+            <a:r>
+              <a:rPr lang="en-US" dirty="0" err="1"/>
+              <a:t>plausível</a:t>
+            </a:r>
+            <a:endParaRPr lang="en-US" dirty="0"/>
+          </a:p>
+          <a:p>
+            <a:pPr marL="457188" lvl="1" indent="0">
+              <a:buNone/>
+            </a:pPr>
+            <a:endParaRPr lang="en-US" dirty="0"/>
+          </a:p>
+          <a:p>
+            <a:r>
+              <a:rPr lang="en-US" b="1" dirty="0" err="1"/>
+              <a:t>Vai</a:t>
+            </a:r>
+            <a:r>
+              <a:rPr lang="en-US" b="1" dirty="0"/>
+              <a:t> </a:t>
+            </a:r>
+            <a:r>
+              <a:rPr lang="en-US" b="1" dirty="0" err="1"/>
+              <a:t>faltar</a:t>
+            </a:r>
+            <a:r>
+              <a:rPr lang="en-US" b="1" dirty="0"/>
+              <a:t>?</a:t>
+            </a:r>
+          </a:p>
+          <a:p>
+            <a:pPr lvl="1"/>
+            <a:r>
+              <a:rPr lang="en-US" dirty="0"/>
+              <a:t>Me </a:t>
+            </a:r>
+            <a:r>
+              <a:rPr lang="en-US" dirty="0" err="1"/>
+              <a:t>avise</a:t>
+            </a:r>
+            <a:r>
+              <a:rPr lang="en-US" dirty="0"/>
+              <a:t> antes</a:t>
+            </a:r>
+          </a:p>
+          <a:p>
+            <a:pPr lvl="1"/>
+            <a:endParaRPr lang="en-US" dirty="0"/>
+          </a:p>
+        </p:txBody>
+      </p:sp>
       <p:sp>
         <p:nvSpPr>
           <p:cNvPr id="4" name="Slide Number Placeholder 3">
@@ -15105,7 +16070,7 @@
     </p:spTree>
     <p:extLst>
       <p:ext uri="{BB962C8B-B14F-4D97-AF65-F5344CB8AC3E}">
-        <p14:creationId xmlns:p14="http://schemas.microsoft.com/office/powerpoint/2010/main" val="3412484968"/>
+        <p14:creationId xmlns:p14="http://schemas.microsoft.com/office/powerpoint/2010/main" val="1911756747"/>
       </p:ext>
     </p:extLst>
   </p:cSld>

--- a/notes/Lecture_01.pptx
+++ b/notes/Lecture_01.pptx
@@ -5,10 +5,10 @@
     <p:sldMasterId id="2147483777" r:id="rId1"/>
   </p:sldMasterIdLst>
   <p:notesMasterIdLst>
-    <p:notesMasterId r:id="rId13"/>
+    <p:notesMasterId r:id="rId14"/>
   </p:notesMasterIdLst>
   <p:handoutMasterIdLst>
-    <p:handoutMasterId r:id="rId14"/>
+    <p:handoutMasterId r:id="rId15"/>
   </p:handoutMasterIdLst>
   <p:sldIdLst>
     <p:sldId id="256" r:id="rId2"/>
@@ -22,6 +22,7 @@
     <p:sldId id="262" r:id="rId10"/>
     <p:sldId id="263" r:id="rId11"/>
     <p:sldId id="266" r:id="rId12"/>
+    <p:sldId id="270" r:id="rId13"/>
   </p:sldIdLst>
   <p:sldSz cx="9144000" cy="6858000" type="screen4x3"/>
   <p:notesSz cx="7010400" cy="9296400"/>
@@ -929,6 +930,546 @@
           <a:bodyPr/>
           <a:lstStyle/>
           <a:p>
+            <a:endParaRPr lang="en-US"/>
+          </a:p>
+        </p:txBody>
+      </p:sp>
+      <p:sp>
+        <p:nvSpPr>
+          <p:cNvPr id="4" name="Slide Number Placeholder 3"/>
+          <p:cNvSpPr>
+            <a:spLocks noGrp="1"/>
+          </p:cNvSpPr>
+          <p:nvPr>
+            <p:ph type="sldNum" sz="quarter" idx="5"/>
+          </p:nvPr>
+        </p:nvSpPr>
+        <p:spPr/>
+        <p:txBody>
+          <a:bodyPr/>
+          <a:lstStyle/>
+          <a:p>
+            <a:pPr>
+              <a:defRPr/>
+            </a:pPr>
+            <a:fld id="{DB9721C8-080E-4AE7-89F7-915173249943}" type="slidenum">
+              <a:rPr lang="en-US" smtClean="0"/>
+              <a:pPr>
+                <a:defRPr/>
+              </a:pPr>
+              <a:t>1</a:t>
+            </a:fld>
+            <a:endParaRPr lang="en-US"/>
+          </a:p>
+        </p:txBody>
+      </p:sp>
+    </p:spTree>
+    <p:extLst>
+      <p:ext uri="{BB962C8B-B14F-4D97-AF65-F5344CB8AC3E}">
+        <p14:creationId xmlns:p14="http://schemas.microsoft.com/office/powerpoint/2010/main" val="1102556957"/>
+      </p:ext>
+    </p:extLst>
+  </p:cSld>
+  <p:clrMapOvr>
+    <a:masterClrMapping/>
+  </p:clrMapOvr>
+</p:notes>
+</file>
+
+<file path=ppt/notesSlides/notesSlide10.xml><?xml version="1.0" encoding="utf-8"?>
+<p:notes xmlns:a="http://schemas.openxmlformats.org/drawingml/2006/main" xmlns:r="http://schemas.openxmlformats.org/officeDocument/2006/relationships" xmlns:p="http://schemas.openxmlformats.org/presentationml/2006/main">
+  <p:cSld>
+    <p:spTree>
+      <p:nvGrpSpPr>
+        <p:cNvPr id="1" name=""/>
+        <p:cNvGrpSpPr/>
+        <p:nvPr/>
+      </p:nvGrpSpPr>
+      <p:grpSpPr>
+        <a:xfrm>
+          <a:off x="0" y="0"/>
+          <a:ext cx="0" cy="0"/>
+          <a:chOff x="0" y="0"/>
+          <a:chExt cx="0" cy="0"/>
+        </a:xfrm>
+      </p:grpSpPr>
+      <p:sp>
+        <p:nvSpPr>
+          <p:cNvPr id="2" name="Slide Image Placeholder 1"/>
+          <p:cNvSpPr>
+            <a:spLocks noGrp="1" noRot="1" noChangeAspect="1"/>
+          </p:cNvSpPr>
+          <p:nvPr>
+            <p:ph type="sldImg"/>
+          </p:nvPr>
+        </p:nvSpPr>
+        <p:spPr/>
+      </p:sp>
+      <p:sp>
+        <p:nvSpPr>
+          <p:cNvPr id="3" name="Notes Placeholder 2"/>
+          <p:cNvSpPr>
+            <a:spLocks noGrp="1"/>
+          </p:cNvSpPr>
+          <p:nvPr>
+            <p:ph type="body" idx="1"/>
+          </p:nvPr>
+        </p:nvSpPr>
+        <p:spPr/>
+        <p:txBody>
+          <a:bodyPr/>
+          <a:lstStyle/>
+          <a:p>
+            <a:endParaRPr lang="en-US"/>
+          </a:p>
+        </p:txBody>
+      </p:sp>
+      <p:sp>
+        <p:nvSpPr>
+          <p:cNvPr id="4" name="Slide Number Placeholder 3"/>
+          <p:cNvSpPr>
+            <a:spLocks noGrp="1"/>
+          </p:cNvSpPr>
+          <p:nvPr>
+            <p:ph type="sldNum" sz="quarter" idx="5"/>
+          </p:nvPr>
+        </p:nvSpPr>
+        <p:spPr/>
+        <p:txBody>
+          <a:bodyPr/>
+          <a:lstStyle/>
+          <a:p>
+            <a:pPr>
+              <a:defRPr/>
+            </a:pPr>
+            <a:fld id="{DB9721C8-080E-4AE7-89F7-915173249943}" type="slidenum">
+              <a:rPr lang="en-US" smtClean="0"/>
+              <a:pPr>
+                <a:defRPr/>
+              </a:pPr>
+              <a:t>10</a:t>
+            </a:fld>
+            <a:endParaRPr lang="en-US"/>
+          </a:p>
+        </p:txBody>
+      </p:sp>
+    </p:spTree>
+    <p:extLst>
+      <p:ext uri="{BB962C8B-B14F-4D97-AF65-F5344CB8AC3E}">
+        <p14:creationId xmlns:p14="http://schemas.microsoft.com/office/powerpoint/2010/main" val="3824730554"/>
+      </p:ext>
+    </p:extLst>
+  </p:cSld>
+  <p:clrMapOvr>
+    <a:masterClrMapping/>
+  </p:clrMapOvr>
+</p:notes>
+</file>
+
+<file path=ppt/notesSlides/notesSlide11.xml><?xml version="1.0" encoding="utf-8"?>
+<p:notes xmlns:a="http://schemas.openxmlformats.org/drawingml/2006/main" xmlns:r="http://schemas.openxmlformats.org/officeDocument/2006/relationships" xmlns:p="http://schemas.openxmlformats.org/presentationml/2006/main">
+  <p:cSld>
+    <p:spTree>
+      <p:nvGrpSpPr>
+        <p:cNvPr id="1" name=""/>
+        <p:cNvGrpSpPr/>
+        <p:nvPr/>
+      </p:nvGrpSpPr>
+      <p:grpSpPr>
+        <a:xfrm>
+          <a:off x="0" y="0"/>
+          <a:ext cx="0" cy="0"/>
+          <a:chOff x="0" y="0"/>
+          <a:chExt cx="0" cy="0"/>
+        </a:xfrm>
+      </p:grpSpPr>
+      <p:sp>
+        <p:nvSpPr>
+          <p:cNvPr id="2" name="Slide Image Placeholder 1"/>
+          <p:cNvSpPr>
+            <a:spLocks noGrp="1" noRot="1" noChangeAspect="1"/>
+          </p:cNvSpPr>
+          <p:nvPr>
+            <p:ph type="sldImg"/>
+          </p:nvPr>
+        </p:nvSpPr>
+        <p:spPr/>
+      </p:sp>
+      <p:sp>
+        <p:nvSpPr>
+          <p:cNvPr id="3" name="Notes Placeholder 2"/>
+          <p:cNvSpPr>
+            <a:spLocks noGrp="1"/>
+          </p:cNvSpPr>
+          <p:nvPr>
+            <p:ph type="body" idx="1"/>
+          </p:nvPr>
+        </p:nvSpPr>
+        <p:spPr/>
+        <p:txBody>
+          <a:bodyPr/>
+          <a:lstStyle/>
+          <a:p>
+            <a:endParaRPr lang="en-US"/>
+          </a:p>
+        </p:txBody>
+      </p:sp>
+      <p:sp>
+        <p:nvSpPr>
+          <p:cNvPr id="4" name="Slide Number Placeholder 3"/>
+          <p:cNvSpPr>
+            <a:spLocks noGrp="1"/>
+          </p:cNvSpPr>
+          <p:nvPr>
+            <p:ph type="sldNum" sz="quarter" idx="5"/>
+          </p:nvPr>
+        </p:nvSpPr>
+        <p:spPr/>
+        <p:txBody>
+          <a:bodyPr/>
+          <a:lstStyle/>
+          <a:p>
+            <a:pPr>
+              <a:defRPr/>
+            </a:pPr>
+            <a:fld id="{DB9721C8-080E-4AE7-89F7-915173249943}" type="slidenum">
+              <a:rPr lang="en-US" smtClean="0"/>
+              <a:pPr>
+                <a:defRPr/>
+              </a:pPr>
+              <a:t>11</a:t>
+            </a:fld>
+            <a:endParaRPr lang="en-US"/>
+          </a:p>
+        </p:txBody>
+      </p:sp>
+    </p:spTree>
+    <p:extLst>
+      <p:ext uri="{BB962C8B-B14F-4D97-AF65-F5344CB8AC3E}">
+        <p14:creationId xmlns:p14="http://schemas.microsoft.com/office/powerpoint/2010/main" val="1932206077"/>
+      </p:ext>
+    </p:extLst>
+  </p:cSld>
+  <p:clrMapOvr>
+    <a:masterClrMapping/>
+  </p:clrMapOvr>
+</p:notes>
+</file>
+
+<file path=ppt/notesSlides/notesSlide12.xml><?xml version="1.0" encoding="utf-8"?>
+<p:notes xmlns:a="http://schemas.openxmlformats.org/drawingml/2006/main" xmlns:r="http://schemas.openxmlformats.org/officeDocument/2006/relationships" xmlns:p="http://schemas.openxmlformats.org/presentationml/2006/main">
+  <p:cSld>
+    <p:spTree>
+      <p:nvGrpSpPr>
+        <p:cNvPr id="1" name=""/>
+        <p:cNvGrpSpPr/>
+        <p:nvPr/>
+      </p:nvGrpSpPr>
+      <p:grpSpPr>
+        <a:xfrm>
+          <a:off x="0" y="0"/>
+          <a:ext cx="0" cy="0"/>
+          <a:chOff x="0" y="0"/>
+          <a:chExt cx="0" cy="0"/>
+        </a:xfrm>
+      </p:grpSpPr>
+      <p:sp>
+        <p:nvSpPr>
+          <p:cNvPr id="2" name="Slide Image Placeholder 1"/>
+          <p:cNvSpPr>
+            <a:spLocks noGrp="1" noRot="1" noChangeAspect="1"/>
+          </p:cNvSpPr>
+          <p:nvPr>
+            <p:ph type="sldImg"/>
+          </p:nvPr>
+        </p:nvSpPr>
+        <p:spPr/>
+      </p:sp>
+      <p:sp>
+        <p:nvSpPr>
+          <p:cNvPr id="3" name="Notes Placeholder 2"/>
+          <p:cNvSpPr>
+            <a:spLocks noGrp="1"/>
+          </p:cNvSpPr>
+          <p:nvPr>
+            <p:ph type="body" idx="1"/>
+          </p:nvPr>
+        </p:nvSpPr>
+        <p:spPr/>
+        <p:txBody>
+          <a:bodyPr/>
+          <a:lstStyle/>
+          <a:p>
+            <a:endParaRPr lang="en-US"/>
+          </a:p>
+        </p:txBody>
+      </p:sp>
+      <p:sp>
+        <p:nvSpPr>
+          <p:cNvPr id="4" name="Slide Number Placeholder 3"/>
+          <p:cNvSpPr>
+            <a:spLocks noGrp="1"/>
+          </p:cNvSpPr>
+          <p:nvPr>
+            <p:ph type="sldNum" sz="quarter" idx="5"/>
+          </p:nvPr>
+        </p:nvSpPr>
+        <p:spPr/>
+        <p:txBody>
+          <a:bodyPr/>
+          <a:lstStyle/>
+          <a:p>
+            <a:pPr>
+              <a:defRPr/>
+            </a:pPr>
+            <a:fld id="{DB9721C8-080E-4AE7-89F7-915173249943}" type="slidenum">
+              <a:rPr lang="en-US" smtClean="0"/>
+              <a:pPr>
+                <a:defRPr/>
+              </a:pPr>
+              <a:t>12</a:t>
+            </a:fld>
+            <a:endParaRPr lang="en-US"/>
+          </a:p>
+        </p:txBody>
+      </p:sp>
+    </p:spTree>
+    <p:extLst>
+      <p:ext uri="{BB962C8B-B14F-4D97-AF65-F5344CB8AC3E}">
+        <p14:creationId xmlns:p14="http://schemas.microsoft.com/office/powerpoint/2010/main" val="2275269677"/>
+      </p:ext>
+    </p:extLst>
+  </p:cSld>
+  <p:clrMapOvr>
+    <a:masterClrMapping/>
+  </p:clrMapOvr>
+</p:notes>
+</file>
+
+<file path=ppt/notesSlides/notesSlide2.xml><?xml version="1.0" encoding="utf-8"?>
+<p:notes xmlns:a="http://schemas.openxmlformats.org/drawingml/2006/main" xmlns:r="http://schemas.openxmlformats.org/officeDocument/2006/relationships" xmlns:p="http://schemas.openxmlformats.org/presentationml/2006/main">
+  <p:cSld>
+    <p:spTree>
+      <p:nvGrpSpPr>
+        <p:cNvPr id="1" name=""/>
+        <p:cNvGrpSpPr/>
+        <p:nvPr/>
+      </p:nvGrpSpPr>
+      <p:grpSpPr>
+        <a:xfrm>
+          <a:off x="0" y="0"/>
+          <a:ext cx="0" cy="0"/>
+          <a:chOff x="0" y="0"/>
+          <a:chExt cx="0" cy="0"/>
+        </a:xfrm>
+      </p:grpSpPr>
+      <p:sp>
+        <p:nvSpPr>
+          <p:cNvPr id="2" name="Slide Image Placeholder 1"/>
+          <p:cNvSpPr>
+            <a:spLocks noGrp="1" noRot="1" noChangeAspect="1"/>
+          </p:cNvSpPr>
+          <p:nvPr>
+            <p:ph type="sldImg"/>
+          </p:nvPr>
+        </p:nvSpPr>
+        <p:spPr/>
+      </p:sp>
+      <p:sp>
+        <p:nvSpPr>
+          <p:cNvPr id="3" name="Notes Placeholder 2"/>
+          <p:cNvSpPr>
+            <a:spLocks noGrp="1"/>
+          </p:cNvSpPr>
+          <p:nvPr>
+            <p:ph type="body" idx="1"/>
+          </p:nvPr>
+        </p:nvSpPr>
+        <p:spPr/>
+        <p:txBody>
+          <a:bodyPr/>
+          <a:lstStyle/>
+          <a:p>
+            <a:endParaRPr lang="en-US"/>
+          </a:p>
+        </p:txBody>
+      </p:sp>
+      <p:sp>
+        <p:nvSpPr>
+          <p:cNvPr id="4" name="Slide Number Placeholder 3"/>
+          <p:cNvSpPr>
+            <a:spLocks noGrp="1"/>
+          </p:cNvSpPr>
+          <p:nvPr>
+            <p:ph type="sldNum" sz="quarter" idx="5"/>
+          </p:nvPr>
+        </p:nvSpPr>
+        <p:spPr/>
+        <p:txBody>
+          <a:bodyPr/>
+          <a:lstStyle/>
+          <a:p>
+            <a:pPr>
+              <a:defRPr/>
+            </a:pPr>
+            <a:fld id="{DB9721C8-080E-4AE7-89F7-915173249943}" type="slidenum">
+              <a:rPr lang="en-US" smtClean="0"/>
+              <a:pPr>
+                <a:defRPr/>
+              </a:pPr>
+              <a:t>2</a:t>
+            </a:fld>
+            <a:endParaRPr lang="en-US"/>
+          </a:p>
+        </p:txBody>
+      </p:sp>
+    </p:spTree>
+    <p:extLst>
+      <p:ext uri="{BB962C8B-B14F-4D97-AF65-F5344CB8AC3E}">
+        <p14:creationId xmlns:p14="http://schemas.microsoft.com/office/powerpoint/2010/main" val="4217457142"/>
+      </p:ext>
+    </p:extLst>
+  </p:cSld>
+  <p:clrMapOvr>
+    <a:masterClrMapping/>
+  </p:clrMapOvr>
+</p:notes>
+</file>
+
+<file path=ppt/notesSlides/notesSlide3.xml><?xml version="1.0" encoding="utf-8"?>
+<p:notes xmlns:a="http://schemas.openxmlformats.org/drawingml/2006/main" xmlns:r="http://schemas.openxmlformats.org/officeDocument/2006/relationships" xmlns:p="http://schemas.openxmlformats.org/presentationml/2006/main">
+  <p:cSld>
+    <p:spTree>
+      <p:nvGrpSpPr>
+        <p:cNvPr id="1" name=""/>
+        <p:cNvGrpSpPr/>
+        <p:nvPr/>
+      </p:nvGrpSpPr>
+      <p:grpSpPr>
+        <a:xfrm>
+          <a:off x="0" y="0"/>
+          <a:ext cx="0" cy="0"/>
+          <a:chOff x="0" y="0"/>
+          <a:chExt cx="0" cy="0"/>
+        </a:xfrm>
+      </p:grpSpPr>
+      <p:sp>
+        <p:nvSpPr>
+          <p:cNvPr id="2" name="Slide Image Placeholder 1"/>
+          <p:cNvSpPr>
+            <a:spLocks noGrp="1" noRot="1" noChangeAspect="1"/>
+          </p:cNvSpPr>
+          <p:nvPr>
+            <p:ph type="sldImg"/>
+          </p:nvPr>
+        </p:nvSpPr>
+        <p:spPr/>
+      </p:sp>
+      <p:sp>
+        <p:nvSpPr>
+          <p:cNvPr id="3" name="Notes Placeholder 2"/>
+          <p:cNvSpPr>
+            <a:spLocks noGrp="1"/>
+          </p:cNvSpPr>
+          <p:nvPr>
+            <p:ph type="body" idx="1"/>
+          </p:nvPr>
+        </p:nvSpPr>
+        <p:spPr/>
+        <p:txBody>
+          <a:bodyPr/>
+          <a:lstStyle/>
+          <a:p>
+            <a:endParaRPr lang="en-US"/>
+          </a:p>
+        </p:txBody>
+      </p:sp>
+      <p:sp>
+        <p:nvSpPr>
+          <p:cNvPr id="4" name="Slide Number Placeholder 3"/>
+          <p:cNvSpPr>
+            <a:spLocks noGrp="1"/>
+          </p:cNvSpPr>
+          <p:nvPr>
+            <p:ph type="sldNum" sz="quarter" idx="5"/>
+          </p:nvPr>
+        </p:nvSpPr>
+        <p:spPr/>
+        <p:txBody>
+          <a:bodyPr/>
+          <a:lstStyle/>
+          <a:p>
+            <a:pPr>
+              <a:defRPr/>
+            </a:pPr>
+            <a:fld id="{DB9721C8-080E-4AE7-89F7-915173249943}" type="slidenum">
+              <a:rPr lang="en-US" smtClean="0"/>
+              <a:pPr>
+                <a:defRPr/>
+              </a:pPr>
+              <a:t>3</a:t>
+            </a:fld>
+            <a:endParaRPr lang="en-US"/>
+          </a:p>
+        </p:txBody>
+      </p:sp>
+    </p:spTree>
+    <p:extLst>
+      <p:ext uri="{BB962C8B-B14F-4D97-AF65-F5344CB8AC3E}">
+        <p14:creationId xmlns:p14="http://schemas.microsoft.com/office/powerpoint/2010/main" val="1961386196"/>
+      </p:ext>
+    </p:extLst>
+  </p:cSld>
+  <p:clrMapOvr>
+    <a:masterClrMapping/>
+  </p:clrMapOvr>
+</p:notes>
+</file>
+
+<file path=ppt/notesSlides/notesSlide4.xml><?xml version="1.0" encoding="utf-8"?>
+<p:notes xmlns:a="http://schemas.openxmlformats.org/drawingml/2006/main" xmlns:r="http://schemas.openxmlformats.org/officeDocument/2006/relationships" xmlns:p="http://schemas.openxmlformats.org/presentationml/2006/main">
+  <p:cSld>
+    <p:spTree>
+      <p:nvGrpSpPr>
+        <p:cNvPr id="1" name=""/>
+        <p:cNvGrpSpPr/>
+        <p:nvPr/>
+      </p:nvGrpSpPr>
+      <p:grpSpPr>
+        <a:xfrm>
+          <a:off x="0" y="0"/>
+          <a:ext cx="0" cy="0"/>
+          <a:chOff x="0" y="0"/>
+          <a:chExt cx="0" cy="0"/>
+        </a:xfrm>
+      </p:grpSpPr>
+      <p:sp>
+        <p:nvSpPr>
+          <p:cNvPr id="2" name="Slide Image Placeholder 1"/>
+          <p:cNvSpPr>
+            <a:spLocks noGrp="1" noRot="1" noChangeAspect="1"/>
+          </p:cNvSpPr>
+          <p:nvPr>
+            <p:ph type="sldImg"/>
+          </p:nvPr>
+        </p:nvSpPr>
+        <p:spPr/>
+      </p:sp>
+      <p:sp>
+        <p:nvSpPr>
+          <p:cNvPr id="3" name="Notes Placeholder 2"/>
+          <p:cNvSpPr>
+            <a:spLocks noGrp="1"/>
+          </p:cNvSpPr>
+          <p:nvPr>
+            <p:ph type="body" idx="1"/>
+          </p:nvPr>
+        </p:nvSpPr>
+        <p:spPr/>
+        <p:txBody>
+          <a:bodyPr/>
+          <a:lstStyle/>
+          <a:p>
             <a:r>
               <a:rPr lang="en-US"/>
               <a:t>Do not modify the notes in this section to avoid tampering with the Poll Everywhere activity.
@@ -977,6 +1518,456 @@
     <p:extLst>
       <p:ext uri="{BB962C8B-B14F-4D97-AF65-F5344CB8AC3E}">
         <p14:creationId xmlns:p14="http://schemas.microsoft.com/office/powerpoint/2010/main" val="3711598944"/>
+      </p:ext>
+    </p:extLst>
+  </p:cSld>
+  <p:clrMapOvr>
+    <a:masterClrMapping/>
+  </p:clrMapOvr>
+</p:notes>
+</file>
+
+<file path=ppt/notesSlides/notesSlide5.xml><?xml version="1.0" encoding="utf-8"?>
+<p:notes xmlns:a="http://schemas.openxmlformats.org/drawingml/2006/main" xmlns:r="http://schemas.openxmlformats.org/officeDocument/2006/relationships" xmlns:p="http://schemas.openxmlformats.org/presentationml/2006/main">
+  <p:cSld>
+    <p:spTree>
+      <p:nvGrpSpPr>
+        <p:cNvPr id="1" name=""/>
+        <p:cNvGrpSpPr/>
+        <p:nvPr/>
+      </p:nvGrpSpPr>
+      <p:grpSpPr>
+        <a:xfrm>
+          <a:off x="0" y="0"/>
+          <a:ext cx="0" cy="0"/>
+          <a:chOff x="0" y="0"/>
+          <a:chExt cx="0" cy="0"/>
+        </a:xfrm>
+      </p:grpSpPr>
+      <p:sp>
+        <p:nvSpPr>
+          <p:cNvPr id="2" name="Slide Image Placeholder 1"/>
+          <p:cNvSpPr>
+            <a:spLocks noGrp="1" noRot="1" noChangeAspect="1"/>
+          </p:cNvSpPr>
+          <p:nvPr>
+            <p:ph type="sldImg"/>
+          </p:nvPr>
+        </p:nvSpPr>
+        <p:spPr/>
+      </p:sp>
+      <p:sp>
+        <p:nvSpPr>
+          <p:cNvPr id="3" name="Notes Placeholder 2"/>
+          <p:cNvSpPr>
+            <a:spLocks noGrp="1"/>
+          </p:cNvSpPr>
+          <p:nvPr>
+            <p:ph type="body" idx="1"/>
+          </p:nvPr>
+        </p:nvSpPr>
+        <p:spPr/>
+        <p:txBody>
+          <a:bodyPr/>
+          <a:lstStyle/>
+          <a:p>
+            <a:endParaRPr lang="en-US"/>
+          </a:p>
+        </p:txBody>
+      </p:sp>
+      <p:sp>
+        <p:nvSpPr>
+          <p:cNvPr id="4" name="Slide Number Placeholder 3"/>
+          <p:cNvSpPr>
+            <a:spLocks noGrp="1"/>
+          </p:cNvSpPr>
+          <p:nvPr>
+            <p:ph type="sldNum" sz="quarter" idx="5"/>
+          </p:nvPr>
+        </p:nvSpPr>
+        <p:spPr/>
+        <p:txBody>
+          <a:bodyPr/>
+          <a:lstStyle/>
+          <a:p>
+            <a:pPr>
+              <a:defRPr/>
+            </a:pPr>
+            <a:fld id="{DB9721C8-080E-4AE7-89F7-915173249943}" type="slidenum">
+              <a:rPr lang="en-US" smtClean="0"/>
+              <a:pPr>
+                <a:defRPr/>
+              </a:pPr>
+              <a:t>5</a:t>
+            </a:fld>
+            <a:endParaRPr lang="en-US"/>
+          </a:p>
+        </p:txBody>
+      </p:sp>
+    </p:spTree>
+    <p:extLst>
+      <p:ext uri="{BB962C8B-B14F-4D97-AF65-F5344CB8AC3E}">
+        <p14:creationId xmlns:p14="http://schemas.microsoft.com/office/powerpoint/2010/main" val="1354403231"/>
+      </p:ext>
+    </p:extLst>
+  </p:cSld>
+  <p:clrMapOvr>
+    <a:masterClrMapping/>
+  </p:clrMapOvr>
+</p:notes>
+</file>
+
+<file path=ppt/notesSlides/notesSlide6.xml><?xml version="1.0" encoding="utf-8"?>
+<p:notes xmlns:a="http://schemas.openxmlformats.org/drawingml/2006/main" xmlns:r="http://schemas.openxmlformats.org/officeDocument/2006/relationships" xmlns:p="http://schemas.openxmlformats.org/presentationml/2006/main">
+  <p:cSld>
+    <p:spTree>
+      <p:nvGrpSpPr>
+        <p:cNvPr id="1" name=""/>
+        <p:cNvGrpSpPr/>
+        <p:nvPr/>
+      </p:nvGrpSpPr>
+      <p:grpSpPr>
+        <a:xfrm>
+          <a:off x="0" y="0"/>
+          <a:ext cx="0" cy="0"/>
+          <a:chOff x="0" y="0"/>
+          <a:chExt cx="0" cy="0"/>
+        </a:xfrm>
+      </p:grpSpPr>
+      <p:sp>
+        <p:nvSpPr>
+          <p:cNvPr id="2" name="Slide Image Placeholder 1"/>
+          <p:cNvSpPr>
+            <a:spLocks noGrp="1" noRot="1" noChangeAspect="1"/>
+          </p:cNvSpPr>
+          <p:nvPr>
+            <p:ph type="sldImg"/>
+          </p:nvPr>
+        </p:nvSpPr>
+        <p:spPr/>
+      </p:sp>
+      <p:sp>
+        <p:nvSpPr>
+          <p:cNvPr id="3" name="Notes Placeholder 2"/>
+          <p:cNvSpPr>
+            <a:spLocks noGrp="1"/>
+          </p:cNvSpPr>
+          <p:nvPr>
+            <p:ph type="body" idx="1"/>
+          </p:nvPr>
+        </p:nvSpPr>
+        <p:spPr/>
+        <p:txBody>
+          <a:bodyPr/>
+          <a:lstStyle/>
+          <a:p>
+            <a:endParaRPr lang="en-US"/>
+          </a:p>
+        </p:txBody>
+      </p:sp>
+      <p:sp>
+        <p:nvSpPr>
+          <p:cNvPr id="4" name="Slide Number Placeholder 3"/>
+          <p:cNvSpPr>
+            <a:spLocks noGrp="1"/>
+          </p:cNvSpPr>
+          <p:nvPr>
+            <p:ph type="sldNum" sz="quarter" idx="5"/>
+          </p:nvPr>
+        </p:nvSpPr>
+        <p:spPr/>
+        <p:txBody>
+          <a:bodyPr/>
+          <a:lstStyle/>
+          <a:p>
+            <a:pPr>
+              <a:defRPr/>
+            </a:pPr>
+            <a:fld id="{DB9721C8-080E-4AE7-89F7-915173249943}" type="slidenum">
+              <a:rPr lang="en-US" smtClean="0"/>
+              <a:pPr>
+                <a:defRPr/>
+              </a:pPr>
+              <a:t>6</a:t>
+            </a:fld>
+            <a:endParaRPr lang="en-US"/>
+          </a:p>
+        </p:txBody>
+      </p:sp>
+    </p:spTree>
+    <p:extLst>
+      <p:ext uri="{BB962C8B-B14F-4D97-AF65-F5344CB8AC3E}">
+        <p14:creationId xmlns:p14="http://schemas.microsoft.com/office/powerpoint/2010/main" val="1869021410"/>
+      </p:ext>
+    </p:extLst>
+  </p:cSld>
+  <p:clrMapOvr>
+    <a:masterClrMapping/>
+  </p:clrMapOvr>
+</p:notes>
+</file>
+
+<file path=ppt/notesSlides/notesSlide7.xml><?xml version="1.0" encoding="utf-8"?>
+<p:notes xmlns:a="http://schemas.openxmlformats.org/drawingml/2006/main" xmlns:r="http://schemas.openxmlformats.org/officeDocument/2006/relationships" xmlns:p="http://schemas.openxmlformats.org/presentationml/2006/main">
+  <p:cSld>
+    <p:spTree>
+      <p:nvGrpSpPr>
+        <p:cNvPr id="1" name=""/>
+        <p:cNvGrpSpPr/>
+        <p:nvPr/>
+      </p:nvGrpSpPr>
+      <p:grpSpPr>
+        <a:xfrm>
+          <a:off x="0" y="0"/>
+          <a:ext cx="0" cy="0"/>
+          <a:chOff x="0" y="0"/>
+          <a:chExt cx="0" cy="0"/>
+        </a:xfrm>
+      </p:grpSpPr>
+      <p:sp>
+        <p:nvSpPr>
+          <p:cNvPr id="2" name="Slide Image Placeholder 1"/>
+          <p:cNvSpPr>
+            <a:spLocks noGrp="1" noRot="1" noChangeAspect="1"/>
+          </p:cNvSpPr>
+          <p:nvPr>
+            <p:ph type="sldImg"/>
+          </p:nvPr>
+        </p:nvSpPr>
+        <p:spPr/>
+      </p:sp>
+      <p:sp>
+        <p:nvSpPr>
+          <p:cNvPr id="3" name="Notes Placeholder 2"/>
+          <p:cNvSpPr>
+            <a:spLocks noGrp="1"/>
+          </p:cNvSpPr>
+          <p:nvPr>
+            <p:ph type="body" idx="1"/>
+          </p:nvPr>
+        </p:nvSpPr>
+        <p:spPr/>
+        <p:txBody>
+          <a:bodyPr/>
+          <a:lstStyle/>
+          <a:p>
+            <a:endParaRPr lang="en-US"/>
+          </a:p>
+        </p:txBody>
+      </p:sp>
+      <p:sp>
+        <p:nvSpPr>
+          <p:cNvPr id="4" name="Slide Number Placeholder 3"/>
+          <p:cNvSpPr>
+            <a:spLocks noGrp="1"/>
+          </p:cNvSpPr>
+          <p:nvPr>
+            <p:ph type="sldNum" sz="quarter" idx="5"/>
+          </p:nvPr>
+        </p:nvSpPr>
+        <p:spPr/>
+        <p:txBody>
+          <a:bodyPr/>
+          <a:lstStyle/>
+          <a:p>
+            <a:pPr>
+              <a:defRPr/>
+            </a:pPr>
+            <a:fld id="{DB9721C8-080E-4AE7-89F7-915173249943}" type="slidenum">
+              <a:rPr lang="en-US" smtClean="0"/>
+              <a:pPr>
+                <a:defRPr/>
+              </a:pPr>
+              <a:t>7</a:t>
+            </a:fld>
+            <a:endParaRPr lang="en-US"/>
+          </a:p>
+        </p:txBody>
+      </p:sp>
+    </p:spTree>
+    <p:extLst>
+      <p:ext uri="{BB962C8B-B14F-4D97-AF65-F5344CB8AC3E}">
+        <p14:creationId xmlns:p14="http://schemas.microsoft.com/office/powerpoint/2010/main" val="1506113471"/>
+      </p:ext>
+    </p:extLst>
+  </p:cSld>
+  <p:clrMapOvr>
+    <a:masterClrMapping/>
+  </p:clrMapOvr>
+</p:notes>
+</file>
+
+<file path=ppt/notesSlides/notesSlide8.xml><?xml version="1.0" encoding="utf-8"?>
+<p:notes xmlns:a="http://schemas.openxmlformats.org/drawingml/2006/main" xmlns:r="http://schemas.openxmlformats.org/officeDocument/2006/relationships" xmlns:p="http://schemas.openxmlformats.org/presentationml/2006/main">
+  <p:cSld>
+    <p:spTree>
+      <p:nvGrpSpPr>
+        <p:cNvPr id="1" name=""/>
+        <p:cNvGrpSpPr/>
+        <p:nvPr/>
+      </p:nvGrpSpPr>
+      <p:grpSpPr>
+        <a:xfrm>
+          <a:off x="0" y="0"/>
+          <a:ext cx="0" cy="0"/>
+          <a:chOff x="0" y="0"/>
+          <a:chExt cx="0" cy="0"/>
+        </a:xfrm>
+      </p:grpSpPr>
+      <p:sp>
+        <p:nvSpPr>
+          <p:cNvPr id="2" name="Slide Image Placeholder 1"/>
+          <p:cNvSpPr>
+            <a:spLocks noGrp="1" noRot="1" noChangeAspect="1"/>
+          </p:cNvSpPr>
+          <p:nvPr>
+            <p:ph type="sldImg"/>
+          </p:nvPr>
+        </p:nvSpPr>
+        <p:spPr/>
+      </p:sp>
+      <p:sp>
+        <p:nvSpPr>
+          <p:cNvPr id="3" name="Notes Placeholder 2"/>
+          <p:cNvSpPr>
+            <a:spLocks noGrp="1"/>
+          </p:cNvSpPr>
+          <p:nvPr>
+            <p:ph type="body" idx="1"/>
+          </p:nvPr>
+        </p:nvSpPr>
+        <p:spPr/>
+        <p:txBody>
+          <a:bodyPr/>
+          <a:lstStyle/>
+          <a:p>
+            <a:endParaRPr lang="en-US"/>
+          </a:p>
+        </p:txBody>
+      </p:sp>
+      <p:sp>
+        <p:nvSpPr>
+          <p:cNvPr id="4" name="Slide Number Placeholder 3"/>
+          <p:cNvSpPr>
+            <a:spLocks noGrp="1"/>
+          </p:cNvSpPr>
+          <p:nvPr>
+            <p:ph type="sldNum" sz="quarter" idx="5"/>
+          </p:nvPr>
+        </p:nvSpPr>
+        <p:spPr/>
+        <p:txBody>
+          <a:bodyPr/>
+          <a:lstStyle/>
+          <a:p>
+            <a:pPr>
+              <a:defRPr/>
+            </a:pPr>
+            <a:fld id="{DB9721C8-080E-4AE7-89F7-915173249943}" type="slidenum">
+              <a:rPr lang="en-US" smtClean="0"/>
+              <a:pPr>
+                <a:defRPr/>
+              </a:pPr>
+              <a:t>8</a:t>
+            </a:fld>
+            <a:endParaRPr lang="en-US"/>
+          </a:p>
+        </p:txBody>
+      </p:sp>
+    </p:spTree>
+    <p:extLst>
+      <p:ext uri="{BB962C8B-B14F-4D97-AF65-F5344CB8AC3E}">
+        <p14:creationId xmlns:p14="http://schemas.microsoft.com/office/powerpoint/2010/main" val="125465585"/>
+      </p:ext>
+    </p:extLst>
+  </p:cSld>
+  <p:clrMapOvr>
+    <a:masterClrMapping/>
+  </p:clrMapOvr>
+</p:notes>
+</file>
+
+<file path=ppt/notesSlides/notesSlide9.xml><?xml version="1.0" encoding="utf-8"?>
+<p:notes xmlns:a="http://schemas.openxmlformats.org/drawingml/2006/main" xmlns:r="http://schemas.openxmlformats.org/officeDocument/2006/relationships" xmlns:p="http://schemas.openxmlformats.org/presentationml/2006/main">
+  <p:cSld>
+    <p:spTree>
+      <p:nvGrpSpPr>
+        <p:cNvPr id="1" name=""/>
+        <p:cNvGrpSpPr/>
+        <p:nvPr/>
+      </p:nvGrpSpPr>
+      <p:grpSpPr>
+        <a:xfrm>
+          <a:off x="0" y="0"/>
+          <a:ext cx="0" cy="0"/>
+          <a:chOff x="0" y="0"/>
+          <a:chExt cx="0" cy="0"/>
+        </a:xfrm>
+      </p:grpSpPr>
+      <p:sp>
+        <p:nvSpPr>
+          <p:cNvPr id="2" name="Slide Image Placeholder 1"/>
+          <p:cNvSpPr>
+            <a:spLocks noGrp="1" noRot="1" noChangeAspect="1"/>
+          </p:cNvSpPr>
+          <p:nvPr>
+            <p:ph type="sldImg"/>
+          </p:nvPr>
+        </p:nvSpPr>
+        <p:spPr/>
+      </p:sp>
+      <p:sp>
+        <p:nvSpPr>
+          <p:cNvPr id="3" name="Notes Placeholder 2"/>
+          <p:cNvSpPr>
+            <a:spLocks noGrp="1"/>
+          </p:cNvSpPr>
+          <p:nvPr>
+            <p:ph type="body" idx="1"/>
+          </p:nvPr>
+        </p:nvSpPr>
+        <p:spPr/>
+        <p:txBody>
+          <a:bodyPr/>
+          <a:lstStyle/>
+          <a:p>
+            <a:endParaRPr lang="en-US"/>
+          </a:p>
+        </p:txBody>
+      </p:sp>
+      <p:sp>
+        <p:nvSpPr>
+          <p:cNvPr id="4" name="Slide Number Placeholder 3"/>
+          <p:cNvSpPr>
+            <a:spLocks noGrp="1"/>
+          </p:cNvSpPr>
+          <p:nvPr>
+            <p:ph type="sldNum" sz="quarter" idx="5"/>
+          </p:nvPr>
+        </p:nvSpPr>
+        <p:spPr/>
+        <p:txBody>
+          <a:bodyPr/>
+          <a:lstStyle/>
+          <a:p>
+            <a:pPr>
+              <a:defRPr/>
+            </a:pPr>
+            <a:fld id="{DB9721C8-080E-4AE7-89F7-915173249943}" type="slidenum">
+              <a:rPr lang="en-US" smtClean="0"/>
+              <a:pPr>
+                <a:defRPr/>
+              </a:pPr>
+              <a:t>9</a:t>
+            </a:fld>
+            <a:endParaRPr lang="en-US"/>
+          </a:p>
+        </p:txBody>
+      </p:sp>
+    </p:spTree>
+    <p:extLst>
+      <p:ext uri="{BB962C8B-B14F-4D97-AF65-F5344CB8AC3E}">
+        <p14:creationId xmlns:p14="http://schemas.microsoft.com/office/powerpoint/2010/main" val="2882582249"/>
       </p:ext>
     </p:extLst>
   </p:cSld>
@@ -10020,7 +11011,7 @@
           <p:nvPr/>
         </p:nvPicPr>
         <p:blipFill>
-          <a:blip r:embed="rId2">
+          <a:blip r:embed="rId3">
             <a:extLst>
               <a:ext uri="{28A0092B-C50C-407E-A947-70E740481C1C}">
                 <a14:useLocalDpi xmlns:a14="http://schemas.microsoft.com/office/drawing/2010/main" val="0"/>
@@ -14136,6 +15127,133 @@
 </p:sld>
 </file>
 
+<file path=ppt/slides/slide12.xml><?xml version="1.0" encoding="utf-8"?>
+<p:sld xmlns:a="http://schemas.openxmlformats.org/drawingml/2006/main" xmlns:r="http://schemas.openxmlformats.org/officeDocument/2006/relationships" xmlns:p="http://schemas.openxmlformats.org/presentationml/2006/main">
+  <p:cSld>
+    <p:spTree>
+      <p:nvGrpSpPr>
+        <p:cNvPr id="1" name=""/>
+        <p:cNvGrpSpPr/>
+        <p:nvPr/>
+      </p:nvGrpSpPr>
+      <p:grpSpPr>
+        <a:xfrm>
+          <a:off x="0" y="0"/>
+          <a:ext cx="0" cy="0"/>
+          <a:chOff x="0" y="0"/>
+          <a:chExt cx="0" cy="0"/>
+        </a:xfrm>
+      </p:grpSpPr>
+      <p:sp>
+        <p:nvSpPr>
+          <p:cNvPr id="2" name="Title 1">
+            <a:extLst>
+              <a:ext uri="{FF2B5EF4-FFF2-40B4-BE49-F238E27FC236}">
+                <a16:creationId xmlns:a16="http://schemas.microsoft.com/office/drawing/2014/main" id="{B7973DAD-ACF0-844A-9D35-E59AA989C900}"/>
+              </a:ext>
+            </a:extLst>
+          </p:cNvPr>
+          <p:cNvSpPr>
+            <a:spLocks noGrp="1"/>
+          </p:cNvSpPr>
+          <p:nvPr>
+            <p:ph type="title"/>
+          </p:nvPr>
+        </p:nvSpPr>
+        <p:spPr/>
+        <p:txBody>
+          <a:bodyPr/>
+          <a:lstStyle/>
+          <a:p>
+            <a:endParaRPr lang="en-US"/>
+          </a:p>
+        </p:txBody>
+      </p:sp>
+      <p:sp>
+        <p:nvSpPr>
+          <p:cNvPr id="3" name="Content Placeholder 2">
+            <a:extLst>
+              <a:ext uri="{FF2B5EF4-FFF2-40B4-BE49-F238E27FC236}">
+                <a16:creationId xmlns:a16="http://schemas.microsoft.com/office/drawing/2014/main" id="{588729FF-AE2F-C841-9448-1D621A96B743}"/>
+              </a:ext>
+            </a:extLst>
+          </p:cNvPr>
+          <p:cNvSpPr>
+            <a:spLocks noGrp="1"/>
+          </p:cNvSpPr>
+          <p:nvPr>
+            <p:ph idx="1"/>
+          </p:nvPr>
+        </p:nvSpPr>
+        <p:spPr/>
+        <p:txBody>
+          <a:bodyPr/>
+          <a:lstStyle/>
+          <a:p>
+            <a:endParaRPr lang="en-US"/>
+          </a:p>
+        </p:txBody>
+      </p:sp>
+      <p:pic>
+        <p:nvPicPr>
+          <p:cNvPr id="1026" name="Picture 2" descr="How Open Source Ate Software: Understand the Open Source Movement and So  Much More (English Edition) - eBooks em Inglês na Amazon.com.br">
+            <a:extLst>
+              <a:ext uri="{FF2B5EF4-FFF2-40B4-BE49-F238E27FC236}">
+                <a16:creationId xmlns:a16="http://schemas.microsoft.com/office/drawing/2014/main" id="{E2FD8F90-88A4-B34F-91B2-EF3D9DD3798B}"/>
+              </a:ext>
+            </a:extLst>
+          </p:cNvPr>
+          <p:cNvPicPr>
+            <a:picLocks noChangeAspect="1" noChangeArrowheads="1"/>
+          </p:cNvPicPr>
+          <p:nvPr/>
+        </p:nvPicPr>
+        <p:blipFill>
+          <a:blip r:embed="rId3">
+            <a:extLst>
+              <a:ext uri="{28A0092B-C50C-407E-A947-70E740481C1C}">
+                <a14:useLocalDpi xmlns:a14="http://schemas.microsoft.com/office/drawing/2010/main" val="0"/>
+              </a:ext>
+            </a:extLst>
+          </a:blip>
+          <a:srcRect/>
+          <a:stretch>
+            <a:fillRect/>
+          </a:stretch>
+        </p:blipFill>
+        <p:spPr bwMode="auto">
+          <a:xfrm>
+            <a:off x="2070893" y="0"/>
+            <a:ext cx="4815681" cy="6879544"/>
+          </a:xfrm>
+          <a:prstGeom prst="rect">
+            <a:avLst/>
+          </a:prstGeom>
+          <a:noFill/>
+          <a:extLst>
+            <a:ext uri="{909E8E84-426E-40DD-AFC4-6F175D3DCCD1}">
+              <a14:hiddenFill xmlns:a14="http://schemas.microsoft.com/office/drawing/2010/main">
+                <a:solidFill>
+                  <a:srgbClr val="FFFFFF"/>
+                </a:solidFill>
+              </a14:hiddenFill>
+            </a:ext>
+          </a:extLst>
+        </p:spPr>
+      </p:pic>
+    </p:spTree>
+    <p:extLst>
+      <p:ext uri="{BB962C8B-B14F-4D97-AF65-F5344CB8AC3E}">
+        <p14:creationId xmlns:p14="http://schemas.microsoft.com/office/powerpoint/2010/main" val="1077196480"/>
+      </p:ext>
+    </p:extLst>
+  </p:cSld>
+  <p:clrMapOvr>
+    <a:masterClrMapping/>
+  </p:clrMapOvr>
+</p:sld>
+</file>
+
 <file path=ppt/slides/slide2.xml><?xml version="1.0" encoding="utf-8"?>
 <p:sld xmlns:a="http://schemas.openxmlformats.org/drawingml/2006/main" xmlns:r="http://schemas.openxmlformats.org/officeDocument/2006/relationships" xmlns:p="http://schemas.openxmlformats.org/presentationml/2006/main">
   <p:cSld>
@@ -14170,7 +15288,7 @@
           </p:nvPr>
         </p:nvPicPr>
         <p:blipFill>
-          <a:blip r:embed="rId2">
+          <a:blip r:embed="rId3">
             <a:extLst>
               <a:ext uri="{28A0092B-C50C-407E-A947-70E740481C1C}">
                 <a14:useLocalDpi xmlns:a14="http://schemas.microsoft.com/office/drawing/2010/main" val="0"/>
@@ -15564,14 +16682,14 @@
           <a:p>
             <a:pPr lvl="1"/>
             <a:endParaRPr lang="en-US" dirty="0">
-              <a:hlinkClick r:id="rId2"/>
+              <a:hlinkClick r:id="rId3"/>
             </a:endParaRPr>
           </a:p>
           <a:p>
             <a:pPr lvl="1"/>
             <a:r>
               <a:rPr lang="en-US" dirty="0">
-                <a:hlinkClick r:id="rId2"/>
+                <a:hlinkClick r:id="rId3"/>
               </a:rPr>
               <a:t>igorfs@utfpr.edu.br</a:t>
             </a:r>
